--- a/progetto2/presentazione.pptx
+++ b/progetto2/presentazione.pptx
@@ -115,6 +115,11 @@
       </a:defRPr>
     </a:lvl9pPr>
   </p:defaultTextStyle>
+  <p:extLst>
+    <p:ext uri="{EFAFB233-063F-42B5-8137-9DF3F51BA10A}">
+      <p15:sldGuideLst xmlns:p15="http://schemas.microsoft.com/office/powerpoint/2012/main"/>
+    </p:ext>
+  </p:extLst>
 </p:presentation>
 </file>
 
@@ -841,7 +846,7 @@
             <a:fld id="{B61BEF0D-F0BB-DE4B-95CE-6DB70DBA9567}" type="datetimeFigureOut">
               <a:rPr lang="en-US" dirty="0"/>
               <a:pPr/>
-              <a:t>5/24/2018</a:t>
+              <a:t>5/26/2018</a:t>
             </a:fld>
             <a:endParaRPr lang="en-US" dirty="0"/>
           </a:p>
@@ -1089,7 +1094,7 @@
             <a:fld id="{B61BEF0D-F0BB-DE4B-95CE-6DB70DBA9567}" type="datetimeFigureOut">
               <a:rPr lang="en-US" dirty="0"/>
               <a:pPr/>
-              <a:t>5/24/2018</a:t>
+              <a:t>5/26/2018</a:t>
             </a:fld>
             <a:endParaRPr lang="en-US" dirty="0"/>
           </a:p>
@@ -1400,7 +1405,7 @@
             <a:fld id="{B61BEF0D-F0BB-DE4B-95CE-6DB70DBA9567}" type="datetimeFigureOut">
               <a:rPr lang="en-US" dirty="0"/>
               <a:pPr/>
-              <a:t>5/24/2018</a:t>
+              <a:t>5/26/2018</a:t>
             </a:fld>
             <a:endParaRPr lang="en-US" dirty="0"/>
           </a:p>
@@ -1738,7 +1743,7 @@
             <a:fld id="{B61BEF0D-F0BB-DE4B-95CE-6DB70DBA9567}" type="datetimeFigureOut">
               <a:rPr lang="en-US" dirty="0"/>
               <a:pPr/>
-              <a:t>5/24/2018</a:t>
+              <a:t>5/26/2018</a:t>
             </a:fld>
             <a:endParaRPr lang="en-US" dirty="0"/>
           </a:p>
@@ -2049,7 +2054,7 @@
             <a:fld id="{B61BEF0D-F0BB-DE4B-95CE-6DB70DBA9567}" type="datetimeFigureOut">
               <a:rPr lang="en-US" dirty="0"/>
               <a:pPr/>
-              <a:t>5/24/2018</a:t>
+              <a:t>5/26/2018</a:t>
             </a:fld>
             <a:endParaRPr lang="en-US" dirty="0"/>
           </a:p>
@@ -2439,7 +2444,7 @@
             <a:fld id="{B61BEF0D-F0BB-DE4B-95CE-6DB70DBA9567}" type="datetimeFigureOut">
               <a:rPr lang="en-US" dirty="0"/>
               <a:pPr/>
-              <a:t>5/24/2018</a:t>
+              <a:t>5/26/2018</a:t>
             </a:fld>
             <a:endParaRPr lang="en-US" dirty="0"/>
           </a:p>
@@ -2605,7 +2610,7 @@
           <a:p>
             <a:fld id="{55C6B4A9-1611-4792-9094-5F34BCA07E0B}" type="datetimeFigureOut">
               <a:rPr lang="en-US" dirty="0"/>
-              <a:t>5/24/2018</a:t>
+              <a:t>5/26/2018</a:t>
             </a:fld>
             <a:endParaRPr lang="en-US" dirty="0"/>
           </a:p>
@@ -2781,7 +2786,7 @@
             <a:fld id="{B61BEF0D-F0BB-DE4B-95CE-6DB70DBA9567}" type="datetimeFigureOut">
               <a:rPr lang="en-US" dirty="0"/>
               <a:pPr/>
-              <a:t>5/24/2018</a:t>
+              <a:t>5/26/2018</a:t>
             </a:fld>
             <a:endParaRPr lang="en-US" dirty="0"/>
           </a:p>
@@ -2954,7 +2959,7 @@
             <a:fld id="{B61BEF0D-F0BB-DE4B-95CE-6DB70DBA9567}" type="datetimeFigureOut">
               <a:rPr lang="en-US" dirty="0"/>
               <a:pPr/>
-              <a:t>5/24/2018</a:t>
+              <a:t>5/26/2018</a:t>
             </a:fld>
             <a:endParaRPr lang="en-US" dirty="0"/>
           </a:p>
@@ -3198,7 +3203,7 @@
             <a:fld id="{B61BEF0D-F0BB-DE4B-95CE-6DB70DBA9567}" type="datetimeFigureOut">
               <a:rPr lang="en-US" dirty="0"/>
               <a:pPr/>
-              <a:t>5/24/2018</a:t>
+              <a:t>5/26/2018</a:t>
             </a:fld>
             <a:endParaRPr lang="en-US" dirty="0"/>
           </a:p>
@@ -3426,7 +3431,7 @@
           <a:p>
             <a:fld id="{EB712588-04B1-427B-82EE-E8DB90309F08}" type="datetimeFigureOut">
               <a:rPr lang="en-US" dirty="0"/>
-              <a:t>5/24/2018</a:t>
+              <a:t>5/26/2018</a:t>
             </a:fld>
             <a:endParaRPr lang="en-US" dirty="0"/>
           </a:p>
@@ -3796,7 +3801,7 @@
             <a:fld id="{B61BEF0D-F0BB-DE4B-95CE-6DB70DBA9567}" type="datetimeFigureOut">
               <a:rPr lang="en-US" dirty="0"/>
               <a:pPr/>
-              <a:t>5/24/2018</a:t>
+              <a:t>5/26/2018</a:t>
             </a:fld>
             <a:endParaRPr lang="en-US" dirty="0"/>
           </a:p>
@@ -3916,7 +3921,7 @@
             <a:fld id="{B61BEF0D-F0BB-DE4B-95CE-6DB70DBA9567}" type="datetimeFigureOut">
               <a:rPr lang="en-US" dirty="0"/>
               <a:pPr/>
-              <a:t>5/24/2018</a:t>
+              <a:t>5/26/2018</a:t>
             </a:fld>
             <a:endParaRPr lang="en-US" dirty="0"/>
           </a:p>
@@ -4008,7 +4013,7 @@
             <a:fld id="{B61BEF0D-F0BB-DE4B-95CE-6DB70DBA9567}" type="datetimeFigureOut">
               <a:rPr lang="en-US" dirty="0"/>
               <a:pPr/>
-              <a:t>5/24/2018</a:t>
+              <a:t>5/26/2018</a:t>
             </a:fld>
             <a:endParaRPr lang="en-US" dirty="0"/>
           </a:p>
@@ -4259,7 +4264,7 @@
           <a:p>
             <a:fld id="{42A54C80-263E-416B-A8E0-580EDEADCBDC}" type="datetimeFigureOut">
               <a:rPr lang="en-US" dirty="0"/>
-              <a:t>5/24/2018</a:t>
+              <a:t>5/26/2018</a:t>
             </a:fld>
             <a:endParaRPr lang="en-US" dirty="0"/>
           </a:p>
@@ -4518,7 +4523,7 @@
             <a:fld id="{B61BEF0D-F0BB-DE4B-95CE-6DB70DBA9567}" type="datetimeFigureOut">
               <a:rPr lang="en-US" dirty="0"/>
               <a:pPr/>
-              <a:t>5/24/2018</a:t>
+              <a:t>5/26/2018</a:t>
             </a:fld>
             <a:endParaRPr lang="en-US" dirty="0"/>
           </a:p>
@@ -5258,7 +5263,7 @@
             <a:fld id="{B61BEF0D-F0BB-DE4B-95CE-6DB70DBA9567}" type="datetimeFigureOut">
               <a:rPr lang="en-US" dirty="0"/>
               <a:pPr/>
-              <a:t>5/24/2018</a:t>
+              <a:t>5/26/2018</a:t>
             </a:fld>
             <a:endParaRPr lang="en-US" dirty="0"/>
           </a:p>
@@ -6100,10 +6105,32 @@
           <a:bodyPr/>
           <a:lstStyle/>
           <a:p>
-            <a:pPr marL="0" indent="0">
-              <a:buNone/>
-            </a:pPr>
-            <a:endParaRPr lang="it-IT" dirty="0"/>
+            <a:r>
+              <a:rPr lang="it-IT" dirty="0"/>
+              <a:t>Per quanto riguarda la parte 1 del progetto, si è potuto confermare che i tempi d’esecuzione della custom-DCT e della </a:t>
+            </a:r>
+            <a:r>
+              <a:rPr lang="it-IT" dirty="0" err="1"/>
+              <a:t>scipy</a:t>
+            </a:r>
+            <a:r>
+              <a:rPr lang="it-IT" dirty="0"/>
+              <a:t>-DCT su matrici di piccole dimensioni (10^3 celle) sono essenzialmente identici. Per quanto riguarda matrici di grandi dimensioni (10^6 celle), i tempi per la custom-DCT aumentano esponenzialmente, mentre quelli della </a:t>
+            </a:r>
+            <a:r>
+              <a:rPr lang="it-IT" dirty="0" err="1"/>
+              <a:t>scipy</a:t>
+            </a:r>
+            <a:r>
+              <a:rPr lang="it-IT" dirty="0"/>
+              <a:t>-DCT rimangono praticamente costanti. </a:t>
+            </a:r>
+          </a:p>
+          <a:p>
+            <a:r>
+              <a:rPr lang="it-IT" dirty="0"/>
+              <a:t>Parte 2 ???</a:t>
+            </a:r>
           </a:p>
         </p:txBody>
       </p:sp>

--- a/progetto2/presentazione.pptx
+++ b/progetto2/presentazione.pptx
@@ -846,7 +846,7 @@
             <a:fld id="{B61BEF0D-F0BB-DE4B-95CE-6DB70DBA9567}" type="datetimeFigureOut">
               <a:rPr lang="en-US" dirty="0"/>
               <a:pPr/>
-              <a:t>5/26/2018</a:t>
+              <a:t>5/27/18</a:t>
             </a:fld>
             <a:endParaRPr lang="en-US" dirty="0"/>
           </a:p>
@@ -889,7 +889,7 @@
             <a:fld id="{D57F1E4F-1CFF-5643-939E-217C01CDF565}" type="slidenum">
               <a:rPr lang="en-US" dirty="0"/>
               <a:pPr/>
-              <a:t>‹N›</a:t>
+              <a:t>‹#›</a:t>
             </a:fld>
             <a:endParaRPr lang="en-US" dirty="0"/>
           </a:p>
@@ -1094,7 +1094,7 @@
             <a:fld id="{B61BEF0D-F0BB-DE4B-95CE-6DB70DBA9567}" type="datetimeFigureOut">
               <a:rPr lang="en-US" dirty="0"/>
               <a:pPr/>
-              <a:t>5/26/2018</a:t>
+              <a:t>5/27/18</a:t>
             </a:fld>
             <a:endParaRPr lang="en-US" dirty="0"/>
           </a:p>
@@ -1137,7 +1137,7 @@
             <a:fld id="{D57F1E4F-1CFF-5643-939E-217C01CDF565}" type="slidenum">
               <a:rPr lang="en-US" dirty="0"/>
               <a:pPr/>
-              <a:t>‹N›</a:t>
+              <a:t>‹#›</a:t>
             </a:fld>
             <a:endParaRPr lang="en-US" dirty="0"/>
           </a:p>
@@ -1405,7 +1405,7 @@
             <a:fld id="{B61BEF0D-F0BB-DE4B-95CE-6DB70DBA9567}" type="datetimeFigureOut">
               <a:rPr lang="en-US" dirty="0"/>
               <a:pPr/>
-              <a:t>5/26/2018</a:t>
+              <a:t>5/27/18</a:t>
             </a:fld>
             <a:endParaRPr lang="en-US" dirty="0"/>
           </a:p>
@@ -1448,7 +1448,7 @@
             <a:fld id="{D57F1E4F-1CFF-5643-939E-217C01CDF565}" type="slidenum">
               <a:rPr lang="en-US" dirty="0"/>
               <a:pPr/>
-              <a:t>‹N›</a:t>
+              <a:t>‹#›</a:t>
             </a:fld>
             <a:endParaRPr lang="en-US" dirty="0"/>
           </a:p>
@@ -1743,7 +1743,7 @@
             <a:fld id="{B61BEF0D-F0BB-DE4B-95CE-6DB70DBA9567}" type="datetimeFigureOut">
               <a:rPr lang="en-US" dirty="0"/>
               <a:pPr/>
-              <a:t>5/26/2018</a:t>
+              <a:t>5/27/18</a:t>
             </a:fld>
             <a:endParaRPr lang="en-US" dirty="0"/>
           </a:p>
@@ -1786,7 +1786,7 @@
             <a:fld id="{D57F1E4F-1CFF-5643-939E-217C01CDF565}" type="slidenum">
               <a:rPr lang="en-US" dirty="0"/>
               <a:pPr/>
-              <a:t>‹N›</a:t>
+              <a:t>‹#›</a:t>
             </a:fld>
             <a:endParaRPr lang="en-US" dirty="0"/>
           </a:p>
@@ -2054,7 +2054,7 @@
             <a:fld id="{B61BEF0D-F0BB-DE4B-95CE-6DB70DBA9567}" type="datetimeFigureOut">
               <a:rPr lang="en-US" dirty="0"/>
               <a:pPr/>
-              <a:t>5/26/2018</a:t>
+              <a:t>5/27/18</a:t>
             </a:fld>
             <a:endParaRPr lang="en-US" dirty="0"/>
           </a:p>
@@ -2097,7 +2097,7 @@
             <a:fld id="{D57F1E4F-1CFF-5643-939E-217C01CDF565}" type="slidenum">
               <a:rPr lang="en-US" dirty="0"/>
               <a:pPr/>
-              <a:t>‹N›</a:t>
+              <a:t>‹#›</a:t>
             </a:fld>
             <a:endParaRPr lang="en-US" dirty="0"/>
           </a:p>
@@ -2444,7 +2444,7 @@
             <a:fld id="{B61BEF0D-F0BB-DE4B-95CE-6DB70DBA9567}" type="datetimeFigureOut">
               <a:rPr lang="en-US" dirty="0"/>
               <a:pPr/>
-              <a:t>5/26/2018</a:t>
+              <a:t>5/27/18</a:t>
             </a:fld>
             <a:endParaRPr lang="en-US" dirty="0"/>
           </a:p>
@@ -2487,7 +2487,7 @@
             <a:fld id="{D57F1E4F-1CFF-5643-939E-217C01CDF565}" type="slidenum">
               <a:rPr lang="en-US" dirty="0"/>
               <a:pPr/>
-              <a:t>‹N›</a:t>
+              <a:t>‹#›</a:t>
             </a:fld>
             <a:endParaRPr lang="en-US" dirty="0"/>
           </a:p>
@@ -2610,7 +2610,7 @@
           <a:p>
             <a:fld id="{55C6B4A9-1611-4792-9094-5F34BCA07E0B}" type="datetimeFigureOut">
               <a:rPr lang="en-US" dirty="0"/>
-              <a:t>5/26/2018</a:t>
+              <a:t>5/27/18</a:t>
             </a:fld>
             <a:endParaRPr lang="en-US" dirty="0"/>
           </a:p>
@@ -2652,7 +2652,7 @@
           <a:p>
             <a:fld id="{89333C77-0158-454C-844F-B7AB9BD7DAD4}" type="slidenum">
               <a:rPr lang="en-US" dirty="0"/>
-              <a:t>‹N›</a:t>
+              <a:t>‹#›</a:t>
             </a:fld>
             <a:endParaRPr lang="en-US" dirty="0"/>
           </a:p>
@@ -2786,7 +2786,7 @@
             <a:fld id="{B61BEF0D-F0BB-DE4B-95CE-6DB70DBA9567}" type="datetimeFigureOut">
               <a:rPr lang="en-US" dirty="0"/>
               <a:pPr/>
-              <a:t>5/26/2018</a:t>
+              <a:t>5/27/18</a:t>
             </a:fld>
             <a:endParaRPr lang="en-US" dirty="0"/>
           </a:p>
@@ -2829,7 +2829,7 @@
             <a:fld id="{D57F1E4F-1CFF-5643-939E-217C01CDF565}" type="slidenum">
               <a:rPr lang="en-US" dirty="0"/>
               <a:pPr/>
-              <a:t>‹N›</a:t>
+              <a:t>‹#›</a:t>
             </a:fld>
             <a:endParaRPr lang="en-US" dirty="0"/>
           </a:p>
@@ -2959,7 +2959,7 @@
             <a:fld id="{B61BEF0D-F0BB-DE4B-95CE-6DB70DBA9567}" type="datetimeFigureOut">
               <a:rPr lang="en-US" dirty="0"/>
               <a:pPr/>
-              <a:t>5/26/2018</a:t>
+              <a:t>5/27/18</a:t>
             </a:fld>
             <a:endParaRPr lang="en-US" dirty="0"/>
           </a:p>
@@ -3002,7 +3002,7 @@
             <a:fld id="{D57F1E4F-1CFF-5643-939E-217C01CDF565}" type="slidenum">
               <a:rPr lang="en-US" dirty="0"/>
               <a:pPr/>
-              <a:t>‹N›</a:t>
+              <a:t>‹#›</a:t>
             </a:fld>
             <a:endParaRPr lang="en-US" dirty="0"/>
           </a:p>
@@ -3203,7 +3203,7 @@
             <a:fld id="{B61BEF0D-F0BB-DE4B-95CE-6DB70DBA9567}" type="datetimeFigureOut">
               <a:rPr lang="en-US" dirty="0"/>
               <a:pPr/>
-              <a:t>5/26/2018</a:t>
+              <a:t>5/27/18</a:t>
             </a:fld>
             <a:endParaRPr lang="en-US" dirty="0"/>
           </a:p>
@@ -3246,7 +3246,7 @@
             <a:fld id="{D57F1E4F-1CFF-5643-939E-217C01CDF565}" type="slidenum">
               <a:rPr lang="en-US" dirty="0"/>
               <a:pPr/>
-              <a:t>‹N›</a:t>
+              <a:t>‹#›</a:t>
             </a:fld>
             <a:endParaRPr lang="en-US" dirty="0"/>
           </a:p>
@@ -3431,7 +3431,7 @@
           <a:p>
             <a:fld id="{EB712588-04B1-427B-82EE-E8DB90309F08}" type="datetimeFigureOut">
               <a:rPr lang="en-US" dirty="0"/>
-              <a:t>5/26/2018</a:t>
+              <a:t>5/27/18</a:t>
             </a:fld>
             <a:endParaRPr lang="en-US" dirty="0"/>
           </a:p>
@@ -3473,7 +3473,7 @@
           <a:p>
             <a:fld id="{6FF9F0C5-380F-41C2-899A-BAC0F0927E16}" type="slidenum">
               <a:rPr lang="en-US" dirty="0"/>
-              <a:t>‹N›</a:t>
+              <a:t>‹#›</a:t>
             </a:fld>
             <a:endParaRPr lang="en-US" dirty="0"/>
           </a:p>
@@ -3801,7 +3801,7 @@
             <a:fld id="{B61BEF0D-F0BB-DE4B-95CE-6DB70DBA9567}" type="datetimeFigureOut">
               <a:rPr lang="en-US" dirty="0"/>
               <a:pPr/>
-              <a:t>5/26/2018</a:t>
+              <a:t>5/27/18</a:t>
             </a:fld>
             <a:endParaRPr lang="en-US" dirty="0"/>
           </a:p>
@@ -3844,7 +3844,7 @@
             <a:fld id="{D57F1E4F-1CFF-5643-939E-217C01CDF565}" type="slidenum">
               <a:rPr lang="en-US" dirty="0"/>
               <a:pPr/>
-              <a:t>‹N›</a:t>
+              <a:t>‹#›</a:t>
             </a:fld>
             <a:endParaRPr lang="en-US" dirty="0"/>
           </a:p>
@@ -3921,7 +3921,7 @@
             <a:fld id="{B61BEF0D-F0BB-DE4B-95CE-6DB70DBA9567}" type="datetimeFigureOut">
               <a:rPr lang="en-US" dirty="0"/>
               <a:pPr/>
-              <a:t>5/26/2018</a:t>
+              <a:t>5/27/18</a:t>
             </a:fld>
             <a:endParaRPr lang="en-US" dirty="0"/>
           </a:p>
@@ -3964,7 +3964,7 @@
             <a:fld id="{D57F1E4F-1CFF-5643-939E-217C01CDF565}" type="slidenum">
               <a:rPr lang="en-US" dirty="0"/>
               <a:pPr/>
-              <a:t>‹N›</a:t>
+              <a:t>‹#›</a:t>
             </a:fld>
             <a:endParaRPr lang="en-US" dirty="0"/>
           </a:p>
@@ -4013,7 +4013,7 @@
             <a:fld id="{B61BEF0D-F0BB-DE4B-95CE-6DB70DBA9567}" type="datetimeFigureOut">
               <a:rPr lang="en-US" dirty="0"/>
               <a:pPr/>
-              <a:t>5/26/2018</a:t>
+              <a:t>5/27/18</a:t>
             </a:fld>
             <a:endParaRPr lang="en-US" dirty="0"/>
           </a:p>
@@ -4056,7 +4056,7 @@
             <a:fld id="{D57F1E4F-1CFF-5643-939E-217C01CDF565}" type="slidenum">
               <a:rPr lang="en-US" dirty="0"/>
               <a:pPr/>
-              <a:t>‹N›</a:t>
+              <a:t>‹#›</a:t>
             </a:fld>
             <a:endParaRPr lang="en-US" dirty="0"/>
           </a:p>
@@ -4264,7 +4264,7 @@
           <a:p>
             <a:fld id="{42A54C80-263E-416B-A8E0-580EDEADCBDC}" type="datetimeFigureOut">
               <a:rPr lang="en-US" dirty="0"/>
-              <a:t>5/26/2018</a:t>
+              <a:t>5/27/18</a:t>
             </a:fld>
             <a:endParaRPr lang="en-US" dirty="0"/>
           </a:p>
@@ -4306,7 +4306,7 @@
           <a:p>
             <a:fld id="{519954A3-9DFD-4C44-94BA-B95130A3BA1C}" type="slidenum">
               <a:rPr lang="en-US" dirty="0"/>
-              <a:t>‹N›</a:t>
+              <a:t>‹#›</a:t>
             </a:fld>
             <a:endParaRPr lang="en-US" dirty="0"/>
           </a:p>
@@ -4523,7 +4523,7 @@
             <a:fld id="{B61BEF0D-F0BB-DE4B-95CE-6DB70DBA9567}" type="datetimeFigureOut">
               <a:rPr lang="en-US" dirty="0"/>
               <a:pPr/>
-              <a:t>5/26/2018</a:t>
+              <a:t>5/27/18</a:t>
             </a:fld>
             <a:endParaRPr lang="en-US" dirty="0"/>
           </a:p>
@@ -4566,7 +4566,7 @@
             <a:fld id="{D57F1E4F-1CFF-5643-939E-217C01CDF565}" type="slidenum">
               <a:rPr lang="en-US" dirty="0"/>
               <a:pPr/>
-              <a:t>‹N›</a:t>
+              <a:t>‹#›</a:t>
             </a:fld>
             <a:endParaRPr lang="en-US" dirty="0"/>
           </a:p>
@@ -5263,7 +5263,7 @@
             <a:fld id="{B61BEF0D-F0BB-DE4B-95CE-6DB70DBA9567}" type="datetimeFigureOut">
               <a:rPr lang="en-US" dirty="0"/>
               <a:pPr/>
-              <a:t>5/26/2018</a:t>
+              <a:t>5/27/18</a:t>
             </a:fld>
             <a:endParaRPr lang="en-US" dirty="0"/>
           </a:p>
@@ -5340,7 +5340,7 @@
             <a:fld id="{D57F1E4F-1CFF-5643-939E-217C01CDF565}" type="slidenum">
               <a:rPr lang="en-US" dirty="0"/>
               <a:pPr/>
-              <a:t>‹N›</a:t>
+              <a:t>‹#›</a:t>
             </a:fld>
             <a:endParaRPr lang="en-US" dirty="0"/>
           </a:p>
@@ -5992,40 +5992,1459 @@
           <a:p>
             <a:r>
               <a:rPr lang="it-IT" dirty="0"/>
-              <a:t>DA MODIFICARE – CODICE PARTE 2</a:t>
-            </a:r>
-          </a:p>
-        </p:txBody>
-      </p:sp>
-      <p:pic>
-        <p:nvPicPr>
-          <p:cNvPr id="5" name="Segnaposto contenuto 4">
+              <a:t>Codice Parte 2</a:t>
+            </a:r>
+          </a:p>
+        </p:txBody>
+      </p:sp>
+      <p:sp>
+        <p:nvSpPr>
+          <p:cNvPr id="6" name="Rectangle 5">
             <a:extLst>
               <a:ext uri="{FF2B5EF4-FFF2-40B4-BE49-F238E27FC236}">
-                <a16:creationId xmlns:a16="http://schemas.microsoft.com/office/drawing/2014/main" id="{DD4E751D-58C2-4F8C-9B85-7950A1676C99}"/>
+                <a16:creationId xmlns:a16="http://schemas.microsoft.com/office/drawing/2014/main" id="{2117282D-1FCD-8243-81F4-5D37D50C82C7}"/>
               </a:ext>
             </a:extLst>
           </p:cNvPr>
-          <p:cNvPicPr>
-            <a:picLocks noGrp="1" noChangeAspect="1"/>
-          </p:cNvPicPr>
-          <p:nvPr>
-            <p:ph idx="1"/>
-          </p:nvPr>
-        </p:nvPicPr>
-        <p:blipFill>
-          <a:blip r:embed="rId2"/>
-          <a:stretch>
-            <a:fillRect/>
-          </a:stretch>
-        </p:blipFill>
+          <p:cNvSpPr/>
+          <p:nvPr/>
+        </p:nvSpPr>
         <p:spPr>
           <a:xfrm>
-            <a:off x="2110650" y="2436192"/>
-            <a:ext cx="5730737" cy="3330229"/>
+            <a:off x="0" y="1270000"/>
+            <a:ext cx="11771586" cy="3662541"/>
           </a:xfrm>
+          <a:prstGeom prst="rect">
+            <a:avLst/>
+          </a:prstGeom>
         </p:spPr>
-      </p:pic>
+        <p:txBody>
+          <a:bodyPr wrap="square">
+            <a:spAutoFit/>
+          </a:bodyPr>
+          <a:lstStyle/>
+          <a:p>
+            <a:r>
+              <a:rPr lang="it-IT" dirty="0">
+                <a:solidFill>
+                  <a:srgbClr val="000000"/>
+                </a:solidFill>
+                <a:latin typeface="Courier" pitchFamily="2" charset="0"/>
+              </a:rPr>
+              <a:t>    </a:t>
+            </a:r>
+            <a:r>
+              <a:rPr lang="it-IT" sz="1600" b="1" dirty="0" err="1">
+                <a:solidFill>
+                  <a:srgbClr val="008F00"/>
+                </a:solidFill>
+                <a:latin typeface="Courier" pitchFamily="2" charset="0"/>
+              </a:rPr>
+              <a:t>def</a:t>
+            </a:r>
+            <a:r>
+              <a:rPr lang="it-IT" sz="1600" dirty="0">
+                <a:solidFill>
+                  <a:srgbClr val="000000"/>
+                </a:solidFill>
+                <a:latin typeface="Courier" pitchFamily="2" charset="0"/>
+              </a:rPr>
+              <a:t> </a:t>
+            </a:r>
+            <a:r>
+              <a:rPr lang="it-IT" sz="1600" dirty="0" err="1">
+                <a:solidFill>
+                  <a:srgbClr val="0433FF"/>
+                </a:solidFill>
+                <a:latin typeface="Courier" pitchFamily="2" charset="0"/>
+              </a:rPr>
+              <a:t>alter_freq</a:t>
+            </a:r>
+            <a:r>
+              <a:rPr lang="it-IT" sz="1600" dirty="0">
+                <a:solidFill>
+                  <a:srgbClr val="000000"/>
+                </a:solidFill>
+                <a:latin typeface="Courier" pitchFamily="2" charset="0"/>
+              </a:rPr>
+              <a:t>(</a:t>
+            </a:r>
+            <a:r>
+              <a:rPr lang="it-IT" sz="1600" dirty="0">
+                <a:solidFill>
+                  <a:srgbClr val="008F00"/>
+                </a:solidFill>
+                <a:latin typeface="Courier" pitchFamily="2" charset="0"/>
+              </a:rPr>
+              <a:t>self</a:t>
+            </a:r>
+            <a:r>
+              <a:rPr lang="it-IT" sz="1600" dirty="0">
+                <a:solidFill>
+                  <a:srgbClr val="000000"/>
+                </a:solidFill>
+                <a:latin typeface="Courier" pitchFamily="2" charset="0"/>
+              </a:rPr>
+              <a:t>):</a:t>
+            </a:r>
+            <a:endParaRPr lang="it-IT" sz="1600" dirty="0">
+              <a:latin typeface="Courier" pitchFamily="2" charset="0"/>
+            </a:endParaRPr>
+          </a:p>
+          <a:p>
+            <a:r>
+              <a:rPr lang="it-IT" sz="1600" dirty="0">
+                <a:solidFill>
+                  <a:srgbClr val="000000"/>
+                </a:solidFill>
+                <a:latin typeface="Courier" pitchFamily="2" charset="0"/>
+              </a:rPr>
+              <a:t>        </a:t>
+            </a:r>
+            <a:r>
+              <a:rPr lang="it-IT" sz="1600" i="1" dirty="0">
+                <a:solidFill>
+                  <a:srgbClr val="4F9192"/>
+                </a:solidFill>
+                <a:latin typeface="Courier" pitchFamily="2" charset="0"/>
+              </a:rPr>
+              <a:t># Applicazione </a:t>
+            </a:r>
+            <a:r>
+              <a:rPr lang="it-IT" sz="1600" i="1" dirty="0" err="1">
+                <a:solidFill>
+                  <a:srgbClr val="4F9192"/>
+                </a:solidFill>
+                <a:latin typeface="Courier" pitchFamily="2" charset="0"/>
+              </a:rPr>
+              <a:t>dct</a:t>
+            </a:r>
+            <a:endParaRPr lang="it-IT" sz="1600" dirty="0">
+              <a:solidFill>
+                <a:srgbClr val="4F9192"/>
+              </a:solidFill>
+              <a:latin typeface="Courier" pitchFamily="2" charset="0"/>
+            </a:endParaRPr>
+          </a:p>
+          <a:p>
+            <a:r>
+              <a:rPr lang="it-IT" sz="1600" dirty="0">
+                <a:latin typeface="Courier" pitchFamily="2" charset="0"/>
+              </a:rPr>
+              <a:t>        </a:t>
+            </a:r>
+            <a:r>
+              <a:rPr lang="it-IT" sz="1600" dirty="0" err="1">
+                <a:latin typeface="Courier" pitchFamily="2" charset="0"/>
+              </a:rPr>
+              <a:t>d_img</a:t>
+            </a:r>
+            <a:r>
+              <a:rPr lang="it-IT" sz="1600" dirty="0">
+                <a:latin typeface="Courier" pitchFamily="2" charset="0"/>
+              </a:rPr>
+              <a:t> </a:t>
+            </a:r>
+            <a:r>
+              <a:rPr lang="it-IT" sz="1600" dirty="0">
+                <a:solidFill>
+                  <a:srgbClr val="797979"/>
+                </a:solidFill>
+                <a:latin typeface="Courier" pitchFamily="2" charset="0"/>
+              </a:rPr>
+              <a:t>=</a:t>
+            </a:r>
+            <a:r>
+              <a:rPr lang="it-IT" sz="1600" dirty="0">
+                <a:latin typeface="Courier" pitchFamily="2" charset="0"/>
+              </a:rPr>
+              <a:t> </a:t>
+            </a:r>
+            <a:r>
+              <a:rPr lang="it-IT" sz="1600" dirty="0" err="1">
+                <a:solidFill>
+                  <a:srgbClr val="00B0F0"/>
+                </a:solidFill>
+                <a:latin typeface="Courier" pitchFamily="2" charset="0"/>
+              </a:rPr>
+              <a:t>dct</a:t>
+            </a:r>
+            <a:r>
+              <a:rPr lang="it-IT" sz="1600" dirty="0">
+                <a:latin typeface="Courier" pitchFamily="2" charset="0"/>
+              </a:rPr>
+              <a:t>(</a:t>
+            </a:r>
+            <a:r>
+              <a:rPr lang="it-IT" sz="1600" dirty="0" err="1">
+                <a:solidFill>
+                  <a:srgbClr val="00B0F0"/>
+                </a:solidFill>
+                <a:latin typeface="Courier" pitchFamily="2" charset="0"/>
+              </a:rPr>
+              <a:t>dct</a:t>
+            </a:r>
+            <a:r>
+              <a:rPr lang="it-IT" sz="1600" dirty="0">
+                <a:latin typeface="Courier" pitchFamily="2" charset="0"/>
+              </a:rPr>
+              <a:t>(</a:t>
+            </a:r>
+            <a:r>
+              <a:rPr lang="it-IT" sz="1600" dirty="0" err="1">
+                <a:solidFill>
+                  <a:srgbClr val="008F00"/>
+                </a:solidFill>
+                <a:latin typeface="Courier" pitchFamily="2" charset="0"/>
+              </a:rPr>
+              <a:t>self</a:t>
+            </a:r>
+            <a:r>
+              <a:rPr lang="it-IT" sz="1600" dirty="0" err="1">
+                <a:solidFill>
+                  <a:srgbClr val="797979"/>
+                </a:solidFill>
+                <a:latin typeface="Courier" pitchFamily="2" charset="0"/>
+              </a:rPr>
+              <a:t>.</a:t>
+            </a:r>
+            <a:r>
+              <a:rPr lang="it-IT" sz="1600" dirty="0" err="1">
+                <a:latin typeface="Courier" pitchFamily="2" charset="0"/>
+              </a:rPr>
+              <a:t>img</a:t>
+            </a:r>
+            <a:r>
+              <a:rPr lang="it-IT" sz="1600" dirty="0" err="1">
+                <a:solidFill>
+                  <a:srgbClr val="797979"/>
+                </a:solidFill>
+                <a:latin typeface="Courier" pitchFamily="2" charset="0"/>
+              </a:rPr>
+              <a:t>.</a:t>
+            </a:r>
+            <a:r>
+              <a:rPr lang="it-IT" sz="1600" dirty="0" err="1">
+                <a:latin typeface="Courier" pitchFamily="2" charset="0"/>
+              </a:rPr>
+              <a:t>T</a:t>
+            </a:r>
+            <a:r>
+              <a:rPr lang="it-IT" sz="1600" dirty="0">
+                <a:latin typeface="Courier" pitchFamily="2" charset="0"/>
+              </a:rPr>
+              <a:t>, </a:t>
+            </a:r>
+            <a:r>
+              <a:rPr lang="it-IT" sz="1600" dirty="0" err="1">
+                <a:solidFill>
+                  <a:schemeClr val="accent4"/>
+                </a:solidFill>
+                <a:latin typeface="Courier" pitchFamily="2" charset="0"/>
+              </a:rPr>
+              <a:t>norm</a:t>
+            </a:r>
+            <a:r>
+              <a:rPr lang="it-IT" sz="1600" dirty="0">
+                <a:solidFill>
+                  <a:srgbClr val="797979"/>
+                </a:solidFill>
+                <a:latin typeface="Courier" pitchFamily="2" charset="0"/>
+              </a:rPr>
+              <a:t>=</a:t>
+            </a:r>
+            <a:r>
+              <a:rPr lang="it-IT" sz="1600" dirty="0">
+                <a:solidFill>
+                  <a:srgbClr val="C8352B"/>
+                </a:solidFill>
+                <a:latin typeface="Courier" pitchFamily="2" charset="0"/>
+              </a:rPr>
+              <a:t>'</a:t>
+            </a:r>
+            <a:r>
+              <a:rPr lang="it-IT" sz="1600" dirty="0" err="1">
+                <a:solidFill>
+                  <a:srgbClr val="C8352B"/>
+                </a:solidFill>
+                <a:latin typeface="Courier" pitchFamily="2" charset="0"/>
+              </a:rPr>
+              <a:t>ortho</a:t>
+            </a:r>
+            <a:r>
+              <a:rPr lang="it-IT" sz="1600" dirty="0">
+                <a:solidFill>
+                  <a:srgbClr val="C8352B"/>
+                </a:solidFill>
+                <a:latin typeface="Courier" pitchFamily="2" charset="0"/>
+              </a:rPr>
+              <a:t>'</a:t>
+            </a:r>
+            <a:r>
+              <a:rPr lang="it-IT" sz="1600" dirty="0">
+                <a:latin typeface="Courier" pitchFamily="2" charset="0"/>
+              </a:rPr>
+              <a:t>)</a:t>
+            </a:r>
+            <a:r>
+              <a:rPr lang="it-IT" sz="1600" dirty="0">
+                <a:solidFill>
+                  <a:srgbClr val="797979"/>
+                </a:solidFill>
+                <a:latin typeface="Courier" pitchFamily="2" charset="0"/>
+              </a:rPr>
+              <a:t>.</a:t>
+            </a:r>
+            <a:r>
+              <a:rPr lang="it-IT" sz="1600" dirty="0">
+                <a:latin typeface="Courier" pitchFamily="2" charset="0"/>
+              </a:rPr>
+              <a:t>T, </a:t>
+            </a:r>
+            <a:r>
+              <a:rPr lang="it-IT" sz="1600" dirty="0" err="1">
+                <a:solidFill>
+                  <a:schemeClr val="accent4"/>
+                </a:solidFill>
+                <a:latin typeface="Courier" pitchFamily="2" charset="0"/>
+              </a:rPr>
+              <a:t>norm</a:t>
+            </a:r>
+            <a:r>
+              <a:rPr lang="it-IT" sz="1600" dirty="0">
+                <a:solidFill>
+                  <a:srgbClr val="797979"/>
+                </a:solidFill>
+                <a:latin typeface="Courier" pitchFamily="2" charset="0"/>
+              </a:rPr>
+              <a:t>=</a:t>
+            </a:r>
+            <a:r>
+              <a:rPr lang="it-IT" sz="1600" dirty="0">
+                <a:solidFill>
+                  <a:srgbClr val="C8352B"/>
+                </a:solidFill>
+                <a:latin typeface="Courier" pitchFamily="2" charset="0"/>
+              </a:rPr>
+              <a:t>'</a:t>
+            </a:r>
+            <a:r>
+              <a:rPr lang="it-IT" sz="1600" dirty="0" err="1">
+                <a:solidFill>
+                  <a:srgbClr val="C8352B"/>
+                </a:solidFill>
+                <a:latin typeface="Courier" pitchFamily="2" charset="0"/>
+              </a:rPr>
+              <a:t>ortho</a:t>
+            </a:r>
+            <a:r>
+              <a:rPr lang="it-IT" sz="1600" dirty="0">
+                <a:solidFill>
+                  <a:srgbClr val="C8352B"/>
+                </a:solidFill>
+                <a:latin typeface="Courier" pitchFamily="2" charset="0"/>
+              </a:rPr>
+              <a:t>'</a:t>
+            </a:r>
+            <a:r>
+              <a:rPr lang="it-IT" sz="1600" dirty="0">
+                <a:latin typeface="Courier" pitchFamily="2" charset="0"/>
+              </a:rPr>
+              <a:t>)</a:t>
+            </a:r>
+          </a:p>
+          <a:p>
+            <a:br>
+              <a:rPr lang="it-IT" sz="1600" dirty="0">
+                <a:latin typeface="Courier" pitchFamily="2" charset="0"/>
+              </a:rPr>
+            </a:br>
+            <a:r>
+              <a:rPr lang="it-IT" sz="1600" dirty="0">
+                <a:solidFill>
+                  <a:srgbClr val="000000"/>
+                </a:solidFill>
+                <a:latin typeface="Courier" pitchFamily="2" charset="0"/>
+              </a:rPr>
+              <a:t>        </a:t>
+            </a:r>
+            <a:r>
+              <a:rPr lang="it-IT" sz="1600" i="1" dirty="0">
+                <a:solidFill>
+                  <a:srgbClr val="4F9192"/>
+                </a:solidFill>
+                <a:latin typeface="Courier" pitchFamily="2" charset="0"/>
+              </a:rPr>
+              <a:t># modifica frequenze</a:t>
+            </a:r>
+            <a:endParaRPr lang="it-IT" sz="1600" dirty="0">
+              <a:solidFill>
+                <a:srgbClr val="4F9192"/>
+              </a:solidFill>
+              <a:latin typeface="Courier" pitchFamily="2" charset="0"/>
+            </a:endParaRPr>
+          </a:p>
+          <a:p>
+            <a:r>
+              <a:rPr lang="it-IT" sz="1600" dirty="0">
+                <a:latin typeface="Courier" pitchFamily="2" charset="0"/>
+              </a:rPr>
+              <a:t>        </a:t>
+            </a:r>
+            <a:r>
+              <a:rPr lang="it-IT" sz="1600" b="1" dirty="0">
+                <a:solidFill>
+                  <a:srgbClr val="008F00"/>
+                </a:solidFill>
+                <a:latin typeface="Courier" pitchFamily="2" charset="0"/>
+              </a:rPr>
+              <a:t>for</a:t>
+            </a:r>
+            <a:r>
+              <a:rPr lang="it-IT" sz="1600" dirty="0">
+                <a:latin typeface="Courier" pitchFamily="2" charset="0"/>
+              </a:rPr>
+              <a:t> i, </a:t>
+            </a:r>
+            <a:r>
+              <a:rPr lang="it-IT" sz="1600" dirty="0" err="1">
+                <a:latin typeface="Courier" pitchFamily="2" charset="0"/>
+              </a:rPr>
+              <a:t>row</a:t>
+            </a:r>
+            <a:r>
+              <a:rPr lang="it-IT" sz="1600" dirty="0">
+                <a:latin typeface="Courier" pitchFamily="2" charset="0"/>
+              </a:rPr>
+              <a:t> </a:t>
+            </a:r>
+            <a:r>
+              <a:rPr lang="it-IT" sz="1600" b="1" dirty="0">
+                <a:solidFill>
+                  <a:srgbClr val="BB49FF"/>
+                </a:solidFill>
+                <a:latin typeface="Courier" pitchFamily="2" charset="0"/>
+              </a:rPr>
+              <a:t>in</a:t>
+            </a:r>
+            <a:r>
+              <a:rPr lang="it-IT" sz="1600" dirty="0">
+                <a:latin typeface="Courier" pitchFamily="2" charset="0"/>
+              </a:rPr>
+              <a:t> </a:t>
+            </a:r>
+            <a:r>
+              <a:rPr lang="it-IT" sz="1600" dirty="0" err="1">
+                <a:solidFill>
+                  <a:srgbClr val="00B0F0"/>
+                </a:solidFill>
+                <a:latin typeface="Courier" pitchFamily="2" charset="0"/>
+              </a:rPr>
+              <a:t>tqdm</a:t>
+            </a:r>
+            <a:r>
+              <a:rPr lang="it-IT" sz="1600" dirty="0">
+                <a:latin typeface="Courier" pitchFamily="2" charset="0"/>
+              </a:rPr>
+              <a:t>(</a:t>
+            </a:r>
+            <a:r>
+              <a:rPr lang="it-IT" sz="1600" dirty="0">
+                <a:solidFill>
+                  <a:srgbClr val="008F00"/>
+                </a:solidFill>
+                <a:latin typeface="Courier" pitchFamily="2" charset="0"/>
+              </a:rPr>
+              <a:t>enumerate</a:t>
+            </a:r>
+            <a:r>
+              <a:rPr lang="it-IT" sz="1600" dirty="0">
+                <a:latin typeface="Courier" pitchFamily="2" charset="0"/>
+              </a:rPr>
+              <a:t>(</a:t>
+            </a:r>
+            <a:r>
+              <a:rPr lang="it-IT" sz="1600" dirty="0" err="1">
+                <a:latin typeface="Courier" pitchFamily="2" charset="0"/>
+              </a:rPr>
+              <a:t>d_img</a:t>
+            </a:r>
+            <a:r>
+              <a:rPr lang="it-IT" sz="1600" dirty="0">
+                <a:latin typeface="Courier" pitchFamily="2" charset="0"/>
+              </a:rPr>
+              <a:t>)):</a:t>
+            </a:r>
+          </a:p>
+          <a:p>
+            <a:r>
+              <a:rPr lang="it-IT" sz="1600" dirty="0">
+                <a:latin typeface="Courier" pitchFamily="2" charset="0"/>
+              </a:rPr>
+              <a:t>            </a:t>
+            </a:r>
+            <a:r>
+              <a:rPr lang="it-IT" sz="1600" b="1" dirty="0">
+                <a:solidFill>
+                  <a:srgbClr val="008F00"/>
+                </a:solidFill>
+                <a:latin typeface="Courier" pitchFamily="2" charset="0"/>
+              </a:rPr>
+              <a:t>for</a:t>
+            </a:r>
+            <a:r>
+              <a:rPr lang="it-IT" sz="1600" dirty="0">
+                <a:latin typeface="Courier" pitchFamily="2" charset="0"/>
+              </a:rPr>
+              <a:t> </a:t>
+            </a:r>
+            <a:r>
+              <a:rPr lang="it-IT" sz="1600" dirty="0" err="1">
+                <a:latin typeface="Courier" pitchFamily="2" charset="0"/>
+              </a:rPr>
+              <a:t>j</a:t>
+            </a:r>
+            <a:r>
+              <a:rPr lang="it-IT" sz="1600" dirty="0">
+                <a:latin typeface="Courier" pitchFamily="2" charset="0"/>
+              </a:rPr>
+              <a:t>, col </a:t>
+            </a:r>
+            <a:r>
+              <a:rPr lang="it-IT" sz="1600" b="1" dirty="0">
+                <a:solidFill>
+                  <a:srgbClr val="BB49FF"/>
+                </a:solidFill>
+                <a:latin typeface="Courier" pitchFamily="2" charset="0"/>
+              </a:rPr>
+              <a:t>in</a:t>
+            </a:r>
+            <a:r>
+              <a:rPr lang="it-IT" sz="1600" dirty="0">
+                <a:latin typeface="Courier" pitchFamily="2" charset="0"/>
+              </a:rPr>
+              <a:t> </a:t>
+            </a:r>
+            <a:r>
+              <a:rPr lang="it-IT" sz="1600" dirty="0">
+                <a:solidFill>
+                  <a:srgbClr val="008F00"/>
+                </a:solidFill>
+                <a:latin typeface="Courier" pitchFamily="2" charset="0"/>
+              </a:rPr>
+              <a:t>enumerate</a:t>
+            </a:r>
+            <a:r>
+              <a:rPr lang="it-IT" sz="1600" dirty="0">
+                <a:latin typeface="Courier" pitchFamily="2" charset="0"/>
+              </a:rPr>
+              <a:t>(</a:t>
+            </a:r>
+            <a:r>
+              <a:rPr lang="it-IT" sz="1600" dirty="0" err="1">
+                <a:latin typeface="Courier" pitchFamily="2" charset="0"/>
+              </a:rPr>
+              <a:t>row</a:t>
+            </a:r>
+            <a:r>
+              <a:rPr lang="it-IT" sz="1600" dirty="0">
+                <a:latin typeface="Courier" pitchFamily="2" charset="0"/>
+              </a:rPr>
+              <a:t>):</a:t>
+            </a:r>
+          </a:p>
+          <a:p>
+            <a:r>
+              <a:rPr lang="it-IT" sz="1600" dirty="0">
+                <a:latin typeface="Courier" pitchFamily="2" charset="0"/>
+              </a:rPr>
+              <a:t>                </a:t>
+            </a:r>
+            <a:r>
+              <a:rPr lang="it-IT" sz="1600" b="1" dirty="0" err="1">
+                <a:solidFill>
+                  <a:srgbClr val="008F00"/>
+                </a:solidFill>
+                <a:latin typeface="Courier" pitchFamily="2" charset="0"/>
+              </a:rPr>
+              <a:t>if</a:t>
+            </a:r>
+            <a:r>
+              <a:rPr lang="it-IT" sz="1600" dirty="0">
+                <a:latin typeface="Courier" pitchFamily="2" charset="0"/>
+              </a:rPr>
+              <a:t> i </a:t>
+            </a:r>
+            <a:r>
+              <a:rPr lang="it-IT" sz="1600" dirty="0">
+                <a:solidFill>
+                  <a:srgbClr val="797979"/>
+                </a:solidFill>
+                <a:latin typeface="Courier" pitchFamily="2" charset="0"/>
+              </a:rPr>
+              <a:t>+</a:t>
+            </a:r>
+            <a:r>
+              <a:rPr lang="it-IT" sz="1600" dirty="0">
+                <a:latin typeface="Courier" pitchFamily="2" charset="0"/>
+              </a:rPr>
+              <a:t> </a:t>
+            </a:r>
+            <a:r>
+              <a:rPr lang="it-IT" sz="1600" dirty="0" err="1">
+                <a:latin typeface="Courier" pitchFamily="2" charset="0"/>
+              </a:rPr>
+              <a:t>j</a:t>
+            </a:r>
+            <a:r>
+              <a:rPr lang="it-IT" sz="1600" dirty="0">
+                <a:latin typeface="Courier" pitchFamily="2" charset="0"/>
+              </a:rPr>
+              <a:t> </a:t>
+            </a:r>
+            <a:r>
+              <a:rPr lang="it-IT" sz="1600" dirty="0">
+                <a:solidFill>
+                  <a:srgbClr val="797979"/>
+                </a:solidFill>
+                <a:latin typeface="Courier" pitchFamily="2" charset="0"/>
+              </a:rPr>
+              <a:t>&gt;=</a:t>
+            </a:r>
+            <a:r>
+              <a:rPr lang="it-IT" sz="1600" dirty="0">
+                <a:latin typeface="Courier" pitchFamily="2" charset="0"/>
+              </a:rPr>
+              <a:t> </a:t>
+            </a:r>
+            <a:r>
+              <a:rPr lang="it-IT" sz="1600" dirty="0" err="1">
+                <a:solidFill>
+                  <a:srgbClr val="008F00"/>
+                </a:solidFill>
+                <a:latin typeface="Courier" pitchFamily="2" charset="0"/>
+              </a:rPr>
+              <a:t>self</a:t>
+            </a:r>
+            <a:r>
+              <a:rPr lang="it-IT" sz="1600" dirty="0" err="1">
+                <a:solidFill>
+                  <a:srgbClr val="797979"/>
+                </a:solidFill>
+                <a:latin typeface="Courier" pitchFamily="2" charset="0"/>
+              </a:rPr>
+              <a:t>.</a:t>
+            </a:r>
+            <a:r>
+              <a:rPr lang="it-IT" sz="1600" dirty="0" err="1">
+                <a:latin typeface="Courier" pitchFamily="2" charset="0"/>
+              </a:rPr>
+              <a:t>d</a:t>
+            </a:r>
+            <a:r>
+              <a:rPr lang="it-IT" sz="1600" dirty="0">
+                <a:latin typeface="Courier" pitchFamily="2" charset="0"/>
+              </a:rPr>
+              <a:t>:</a:t>
+            </a:r>
+          </a:p>
+          <a:p>
+            <a:r>
+              <a:rPr lang="it-IT" sz="1600" dirty="0">
+                <a:latin typeface="Courier" pitchFamily="2" charset="0"/>
+              </a:rPr>
+              <a:t>                    </a:t>
+            </a:r>
+            <a:r>
+              <a:rPr lang="it-IT" sz="1600" dirty="0" err="1">
+                <a:latin typeface="Courier" pitchFamily="2" charset="0"/>
+              </a:rPr>
+              <a:t>d_img</a:t>
+            </a:r>
+            <a:r>
+              <a:rPr lang="it-IT" sz="1600" dirty="0">
+                <a:latin typeface="Courier" pitchFamily="2" charset="0"/>
+              </a:rPr>
+              <a:t>[i, </a:t>
+            </a:r>
+            <a:r>
+              <a:rPr lang="it-IT" sz="1600" dirty="0" err="1">
+                <a:latin typeface="Courier" pitchFamily="2" charset="0"/>
+              </a:rPr>
+              <a:t>j</a:t>
+            </a:r>
+            <a:r>
+              <a:rPr lang="it-IT" sz="1600" dirty="0">
+                <a:latin typeface="Courier" pitchFamily="2" charset="0"/>
+              </a:rPr>
+              <a:t>] </a:t>
+            </a:r>
+            <a:r>
+              <a:rPr lang="it-IT" sz="1600" dirty="0">
+                <a:solidFill>
+                  <a:srgbClr val="797979"/>
+                </a:solidFill>
+                <a:latin typeface="Courier" pitchFamily="2" charset="0"/>
+              </a:rPr>
+              <a:t>*=</a:t>
+            </a:r>
+            <a:r>
+              <a:rPr lang="it-IT" sz="1600" dirty="0">
+                <a:latin typeface="Courier" pitchFamily="2" charset="0"/>
+              </a:rPr>
+              <a:t> </a:t>
+            </a:r>
+            <a:r>
+              <a:rPr lang="it-IT" sz="1600" dirty="0" err="1">
+                <a:solidFill>
+                  <a:srgbClr val="008F00"/>
+                </a:solidFill>
+                <a:latin typeface="Courier" pitchFamily="2" charset="0"/>
+              </a:rPr>
+              <a:t>self</a:t>
+            </a:r>
+            <a:r>
+              <a:rPr lang="it-IT" sz="1600" dirty="0" err="1">
+                <a:solidFill>
+                  <a:srgbClr val="797979"/>
+                </a:solidFill>
+                <a:latin typeface="Courier" pitchFamily="2" charset="0"/>
+              </a:rPr>
+              <a:t>.</a:t>
+            </a:r>
+            <a:r>
+              <a:rPr lang="it-IT" sz="1600" dirty="0" err="1">
+                <a:latin typeface="Courier" pitchFamily="2" charset="0"/>
+              </a:rPr>
+              <a:t>beta</a:t>
+            </a:r>
+            <a:endParaRPr lang="it-IT" sz="1600" dirty="0">
+              <a:latin typeface="Courier" pitchFamily="2" charset="0"/>
+            </a:endParaRPr>
+          </a:p>
+          <a:p>
+            <a:endParaRPr lang="it-IT" sz="1600" dirty="0">
+              <a:latin typeface="Courier" pitchFamily="2" charset="0"/>
+            </a:endParaRPr>
+          </a:p>
+          <a:p>
+            <a:r>
+              <a:rPr lang="it-IT" sz="1600" dirty="0">
+                <a:solidFill>
+                  <a:srgbClr val="000000"/>
+                </a:solidFill>
+                <a:latin typeface="Courier" pitchFamily="2" charset="0"/>
+              </a:rPr>
+              <a:t>        </a:t>
+            </a:r>
+            <a:r>
+              <a:rPr lang="it-IT" sz="1600" i="1" dirty="0">
+                <a:solidFill>
+                  <a:srgbClr val="4F9192"/>
+                </a:solidFill>
+                <a:latin typeface="Courier" pitchFamily="2" charset="0"/>
+              </a:rPr>
+              <a:t># Applicazione inversa </a:t>
+            </a:r>
+            <a:r>
+              <a:rPr lang="it-IT" sz="1600" i="1" dirty="0" err="1">
+                <a:solidFill>
+                  <a:srgbClr val="4F9192"/>
+                </a:solidFill>
+                <a:latin typeface="Courier" pitchFamily="2" charset="0"/>
+              </a:rPr>
+              <a:t>dct</a:t>
+            </a:r>
+            <a:r>
+              <a:rPr lang="it-IT" sz="1600" i="1" dirty="0">
+                <a:solidFill>
+                  <a:srgbClr val="4F9192"/>
+                </a:solidFill>
+                <a:latin typeface="Courier" pitchFamily="2" charset="0"/>
+              </a:rPr>
+              <a:t> e arrotondamento</a:t>
+            </a:r>
+            <a:endParaRPr lang="it-IT" sz="1600" dirty="0">
+              <a:solidFill>
+                <a:srgbClr val="4F9192"/>
+              </a:solidFill>
+              <a:latin typeface="Courier" pitchFamily="2" charset="0"/>
+            </a:endParaRPr>
+          </a:p>
+          <a:p>
+            <a:r>
+              <a:rPr lang="it-IT" sz="1600" dirty="0">
+                <a:latin typeface="Courier" pitchFamily="2" charset="0"/>
+              </a:rPr>
+              <a:t>        </a:t>
+            </a:r>
+            <a:r>
+              <a:rPr lang="it-IT" sz="1600" dirty="0" err="1">
+                <a:latin typeface="Courier" pitchFamily="2" charset="0"/>
+              </a:rPr>
+              <a:t>i_img</a:t>
+            </a:r>
+            <a:r>
+              <a:rPr lang="it-IT" sz="1600" dirty="0">
+                <a:latin typeface="Courier" pitchFamily="2" charset="0"/>
+              </a:rPr>
+              <a:t> </a:t>
+            </a:r>
+            <a:r>
+              <a:rPr lang="it-IT" sz="1600" dirty="0">
+                <a:solidFill>
+                  <a:srgbClr val="797979"/>
+                </a:solidFill>
+                <a:latin typeface="Courier" pitchFamily="2" charset="0"/>
+              </a:rPr>
+              <a:t>=</a:t>
+            </a:r>
+            <a:r>
+              <a:rPr lang="it-IT" sz="1600" dirty="0">
+                <a:latin typeface="Courier" pitchFamily="2" charset="0"/>
+              </a:rPr>
+              <a:t> </a:t>
+            </a:r>
+            <a:r>
+              <a:rPr lang="it-IT" sz="1600" dirty="0" err="1">
+                <a:solidFill>
+                  <a:srgbClr val="00B0F0"/>
+                </a:solidFill>
+                <a:latin typeface="Courier" pitchFamily="2" charset="0"/>
+              </a:rPr>
+              <a:t>round_image</a:t>
+            </a:r>
+            <a:r>
+              <a:rPr lang="it-IT" sz="1600" dirty="0">
+                <a:latin typeface="Courier" pitchFamily="2" charset="0"/>
+              </a:rPr>
+              <a:t>(</a:t>
+            </a:r>
+            <a:r>
+              <a:rPr lang="it-IT" sz="1600" dirty="0" err="1">
+                <a:solidFill>
+                  <a:srgbClr val="00B0F0"/>
+                </a:solidFill>
+                <a:latin typeface="Courier" pitchFamily="2" charset="0"/>
+              </a:rPr>
+              <a:t>idct</a:t>
+            </a:r>
+            <a:r>
+              <a:rPr lang="it-IT" sz="1600" dirty="0">
+                <a:latin typeface="Courier" pitchFamily="2" charset="0"/>
+              </a:rPr>
+              <a:t>(</a:t>
+            </a:r>
+            <a:r>
+              <a:rPr lang="it-IT" sz="1600" dirty="0" err="1">
+                <a:solidFill>
+                  <a:srgbClr val="00B0F0"/>
+                </a:solidFill>
+                <a:latin typeface="Courier" pitchFamily="2" charset="0"/>
+              </a:rPr>
+              <a:t>idct</a:t>
+            </a:r>
+            <a:r>
+              <a:rPr lang="it-IT" sz="1600" dirty="0">
+                <a:latin typeface="Courier" pitchFamily="2" charset="0"/>
+              </a:rPr>
+              <a:t>(</a:t>
+            </a:r>
+            <a:r>
+              <a:rPr lang="it-IT" sz="1600" dirty="0" err="1">
+                <a:latin typeface="Courier" pitchFamily="2" charset="0"/>
+              </a:rPr>
+              <a:t>d_img</a:t>
+            </a:r>
+            <a:r>
+              <a:rPr lang="it-IT" sz="1600" dirty="0" err="1">
+                <a:solidFill>
+                  <a:srgbClr val="797979"/>
+                </a:solidFill>
+                <a:latin typeface="Courier" pitchFamily="2" charset="0"/>
+              </a:rPr>
+              <a:t>.</a:t>
+            </a:r>
+            <a:r>
+              <a:rPr lang="it-IT" sz="1600" dirty="0" err="1">
+                <a:latin typeface="Courier" pitchFamily="2" charset="0"/>
+              </a:rPr>
+              <a:t>T</a:t>
+            </a:r>
+            <a:r>
+              <a:rPr lang="it-IT" sz="1600" dirty="0">
+                <a:latin typeface="Courier" pitchFamily="2" charset="0"/>
+              </a:rPr>
+              <a:t>, </a:t>
+            </a:r>
+            <a:r>
+              <a:rPr lang="it-IT" sz="1600" dirty="0" err="1">
+                <a:solidFill>
+                  <a:schemeClr val="accent4"/>
+                </a:solidFill>
+                <a:latin typeface="Courier" pitchFamily="2" charset="0"/>
+              </a:rPr>
+              <a:t>norm</a:t>
+            </a:r>
+            <a:r>
+              <a:rPr lang="it-IT" sz="1600" dirty="0">
+                <a:solidFill>
+                  <a:srgbClr val="797979"/>
+                </a:solidFill>
+                <a:latin typeface="Courier" pitchFamily="2" charset="0"/>
+              </a:rPr>
+              <a:t>=</a:t>
+            </a:r>
+            <a:r>
+              <a:rPr lang="it-IT" sz="1600" dirty="0">
+                <a:solidFill>
+                  <a:srgbClr val="C8352B"/>
+                </a:solidFill>
+                <a:latin typeface="Courier" pitchFamily="2" charset="0"/>
+              </a:rPr>
+              <a:t>'</a:t>
+            </a:r>
+            <a:r>
+              <a:rPr lang="it-IT" sz="1600" dirty="0" err="1">
+                <a:solidFill>
+                  <a:srgbClr val="C8352B"/>
+                </a:solidFill>
+                <a:latin typeface="Courier" pitchFamily="2" charset="0"/>
+              </a:rPr>
+              <a:t>ortho</a:t>
+            </a:r>
+            <a:r>
+              <a:rPr lang="it-IT" sz="1600" dirty="0">
+                <a:solidFill>
+                  <a:srgbClr val="C8352B"/>
+                </a:solidFill>
+                <a:latin typeface="Courier" pitchFamily="2" charset="0"/>
+              </a:rPr>
+              <a:t>'</a:t>
+            </a:r>
+            <a:r>
+              <a:rPr lang="it-IT" sz="1600" dirty="0">
+                <a:latin typeface="Courier" pitchFamily="2" charset="0"/>
+              </a:rPr>
+              <a:t>)</a:t>
+            </a:r>
+            <a:r>
+              <a:rPr lang="it-IT" sz="1600" dirty="0">
+                <a:solidFill>
+                  <a:srgbClr val="797979"/>
+                </a:solidFill>
+                <a:latin typeface="Courier" pitchFamily="2" charset="0"/>
+              </a:rPr>
+              <a:t>.</a:t>
+            </a:r>
+            <a:r>
+              <a:rPr lang="it-IT" sz="1600" dirty="0">
+                <a:latin typeface="Courier" pitchFamily="2" charset="0"/>
+              </a:rPr>
+              <a:t>T, </a:t>
+            </a:r>
+            <a:r>
+              <a:rPr lang="it-IT" sz="1600" dirty="0" err="1">
+                <a:solidFill>
+                  <a:schemeClr val="accent4"/>
+                </a:solidFill>
+                <a:latin typeface="Courier" pitchFamily="2" charset="0"/>
+              </a:rPr>
+              <a:t>norm</a:t>
+            </a:r>
+            <a:r>
+              <a:rPr lang="it-IT" sz="1600" dirty="0">
+                <a:solidFill>
+                  <a:srgbClr val="797979"/>
+                </a:solidFill>
+                <a:latin typeface="Courier" pitchFamily="2" charset="0"/>
+              </a:rPr>
+              <a:t>=</a:t>
+            </a:r>
+            <a:r>
+              <a:rPr lang="it-IT" sz="1600" dirty="0">
+                <a:solidFill>
+                  <a:srgbClr val="C8352B"/>
+                </a:solidFill>
+                <a:latin typeface="Courier" pitchFamily="2" charset="0"/>
+              </a:rPr>
+              <a:t>'</a:t>
+            </a:r>
+            <a:r>
+              <a:rPr lang="it-IT" sz="1600" dirty="0" err="1">
+                <a:solidFill>
+                  <a:srgbClr val="C8352B"/>
+                </a:solidFill>
+                <a:latin typeface="Courier" pitchFamily="2" charset="0"/>
+              </a:rPr>
+              <a:t>ortho</a:t>
+            </a:r>
+            <a:r>
+              <a:rPr lang="it-IT" sz="1600" dirty="0">
+                <a:solidFill>
+                  <a:srgbClr val="C8352B"/>
+                </a:solidFill>
+                <a:latin typeface="Courier" pitchFamily="2" charset="0"/>
+              </a:rPr>
+              <a:t>'</a:t>
+            </a:r>
+            <a:r>
+              <a:rPr lang="it-IT" sz="1600" dirty="0">
+                <a:latin typeface="Courier" pitchFamily="2" charset="0"/>
+              </a:rPr>
+              <a:t>))</a:t>
+            </a:r>
+          </a:p>
+          <a:p>
+            <a:br>
+              <a:rPr lang="it-IT" sz="1600" dirty="0">
+                <a:latin typeface="Courier" pitchFamily="2" charset="0"/>
+              </a:rPr>
+            </a:br>
+            <a:endParaRPr lang="it-IT" dirty="0">
+              <a:effectLst/>
+              <a:latin typeface="Courier" pitchFamily="2" charset="0"/>
+            </a:endParaRPr>
+          </a:p>
+        </p:txBody>
+      </p:sp>
+      <p:sp>
+        <p:nvSpPr>
+          <p:cNvPr id="8" name="Rectangle 7">
+            <a:extLst>
+              <a:ext uri="{FF2B5EF4-FFF2-40B4-BE49-F238E27FC236}">
+                <a16:creationId xmlns:a16="http://schemas.microsoft.com/office/drawing/2014/main" id="{5C03ABE3-00D9-034D-8E31-30B7097F2F34}"/>
+              </a:ext>
+            </a:extLst>
+          </p:cNvPr>
+          <p:cNvSpPr/>
+          <p:nvPr/>
+        </p:nvSpPr>
+        <p:spPr>
+          <a:xfrm>
+            <a:off x="677334" y="4518898"/>
+            <a:ext cx="7300018" cy="2339102"/>
+          </a:xfrm>
+          <a:prstGeom prst="rect">
+            <a:avLst/>
+          </a:prstGeom>
+        </p:spPr>
+        <p:txBody>
+          <a:bodyPr wrap="square">
+            <a:spAutoFit/>
+          </a:bodyPr>
+          <a:lstStyle/>
+          <a:p>
+            <a:r>
+              <a:rPr lang="it-IT" sz="1600" b="1" dirty="0" err="1">
+                <a:solidFill>
+                  <a:srgbClr val="008F00"/>
+                </a:solidFill>
+                <a:latin typeface="Courier" pitchFamily="2" charset="0"/>
+              </a:rPr>
+              <a:t>def</a:t>
+            </a:r>
+            <a:r>
+              <a:rPr lang="it-IT" sz="1600" dirty="0">
+                <a:solidFill>
+                  <a:srgbClr val="000000"/>
+                </a:solidFill>
+                <a:latin typeface="Courier" pitchFamily="2" charset="0"/>
+              </a:rPr>
+              <a:t> </a:t>
+            </a:r>
+            <a:r>
+              <a:rPr lang="it-IT" sz="1600" dirty="0" err="1">
+                <a:solidFill>
+                  <a:srgbClr val="0433FF"/>
+                </a:solidFill>
+                <a:latin typeface="Courier" pitchFamily="2" charset="0"/>
+              </a:rPr>
+              <a:t>round_image</a:t>
+            </a:r>
+            <a:r>
+              <a:rPr lang="it-IT" sz="1600" dirty="0">
+                <a:solidFill>
+                  <a:srgbClr val="0433FF"/>
+                </a:solidFill>
+                <a:latin typeface="Courier" pitchFamily="2" charset="0"/>
+              </a:rPr>
+              <a:t>_</a:t>
+            </a:r>
+            <a:r>
+              <a:rPr lang="it-IT" sz="1600" dirty="0">
+                <a:solidFill>
+                  <a:srgbClr val="000000"/>
+                </a:solidFill>
+                <a:latin typeface="Courier" pitchFamily="2" charset="0"/>
+              </a:rPr>
+              <a:t>(</a:t>
+            </a:r>
+            <a:r>
+              <a:rPr lang="it-IT" sz="1600" dirty="0">
+                <a:solidFill>
+                  <a:srgbClr val="008F00"/>
+                </a:solidFill>
+                <a:latin typeface="Courier" pitchFamily="2" charset="0"/>
+              </a:rPr>
+              <a:t>self</a:t>
+            </a:r>
+            <a:r>
+              <a:rPr lang="it-IT" sz="1600" dirty="0">
+                <a:solidFill>
+                  <a:srgbClr val="000000"/>
+                </a:solidFill>
+                <a:latin typeface="Courier" pitchFamily="2" charset="0"/>
+              </a:rPr>
+              <a:t>, pixel):</a:t>
+            </a:r>
+            <a:endParaRPr lang="it-IT" sz="1600" dirty="0">
+              <a:solidFill>
+                <a:srgbClr val="0433FF"/>
+              </a:solidFill>
+              <a:latin typeface="Courier" pitchFamily="2" charset="0"/>
+            </a:endParaRPr>
+          </a:p>
+          <a:p>
+            <a:r>
+              <a:rPr lang="it-IT" sz="1600" dirty="0">
+                <a:latin typeface="Courier" pitchFamily="2" charset="0"/>
+              </a:rPr>
+              <a:t>        </a:t>
+            </a:r>
+            <a:r>
+              <a:rPr lang="it-IT" sz="1600" b="1" dirty="0" err="1">
+                <a:solidFill>
+                  <a:srgbClr val="008F00"/>
+                </a:solidFill>
+                <a:latin typeface="Courier" pitchFamily="2" charset="0"/>
+              </a:rPr>
+              <a:t>if</a:t>
+            </a:r>
+            <a:r>
+              <a:rPr lang="it-IT" sz="1600" dirty="0">
+                <a:latin typeface="Courier" pitchFamily="2" charset="0"/>
+              </a:rPr>
+              <a:t> pixel </a:t>
+            </a:r>
+            <a:r>
+              <a:rPr lang="it-IT" sz="1600" dirty="0">
+                <a:solidFill>
+                  <a:srgbClr val="797979"/>
+                </a:solidFill>
+                <a:latin typeface="Courier" pitchFamily="2" charset="0"/>
+              </a:rPr>
+              <a:t>&gt;</a:t>
+            </a:r>
+            <a:r>
+              <a:rPr lang="it-IT" sz="1600" dirty="0">
+                <a:latin typeface="Courier" pitchFamily="2" charset="0"/>
+              </a:rPr>
+              <a:t> </a:t>
+            </a:r>
+            <a:r>
+              <a:rPr lang="it-IT" sz="1600" dirty="0">
+                <a:solidFill>
+                  <a:srgbClr val="797979"/>
+                </a:solidFill>
+                <a:latin typeface="Courier" pitchFamily="2" charset="0"/>
+              </a:rPr>
+              <a:t>255</a:t>
+            </a:r>
+            <a:r>
+              <a:rPr lang="it-IT" sz="1600" dirty="0">
+                <a:latin typeface="Courier" pitchFamily="2" charset="0"/>
+              </a:rPr>
+              <a:t>:</a:t>
+            </a:r>
+          </a:p>
+          <a:p>
+            <a:r>
+              <a:rPr lang="it-IT" sz="1600" dirty="0">
+                <a:latin typeface="Courier" pitchFamily="2" charset="0"/>
+              </a:rPr>
+              <a:t>            </a:t>
+            </a:r>
+            <a:r>
+              <a:rPr lang="it-IT" sz="1600" b="1" dirty="0" err="1">
+                <a:solidFill>
+                  <a:srgbClr val="008F00"/>
+                </a:solidFill>
+                <a:latin typeface="Courier" pitchFamily="2" charset="0"/>
+              </a:rPr>
+              <a:t>return</a:t>
+            </a:r>
+            <a:r>
+              <a:rPr lang="it-IT" sz="1600" dirty="0">
+                <a:latin typeface="Courier" pitchFamily="2" charset="0"/>
+              </a:rPr>
+              <a:t> </a:t>
+            </a:r>
+            <a:r>
+              <a:rPr lang="it-IT" sz="1600" dirty="0">
+                <a:solidFill>
+                  <a:srgbClr val="797979"/>
+                </a:solidFill>
+                <a:latin typeface="Courier" pitchFamily="2" charset="0"/>
+              </a:rPr>
+              <a:t>255</a:t>
+            </a:r>
+            <a:endParaRPr lang="it-IT" sz="1600" dirty="0">
+              <a:latin typeface="Courier" pitchFamily="2" charset="0"/>
+            </a:endParaRPr>
+          </a:p>
+          <a:p>
+            <a:r>
+              <a:rPr lang="it-IT" sz="1600" dirty="0">
+                <a:latin typeface="Courier" pitchFamily="2" charset="0"/>
+              </a:rPr>
+              <a:t>        </a:t>
+            </a:r>
+            <a:r>
+              <a:rPr lang="it-IT" sz="1600" b="1" dirty="0" err="1">
+                <a:solidFill>
+                  <a:srgbClr val="008F00"/>
+                </a:solidFill>
+                <a:latin typeface="Courier" pitchFamily="2" charset="0"/>
+              </a:rPr>
+              <a:t>elif</a:t>
+            </a:r>
+            <a:r>
+              <a:rPr lang="it-IT" sz="1600" dirty="0">
+                <a:latin typeface="Courier" pitchFamily="2" charset="0"/>
+              </a:rPr>
+              <a:t> pixel </a:t>
+            </a:r>
+            <a:r>
+              <a:rPr lang="it-IT" sz="1600" dirty="0">
+                <a:solidFill>
+                  <a:srgbClr val="797979"/>
+                </a:solidFill>
+                <a:latin typeface="Courier" pitchFamily="2" charset="0"/>
+              </a:rPr>
+              <a:t>&lt;</a:t>
+            </a:r>
+            <a:r>
+              <a:rPr lang="it-IT" sz="1600" dirty="0">
+                <a:latin typeface="Courier" pitchFamily="2" charset="0"/>
+              </a:rPr>
+              <a:t> </a:t>
+            </a:r>
+            <a:r>
+              <a:rPr lang="it-IT" sz="1600" dirty="0">
+                <a:solidFill>
+                  <a:srgbClr val="797979"/>
+                </a:solidFill>
+                <a:latin typeface="Courier" pitchFamily="2" charset="0"/>
+              </a:rPr>
+              <a:t>0</a:t>
+            </a:r>
+            <a:r>
+              <a:rPr lang="it-IT" sz="1600" dirty="0">
+                <a:latin typeface="Courier" pitchFamily="2" charset="0"/>
+              </a:rPr>
+              <a:t>:</a:t>
+            </a:r>
+          </a:p>
+          <a:p>
+            <a:r>
+              <a:rPr lang="it-IT" sz="1600" dirty="0">
+                <a:latin typeface="Courier" pitchFamily="2" charset="0"/>
+              </a:rPr>
+              <a:t>            </a:t>
+            </a:r>
+            <a:r>
+              <a:rPr lang="it-IT" sz="1600" b="1" dirty="0" err="1">
+                <a:solidFill>
+                  <a:srgbClr val="008F00"/>
+                </a:solidFill>
+                <a:latin typeface="Courier" pitchFamily="2" charset="0"/>
+              </a:rPr>
+              <a:t>return</a:t>
+            </a:r>
+            <a:r>
+              <a:rPr lang="it-IT" sz="1600" dirty="0">
+                <a:latin typeface="Courier" pitchFamily="2" charset="0"/>
+              </a:rPr>
+              <a:t> </a:t>
+            </a:r>
+            <a:r>
+              <a:rPr lang="it-IT" sz="1600" dirty="0">
+                <a:solidFill>
+                  <a:srgbClr val="797979"/>
+                </a:solidFill>
+                <a:latin typeface="Courier" pitchFamily="2" charset="0"/>
+              </a:rPr>
+              <a:t>0</a:t>
+            </a:r>
+            <a:endParaRPr lang="it-IT" sz="1600" dirty="0">
+              <a:latin typeface="Courier" pitchFamily="2" charset="0"/>
+            </a:endParaRPr>
+          </a:p>
+          <a:p>
+            <a:r>
+              <a:rPr lang="it-IT" sz="1600" dirty="0">
+                <a:latin typeface="Courier" pitchFamily="2" charset="0"/>
+              </a:rPr>
+              <a:t>        </a:t>
+            </a:r>
+            <a:r>
+              <a:rPr lang="it-IT" sz="1600" b="1" dirty="0">
+                <a:solidFill>
+                  <a:srgbClr val="008F00"/>
+                </a:solidFill>
+                <a:latin typeface="Courier" pitchFamily="2" charset="0"/>
+              </a:rPr>
+              <a:t>else</a:t>
+            </a:r>
+            <a:r>
+              <a:rPr lang="it-IT" sz="1600" dirty="0">
+                <a:latin typeface="Courier" pitchFamily="2" charset="0"/>
+              </a:rPr>
+              <a:t>:</a:t>
+            </a:r>
+          </a:p>
+          <a:p>
+            <a:r>
+              <a:rPr lang="it-IT" sz="1600" dirty="0">
+                <a:latin typeface="Courier" pitchFamily="2" charset="0"/>
+              </a:rPr>
+              <a:t>            </a:t>
+            </a:r>
+            <a:r>
+              <a:rPr lang="it-IT" sz="1600" b="1" dirty="0" err="1">
+                <a:solidFill>
+                  <a:srgbClr val="008F00"/>
+                </a:solidFill>
+                <a:latin typeface="Courier" pitchFamily="2" charset="0"/>
+              </a:rPr>
+              <a:t>return</a:t>
+            </a:r>
+            <a:r>
+              <a:rPr lang="it-IT" sz="1600" dirty="0">
+                <a:latin typeface="Courier" pitchFamily="2" charset="0"/>
+              </a:rPr>
+              <a:t> </a:t>
+            </a:r>
+            <a:r>
+              <a:rPr lang="it-IT" sz="1600" dirty="0">
+                <a:solidFill>
+                  <a:srgbClr val="008F00"/>
+                </a:solidFill>
+                <a:latin typeface="Courier" pitchFamily="2" charset="0"/>
+              </a:rPr>
+              <a:t>round</a:t>
+            </a:r>
+            <a:r>
+              <a:rPr lang="it-IT" sz="1600" dirty="0">
+                <a:latin typeface="Courier" pitchFamily="2" charset="0"/>
+              </a:rPr>
+              <a:t>(pixel)</a:t>
+            </a:r>
+          </a:p>
+          <a:p>
+            <a:r>
+              <a:rPr lang="it-IT" sz="1600" dirty="0">
+                <a:latin typeface="Courier" pitchFamily="2" charset="0"/>
+              </a:rPr>
+              <a:t>        </a:t>
+            </a:r>
+            <a:r>
+              <a:rPr lang="it-IT" sz="1600" dirty="0" err="1">
+                <a:latin typeface="Courier" pitchFamily="2" charset="0"/>
+              </a:rPr>
+              <a:t>round_image</a:t>
+            </a:r>
+            <a:r>
+              <a:rPr lang="it-IT" sz="1600" dirty="0">
+                <a:latin typeface="Courier" pitchFamily="2" charset="0"/>
+              </a:rPr>
+              <a:t> </a:t>
+            </a:r>
+            <a:r>
+              <a:rPr lang="it-IT" sz="1600" dirty="0">
+                <a:solidFill>
+                  <a:srgbClr val="797979"/>
+                </a:solidFill>
+                <a:latin typeface="Courier" pitchFamily="2" charset="0"/>
+              </a:rPr>
+              <a:t>=</a:t>
+            </a:r>
+            <a:r>
+              <a:rPr lang="it-IT" sz="1600" dirty="0">
+                <a:latin typeface="Courier" pitchFamily="2" charset="0"/>
+              </a:rPr>
+              <a:t> </a:t>
+            </a:r>
+            <a:r>
+              <a:rPr lang="it-IT" sz="1600" dirty="0" err="1">
+                <a:latin typeface="Courier" pitchFamily="2" charset="0"/>
+              </a:rPr>
+              <a:t>np</a:t>
+            </a:r>
+            <a:r>
+              <a:rPr lang="it-IT" sz="1600" dirty="0" err="1">
+                <a:solidFill>
+                  <a:srgbClr val="797979"/>
+                </a:solidFill>
+                <a:latin typeface="Courier" pitchFamily="2" charset="0"/>
+              </a:rPr>
+              <a:t>.</a:t>
+            </a:r>
+            <a:r>
+              <a:rPr lang="it-IT" sz="1600" dirty="0" err="1">
+                <a:solidFill>
+                  <a:srgbClr val="00B0F0"/>
+                </a:solidFill>
+                <a:latin typeface="Courier" pitchFamily="2" charset="0"/>
+              </a:rPr>
+              <a:t>vectorize</a:t>
+            </a:r>
+            <a:r>
+              <a:rPr lang="it-IT" sz="1600" dirty="0">
+                <a:latin typeface="Courier" pitchFamily="2" charset="0"/>
+              </a:rPr>
+              <a:t>(</a:t>
+            </a:r>
+            <a:r>
+              <a:rPr lang="it-IT" sz="1600" dirty="0" err="1">
+                <a:solidFill>
+                  <a:srgbClr val="008F00"/>
+                </a:solidFill>
+                <a:latin typeface="Courier" pitchFamily="2" charset="0"/>
+              </a:rPr>
+              <a:t>self</a:t>
+            </a:r>
+            <a:r>
+              <a:rPr lang="it-IT" sz="1600" dirty="0" err="1">
+                <a:solidFill>
+                  <a:srgbClr val="797979"/>
+                </a:solidFill>
+                <a:latin typeface="Courier" pitchFamily="2" charset="0"/>
+              </a:rPr>
+              <a:t>.</a:t>
+            </a:r>
+            <a:r>
+              <a:rPr lang="it-IT" sz="1600" dirty="0" err="1">
+                <a:latin typeface="Courier" pitchFamily="2" charset="0"/>
+              </a:rPr>
+              <a:t>round_image</a:t>
+            </a:r>
+            <a:r>
+              <a:rPr lang="it-IT" sz="1600" dirty="0">
+                <a:latin typeface="Courier" pitchFamily="2" charset="0"/>
+              </a:rPr>
+              <a:t>_)</a:t>
+            </a:r>
+          </a:p>
+          <a:p>
+            <a:endParaRPr lang="it-IT" dirty="0">
+              <a:effectLst/>
+              <a:latin typeface="Courier" pitchFamily="2" charset="0"/>
+            </a:endParaRPr>
+          </a:p>
+        </p:txBody>
+      </p:sp>
     </p:spTree>
     <p:extLst>
       <p:ext uri="{BB962C8B-B14F-4D97-AF65-F5344CB8AC3E}">
@@ -6848,40 +8267,1471 @@
           <a:p>
             <a:r>
               <a:rPr lang="it-IT" dirty="0"/>
-              <a:t>DA MODIFICARE – CODICE PARTE 1</a:t>
-            </a:r>
-          </a:p>
-        </p:txBody>
-      </p:sp>
-      <p:pic>
-        <p:nvPicPr>
-          <p:cNvPr id="5" name="Segnaposto contenuto 4">
+              <a:t>Codice Parte 1</a:t>
+            </a:r>
+          </a:p>
+        </p:txBody>
+      </p:sp>
+      <p:sp>
+        <p:nvSpPr>
+          <p:cNvPr id="11" name="Rectangle 10">
             <a:extLst>
               <a:ext uri="{FF2B5EF4-FFF2-40B4-BE49-F238E27FC236}">
-                <a16:creationId xmlns:a16="http://schemas.microsoft.com/office/drawing/2014/main" id="{F02FDD10-83EE-410C-81FA-78F8F8CCA297}"/>
+                <a16:creationId xmlns:a16="http://schemas.microsoft.com/office/drawing/2014/main" id="{56E97534-75FA-1547-B980-75CD05AF3091}"/>
               </a:ext>
             </a:extLst>
           </p:cNvPr>
-          <p:cNvPicPr>
-            <a:picLocks noGrp="1" noChangeAspect="1"/>
-          </p:cNvPicPr>
-          <p:nvPr>
-            <p:ph idx="1"/>
-          </p:nvPr>
-        </p:nvPicPr>
-        <p:blipFill>
-          <a:blip r:embed="rId2"/>
-          <a:stretch>
-            <a:fillRect/>
-          </a:stretch>
-        </p:blipFill>
+          <p:cNvSpPr/>
+          <p:nvPr/>
+        </p:nvSpPr>
         <p:spPr>
           <a:xfrm>
-            <a:off x="2263302" y="2160588"/>
-            <a:ext cx="5425433" cy="3881437"/>
+            <a:off x="677330" y="1301531"/>
+            <a:ext cx="10274445" cy="3539430"/>
           </a:xfrm>
+          <a:prstGeom prst="rect">
+            <a:avLst/>
+          </a:prstGeom>
         </p:spPr>
-      </p:pic>
+        <p:txBody>
+          <a:bodyPr wrap="square">
+            <a:spAutoFit/>
+          </a:bodyPr>
+          <a:lstStyle/>
+          <a:p>
+            <a:r>
+              <a:rPr lang="it-IT" sz="1600" b="1" dirty="0" err="1">
+                <a:solidFill>
+                  <a:srgbClr val="008F00"/>
+                </a:solidFill>
+                <a:latin typeface="Courier" pitchFamily="2" charset="0"/>
+              </a:rPr>
+              <a:t>def</a:t>
+            </a:r>
+            <a:r>
+              <a:rPr lang="it-IT" sz="1600" dirty="0">
+                <a:solidFill>
+                  <a:srgbClr val="000000"/>
+                </a:solidFill>
+                <a:latin typeface="Courier" pitchFamily="2" charset="0"/>
+              </a:rPr>
+              <a:t> </a:t>
+            </a:r>
+            <a:r>
+              <a:rPr lang="it-IT" sz="1600" dirty="0" err="1">
+                <a:solidFill>
+                  <a:srgbClr val="0433FF"/>
+                </a:solidFill>
+                <a:latin typeface="Courier" pitchFamily="2" charset="0"/>
+              </a:rPr>
+              <a:t>custom_dct</a:t>
+            </a:r>
+            <a:r>
+              <a:rPr lang="it-IT" sz="1600" dirty="0">
+                <a:solidFill>
+                  <a:srgbClr val="000000"/>
+                </a:solidFill>
+                <a:latin typeface="Courier" pitchFamily="2" charset="0"/>
+              </a:rPr>
+              <a:t>(array):</a:t>
+            </a:r>
+            <a:endParaRPr lang="it-IT" sz="1600" dirty="0">
+              <a:solidFill>
+                <a:srgbClr val="0433FF"/>
+              </a:solidFill>
+              <a:latin typeface="Courier" pitchFamily="2" charset="0"/>
+            </a:endParaRPr>
+          </a:p>
+          <a:p>
+            <a:r>
+              <a:rPr lang="it-IT" sz="1600" dirty="0">
+                <a:latin typeface="Courier" pitchFamily="2" charset="0"/>
+              </a:rPr>
+              <a:t>    </a:t>
+            </a:r>
+            <a:r>
+              <a:rPr lang="it-IT" sz="1600" dirty="0" err="1">
+                <a:latin typeface="Courier" pitchFamily="2" charset="0"/>
+              </a:rPr>
+              <a:t>r_array</a:t>
+            </a:r>
+            <a:r>
+              <a:rPr lang="it-IT" sz="1600" dirty="0">
+                <a:latin typeface="Courier" pitchFamily="2" charset="0"/>
+              </a:rPr>
+              <a:t> </a:t>
+            </a:r>
+            <a:r>
+              <a:rPr lang="it-IT" sz="1600" dirty="0">
+                <a:solidFill>
+                  <a:srgbClr val="797979"/>
+                </a:solidFill>
+                <a:latin typeface="Courier" pitchFamily="2" charset="0"/>
+              </a:rPr>
+              <a:t>=</a:t>
+            </a:r>
+            <a:r>
+              <a:rPr lang="it-IT" sz="1600" dirty="0">
+                <a:latin typeface="Courier" pitchFamily="2" charset="0"/>
+              </a:rPr>
+              <a:t> </a:t>
+            </a:r>
+            <a:r>
+              <a:rPr lang="it-IT" sz="1600" dirty="0" err="1">
+                <a:latin typeface="Courier" pitchFamily="2" charset="0"/>
+              </a:rPr>
+              <a:t>np</a:t>
+            </a:r>
+            <a:r>
+              <a:rPr lang="it-IT" sz="1600" dirty="0" err="1">
+                <a:solidFill>
+                  <a:srgbClr val="797979"/>
+                </a:solidFill>
+                <a:latin typeface="Courier" pitchFamily="2" charset="0"/>
+              </a:rPr>
+              <a:t>.</a:t>
+            </a:r>
+            <a:r>
+              <a:rPr lang="it-IT" sz="1600" dirty="0" err="1">
+                <a:solidFill>
+                  <a:srgbClr val="00B0F0"/>
+                </a:solidFill>
+                <a:latin typeface="Courier" pitchFamily="2" charset="0"/>
+              </a:rPr>
+              <a:t>zeros</a:t>
+            </a:r>
+            <a:r>
+              <a:rPr lang="it-IT" sz="1600" dirty="0">
+                <a:latin typeface="Courier" pitchFamily="2" charset="0"/>
+              </a:rPr>
+              <a:t>(</a:t>
+            </a:r>
+            <a:r>
+              <a:rPr lang="it-IT" sz="1600" dirty="0" err="1">
+                <a:latin typeface="Courier" pitchFamily="2" charset="0"/>
+              </a:rPr>
+              <a:t>array</a:t>
+            </a:r>
+            <a:r>
+              <a:rPr lang="it-IT" sz="1600" dirty="0" err="1">
+                <a:solidFill>
+                  <a:srgbClr val="797979"/>
+                </a:solidFill>
+                <a:latin typeface="Courier" pitchFamily="2" charset="0"/>
+              </a:rPr>
+              <a:t>.</a:t>
+            </a:r>
+            <a:r>
+              <a:rPr lang="it-IT" sz="1600" dirty="0" err="1">
+                <a:latin typeface="Courier" pitchFamily="2" charset="0"/>
+              </a:rPr>
+              <a:t>size</a:t>
+            </a:r>
+            <a:r>
+              <a:rPr lang="it-IT" sz="1600" dirty="0">
+                <a:latin typeface="Courier" pitchFamily="2" charset="0"/>
+              </a:rPr>
+              <a:t>)</a:t>
+            </a:r>
+          </a:p>
+          <a:p>
+            <a:r>
+              <a:rPr lang="it-IT" sz="1600" dirty="0">
+                <a:latin typeface="Courier" pitchFamily="2" charset="0"/>
+              </a:rPr>
+              <a:t>    </a:t>
+            </a:r>
+            <a:r>
+              <a:rPr lang="it-IT" sz="1600" dirty="0" err="1">
+                <a:latin typeface="Courier" pitchFamily="2" charset="0"/>
+              </a:rPr>
+              <a:t>N</a:t>
+            </a:r>
+            <a:r>
+              <a:rPr lang="it-IT" sz="1600" dirty="0">
+                <a:latin typeface="Courier" pitchFamily="2" charset="0"/>
+              </a:rPr>
+              <a:t> </a:t>
+            </a:r>
+            <a:r>
+              <a:rPr lang="it-IT" sz="1600" dirty="0">
+                <a:solidFill>
+                  <a:srgbClr val="797979"/>
+                </a:solidFill>
+                <a:latin typeface="Courier" pitchFamily="2" charset="0"/>
+              </a:rPr>
+              <a:t>=</a:t>
+            </a:r>
+            <a:r>
+              <a:rPr lang="it-IT" sz="1600" dirty="0">
+                <a:latin typeface="Courier" pitchFamily="2" charset="0"/>
+              </a:rPr>
+              <a:t> </a:t>
+            </a:r>
+            <a:r>
+              <a:rPr lang="it-IT" sz="1600" dirty="0" err="1">
+                <a:latin typeface="Courier" pitchFamily="2" charset="0"/>
+              </a:rPr>
+              <a:t>array</a:t>
+            </a:r>
+            <a:r>
+              <a:rPr lang="it-IT" sz="1600" dirty="0" err="1">
+                <a:solidFill>
+                  <a:srgbClr val="797979"/>
+                </a:solidFill>
+                <a:latin typeface="Courier" pitchFamily="2" charset="0"/>
+              </a:rPr>
+              <a:t>.</a:t>
+            </a:r>
+            <a:r>
+              <a:rPr lang="it-IT" sz="1600" dirty="0" err="1">
+                <a:latin typeface="Courier" pitchFamily="2" charset="0"/>
+              </a:rPr>
+              <a:t>size</a:t>
+            </a:r>
+            <a:endParaRPr lang="it-IT" sz="1600" dirty="0">
+              <a:latin typeface="Courier" pitchFamily="2" charset="0"/>
+            </a:endParaRPr>
+          </a:p>
+          <a:p>
+            <a:endParaRPr lang="it-IT" sz="1600" dirty="0">
+              <a:latin typeface="Courier" pitchFamily="2" charset="0"/>
+            </a:endParaRPr>
+          </a:p>
+          <a:p>
+            <a:r>
+              <a:rPr lang="it-IT" sz="1600" dirty="0">
+                <a:latin typeface="Courier" pitchFamily="2" charset="0"/>
+              </a:rPr>
+              <a:t>    </a:t>
+            </a:r>
+            <a:r>
+              <a:rPr lang="it-IT" sz="1600" b="1" dirty="0">
+                <a:solidFill>
+                  <a:srgbClr val="008F00"/>
+                </a:solidFill>
+                <a:latin typeface="Courier" pitchFamily="2" charset="0"/>
+              </a:rPr>
+              <a:t>for</a:t>
+            </a:r>
+            <a:r>
+              <a:rPr lang="it-IT" sz="1600" dirty="0">
+                <a:latin typeface="Courier" pitchFamily="2" charset="0"/>
+              </a:rPr>
+              <a:t> u </a:t>
+            </a:r>
+            <a:r>
+              <a:rPr lang="it-IT" sz="1600" b="1" dirty="0">
+                <a:solidFill>
+                  <a:srgbClr val="BB49FF"/>
+                </a:solidFill>
+                <a:latin typeface="Courier" pitchFamily="2" charset="0"/>
+              </a:rPr>
+              <a:t>in</a:t>
+            </a:r>
+            <a:r>
+              <a:rPr lang="it-IT" sz="1600" dirty="0">
+                <a:latin typeface="Courier" pitchFamily="2" charset="0"/>
+              </a:rPr>
+              <a:t> </a:t>
+            </a:r>
+            <a:r>
+              <a:rPr lang="it-IT" sz="1600" dirty="0" err="1">
+                <a:solidFill>
+                  <a:srgbClr val="008F00"/>
+                </a:solidFill>
+                <a:latin typeface="Courier" pitchFamily="2" charset="0"/>
+              </a:rPr>
+              <a:t>range</a:t>
+            </a:r>
+            <a:r>
+              <a:rPr lang="it-IT" sz="1600" dirty="0">
+                <a:latin typeface="Courier" pitchFamily="2" charset="0"/>
+              </a:rPr>
+              <a:t>(</a:t>
+            </a:r>
+            <a:r>
+              <a:rPr lang="it-IT" sz="1600" dirty="0" err="1">
+                <a:latin typeface="Courier" pitchFamily="2" charset="0"/>
+              </a:rPr>
+              <a:t>N</a:t>
+            </a:r>
+            <a:r>
+              <a:rPr lang="it-IT" sz="1600" dirty="0">
+                <a:latin typeface="Courier" pitchFamily="2" charset="0"/>
+              </a:rPr>
+              <a:t>):</a:t>
+            </a:r>
+          </a:p>
+          <a:p>
+            <a:r>
+              <a:rPr lang="it-IT" sz="1600" dirty="0">
+                <a:latin typeface="Courier" pitchFamily="2" charset="0"/>
+              </a:rPr>
+              <a:t>        somma </a:t>
+            </a:r>
+            <a:r>
+              <a:rPr lang="it-IT" sz="1600" dirty="0">
+                <a:solidFill>
+                  <a:srgbClr val="797979"/>
+                </a:solidFill>
+                <a:latin typeface="Courier" pitchFamily="2" charset="0"/>
+              </a:rPr>
+              <a:t>=</a:t>
+            </a:r>
+            <a:r>
+              <a:rPr lang="it-IT" sz="1600" dirty="0">
+                <a:latin typeface="Courier" pitchFamily="2" charset="0"/>
+              </a:rPr>
+              <a:t> </a:t>
+            </a:r>
+            <a:r>
+              <a:rPr lang="it-IT" sz="1600" dirty="0">
+                <a:solidFill>
+                  <a:srgbClr val="797979"/>
+                </a:solidFill>
+                <a:latin typeface="Courier" pitchFamily="2" charset="0"/>
+              </a:rPr>
+              <a:t>0</a:t>
+            </a:r>
+            <a:endParaRPr lang="it-IT" sz="1600" dirty="0">
+              <a:latin typeface="Courier" pitchFamily="2" charset="0"/>
+            </a:endParaRPr>
+          </a:p>
+          <a:p>
+            <a:r>
+              <a:rPr lang="it-IT" sz="1600" dirty="0">
+                <a:latin typeface="Courier" pitchFamily="2" charset="0"/>
+              </a:rPr>
+              <a:t>        a </a:t>
+            </a:r>
+            <a:r>
+              <a:rPr lang="it-IT" sz="1600" dirty="0">
+                <a:solidFill>
+                  <a:srgbClr val="797979"/>
+                </a:solidFill>
+                <a:latin typeface="Courier" pitchFamily="2" charset="0"/>
+              </a:rPr>
+              <a:t>=</a:t>
+            </a:r>
+            <a:r>
+              <a:rPr lang="it-IT" sz="1600" dirty="0">
+                <a:latin typeface="Courier" pitchFamily="2" charset="0"/>
+              </a:rPr>
+              <a:t> </a:t>
+            </a:r>
+            <a:r>
+              <a:rPr lang="it-IT" sz="1600" dirty="0" err="1">
+                <a:latin typeface="Courier" pitchFamily="2" charset="0"/>
+              </a:rPr>
+              <a:t>math</a:t>
+            </a:r>
+            <a:r>
+              <a:rPr lang="it-IT" sz="1600" dirty="0" err="1">
+                <a:solidFill>
+                  <a:srgbClr val="797979"/>
+                </a:solidFill>
+                <a:latin typeface="Courier" pitchFamily="2" charset="0"/>
+              </a:rPr>
+              <a:t>.</a:t>
+            </a:r>
+            <a:r>
+              <a:rPr lang="it-IT" sz="1600" dirty="0" err="1">
+                <a:solidFill>
+                  <a:srgbClr val="00B0F0"/>
+                </a:solidFill>
+                <a:latin typeface="Courier" pitchFamily="2" charset="0"/>
+              </a:rPr>
+              <a:t>sqrt</a:t>
+            </a:r>
+            <a:r>
+              <a:rPr lang="it-IT" sz="1600" dirty="0">
+                <a:latin typeface="Courier" pitchFamily="2" charset="0"/>
+              </a:rPr>
+              <a:t>(</a:t>
+            </a:r>
+            <a:r>
+              <a:rPr lang="it-IT" sz="1600" dirty="0">
+                <a:solidFill>
+                  <a:srgbClr val="797979"/>
+                </a:solidFill>
+                <a:latin typeface="Courier" pitchFamily="2" charset="0"/>
+              </a:rPr>
+              <a:t>1.</a:t>
+            </a:r>
+            <a:r>
+              <a:rPr lang="it-IT" sz="1600" dirty="0">
+                <a:latin typeface="Courier" pitchFamily="2" charset="0"/>
+              </a:rPr>
+              <a:t> </a:t>
+            </a:r>
+            <a:r>
+              <a:rPr lang="it-IT" sz="1600" dirty="0">
+                <a:solidFill>
+                  <a:srgbClr val="797979"/>
+                </a:solidFill>
+                <a:latin typeface="Courier" pitchFamily="2" charset="0"/>
+              </a:rPr>
+              <a:t>/</a:t>
+            </a:r>
+            <a:r>
+              <a:rPr lang="it-IT" sz="1600" dirty="0">
+                <a:latin typeface="Courier" pitchFamily="2" charset="0"/>
+              </a:rPr>
+              <a:t> </a:t>
+            </a:r>
+            <a:r>
+              <a:rPr lang="it-IT" sz="1600" dirty="0" err="1">
+                <a:latin typeface="Courier" pitchFamily="2" charset="0"/>
+              </a:rPr>
+              <a:t>N</a:t>
+            </a:r>
+            <a:r>
+              <a:rPr lang="it-IT" sz="1600" dirty="0">
+                <a:latin typeface="Courier" pitchFamily="2" charset="0"/>
+              </a:rPr>
+              <a:t>) </a:t>
+            </a:r>
+            <a:r>
+              <a:rPr lang="it-IT" sz="1600" b="1" dirty="0" err="1">
+                <a:solidFill>
+                  <a:srgbClr val="008F00"/>
+                </a:solidFill>
+                <a:latin typeface="Courier" pitchFamily="2" charset="0"/>
+              </a:rPr>
+              <a:t>if</a:t>
+            </a:r>
+            <a:r>
+              <a:rPr lang="it-IT" sz="1600" dirty="0">
+                <a:latin typeface="Courier" pitchFamily="2" charset="0"/>
+              </a:rPr>
+              <a:t> u </a:t>
+            </a:r>
+            <a:r>
+              <a:rPr lang="it-IT" sz="1600" dirty="0">
+                <a:solidFill>
+                  <a:srgbClr val="797979"/>
+                </a:solidFill>
+                <a:latin typeface="Courier" pitchFamily="2" charset="0"/>
+              </a:rPr>
+              <a:t>==</a:t>
+            </a:r>
+            <a:r>
+              <a:rPr lang="it-IT" sz="1600" dirty="0">
+                <a:latin typeface="Courier" pitchFamily="2" charset="0"/>
+              </a:rPr>
+              <a:t> </a:t>
+            </a:r>
+            <a:r>
+              <a:rPr lang="it-IT" sz="1600" dirty="0">
+                <a:solidFill>
+                  <a:srgbClr val="797979"/>
+                </a:solidFill>
+                <a:latin typeface="Courier" pitchFamily="2" charset="0"/>
+              </a:rPr>
+              <a:t>0</a:t>
+            </a:r>
+            <a:r>
+              <a:rPr lang="it-IT" sz="1600" dirty="0">
+                <a:latin typeface="Courier" pitchFamily="2" charset="0"/>
+              </a:rPr>
+              <a:t> </a:t>
+            </a:r>
+            <a:r>
+              <a:rPr lang="it-IT" sz="1600" b="1" dirty="0">
+                <a:solidFill>
+                  <a:srgbClr val="008F00"/>
+                </a:solidFill>
+                <a:latin typeface="Courier" pitchFamily="2" charset="0"/>
+              </a:rPr>
+              <a:t>else</a:t>
+            </a:r>
+            <a:r>
+              <a:rPr lang="it-IT" sz="1600" dirty="0">
+                <a:latin typeface="Courier" pitchFamily="2" charset="0"/>
+              </a:rPr>
+              <a:t> </a:t>
+            </a:r>
+            <a:r>
+              <a:rPr lang="it-IT" sz="1600" dirty="0" err="1">
+                <a:latin typeface="Courier" pitchFamily="2" charset="0"/>
+              </a:rPr>
+              <a:t>math</a:t>
+            </a:r>
+            <a:r>
+              <a:rPr lang="it-IT" sz="1600" dirty="0" err="1">
+                <a:solidFill>
+                  <a:srgbClr val="797979"/>
+                </a:solidFill>
+                <a:latin typeface="Courier" pitchFamily="2" charset="0"/>
+              </a:rPr>
+              <a:t>.</a:t>
+            </a:r>
+            <a:r>
+              <a:rPr lang="it-IT" sz="1600" dirty="0" err="1">
+                <a:solidFill>
+                  <a:srgbClr val="00B0F0"/>
+                </a:solidFill>
+                <a:latin typeface="Courier" pitchFamily="2" charset="0"/>
+              </a:rPr>
+              <a:t>sqrt</a:t>
+            </a:r>
+            <a:r>
+              <a:rPr lang="it-IT" sz="1600" dirty="0">
+                <a:latin typeface="Courier" pitchFamily="2" charset="0"/>
+              </a:rPr>
+              <a:t>(</a:t>
+            </a:r>
+            <a:r>
+              <a:rPr lang="it-IT" sz="1600" dirty="0">
+                <a:solidFill>
+                  <a:srgbClr val="797979"/>
+                </a:solidFill>
+                <a:latin typeface="Courier" pitchFamily="2" charset="0"/>
+              </a:rPr>
+              <a:t>2.</a:t>
+            </a:r>
+            <a:r>
+              <a:rPr lang="it-IT" sz="1600" dirty="0">
+                <a:latin typeface="Courier" pitchFamily="2" charset="0"/>
+              </a:rPr>
+              <a:t> </a:t>
+            </a:r>
+            <a:r>
+              <a:rPr lang="it-IT" sz="1600" dirty="0">
+                <a:solidFill>
+                  <a:srgbClr val="797979"/>
+                </a:solidFill>
+                <a:latin typeface="Courier" pitchFamily="2" charset="0"/>
+              </a:rPr>
+              <a:t>/</a:t>
+            </a:r>
+            <a:r>
+              <a:rPr lang="it-IT" sz="1600" dirty="0">
+                <a:latin typeface="Courier" pitchFamily="2" charset="0"/>
+              </a:rPr>
+              <a:t> </a:t>
+            </a:r>
+            <a:r>
+              <a:rPr lang="it-IT" sz="1600" dirty="0" err="1">
+                <a:latin typeface="Courier" pitchFamily="2" charset="0"/>
+              </a:rPr>
+              <a:t>N</a:t>
+            </a:r>
+            <a:r>
+              <a:rPr lang="it-IT" sz="1600" dirty="0">
+                <a:latin typeface="Courier" pitchFamily="2" charset="0"/>
+              </a:rPr>
+              <a:t>)</a:t>
+            </a:r>
+            <a:br>
+              <a:rPr lang="it-IT" sz="1600" dirty="0">
+                <a:latin typeface="Courier" pitchFamily="2" charset="0"/>
+              </a:rPr>
+            </a:br>
+            <a:endParaRPr lang="it-IT" sz="1600" dirty="0">
+              <a:latin typeface="Courier" pitchFamily="2" charset="0"/>
+            </a:endParaRPr>
+          </a:p>
+          <a:p>
+            <a:r>
+              <a:rPr lang="it-IT" sz="1600" dirty="0">
+                <a:latin typeface="Courier" pitchFamily="2" charset="0"/>
+              </a:rPr>
+              <a:t>        </a:t>
+            </a:r>
+            <a:r>
+              <a:rPr lang="it-IT" sz="1600" b="1" dirty="0">
+                <a:solidFill>
+                  <a:srgbClr val="008F00"/>
+                </a:solidFill>
+                <a:latin typeface="Courier" pitchFamily="2" charset="0"/>
+              </a:rPr>
+              <a:t>for</a:t>
+            </a:r>
+            <a:r>
+              <a:rPr lang="it-IT" sz="1600" dirty="0">
+                <a:latin typeface="Courier" pitchFamily="2" charset="0"/>
+              </a:rPr>
+              <a:t> x, </a:t>
+            </a:r>
+            <a:r>
+              <a:rPr lang="it-IT" sz="1600" dirty="0" err="1">
+                <a:latin typeface="Courier" pitchFamily="2" charset="0"/>
+              </a:rPr>
+              <a:t>cell</a:t>
+            </a:r>
+            <a:r>
+              <a:rPr lang="it-IT" sz="1600" dirty="0">
+                <a:latin typeface="Courier" pitchFamily="2" charset="0"/>
+              </a:rPr>
+              <a:t> </a:t>
+            </a:r>
+            <a:r>
+              <a:rPr lang="it-IT" sz="1600" b="1" dirty="0">
+                <a:solidFill>
+                  <a:srgbClr val="BB49FF"/>
+                </a:solidFill>
+                <a:latin typeface="Courier" pitchFamily="2" charset="0"/>
+              </a:rPr>
+              <a:t>in</a:t>
+            </a:r>
+            <a:r>
+              <a:rPr lang="it-IT" sz="1600" dirty="0">
+                <a:latin typeface="Courier" pitchFamily="2" charset="0"/>
+              </a:rPr>
+              <a:t> </a:t>
+            </a:r>
+            <a:r>
+              <a:rPr lang="it-IT" sz="1600" dirty="0">
+                <a:solidFill>
+                  <a:srgbClr val="008F00"/>
+                </a:solidFill>
+                <a:latin typeface="Courier" pitchFamily="2" charset="0"/>
+              </a:rPr>
+              <a:t>enumerate</a:t>
+            </a:r>
+            <a:r>
+              <a:rPr lang="it-IT" sz="1600" dirty="0">
+                <a:latin typeface="Courier" pitchFamily="2" charset="0"/>
+              </a:rPr>
+              <a:t>(array):</a:t>
+            </a:r>
+          </a:p>
+          <a:p>
+            <a:r>
+              <a:rPr lang="it-IT" sz="1600" dirty="0">
+                <a:latin typeface="Courier" pitchFamily="2" charset="0"/>
+              </a:rPr>
+              <a:t>            somma </a:t>
+            </a:r>
+            <a:r>
+              <a:rPr lang="it-IT" sz="1600" dirty="0">
+                <a:solidFill>
+                  <a:srgbClr val="797979"/>
+                </a:solidFill>
+                <a:latin typeface="Courier" pitchFamily="2" charset="0"/>
+              </a:rPr>
+              <a:t>+=</a:t>
+            </a:r>
+            <a:r>
+              <a:rPr lang="it-IT" sz="1600" dirty="0">
+                <a:latin typeface="Courier" pitchFamily="2" charset="0"/>
+              </a:rPr>
+              <a:t> </a:t>
+            </a:r>
+            <a:r>
+              <a:rPr lang="it-IT" sz="1600" dirty="0" err="1">
+                <a:latin typeface="Courier" pitchFamily="2" charset="0"/>
+              </a:rPr>
+              <a:t>cell</a:t>
+            </a:r>
+            <a:r>
+              <a:rPr lang="it-IT" sz="1600" dirty="0">
+                <a:latin typeface="Courier" pitchFamily="2" charset="0"/>
+              </a:rPr>
+              <a:t> </a:t>
+            </a:r>
+            <a:r>
+              <a:rPr lang="it-IT" sz="1600" dirty="0">
+                <a:solidFill>
+                  <a:srgbClr val="797979"/>
+                </a:solidFill>
+                <a:latin typeface="Courier" pitchFamily="2" charset="0"/>
+              </a:rPr>
+              <a:t>*</a:t>
+            </a:r>
+            <a:r>
+              <a:rPr lang="it-IT" sz="1600" dirty="0">
+                <a:latin typeface="Courier" pitchFamily="2" charset="0"/>
+              </a:rPr>
+              <a:t> </a:t>
+            </a:r>
+            <a:r>
+              <a:rPr lang="it-IT" sz="1600" dirty="0" err="1">
+                <a:latin typeface="Courier" pitchFamily="2" charset="0"/>
+              </a:rPr>
+              <a:t>math</a:t>
+            </a:r>
+            <a:r>
+              <a:rPr lang="it-IT" sz="1600" dirty="0" err="1">
+                <a:solidFill>
+                  <a:srgbClr val="797979"/>
+                </a:solidFill>
+                <a:latin typeface="Courier" pitchFamily="2" charset="0"/>
+              </a:rPr>
+              <a:t>.</a:t>
+            </a:r>
+            <a:r>
+              <a:rPr lang="it-IT" sz="1600" dirty="0" err="1">
+                <a:solidFill>
+                  <a:srgbClr val="00B0F0"/>
+                </a:solidFill>
+                <a:latin typeface="Courier" pitchFamily="2" charset="0"/>
+              </a:rPr>
+              <a:t>cos</a:t>
+            </a:r>
+            <a:r>
+              <a:rPr lang="it-IT" sz="1600" dirty="0">
+                <a:latin typeface="Courier" pitchFamily="2" charset="0"/>
+              </a:rPr>
+              <a:t>((u </a:t>
+            </a:r>
+            <a:r>
+              <a:rPr lang="it-IT" sz="1600" dirty="0">
+                <a:solidFill>
+                  <a:srgbClr val="797979"/>
+                </a:solidFill>
+                <a:latin typeface="Courier" pitchFamily="2" charset="0"/>
+              </a:rPr>
+              <a:t>*</a:t>
+            </a:r>
+            <a:r>
+              <a:rPr lang="it-IT" sz="1600" dirty="0">
+                <a:latin typeface="Courier" pitchFamily="2" charset="0"/>
+              </a:rPr>
+              <a:t> </a:t>
+            </a:r>
+            <a:r>
+              <a:rPr lang="it-IT" sz="1600" dirty="0" err="1">
+                <a:latin typeface="Courier" pitchFamily="2" charset="0"/>
+              </a:rPr>
+              <a:t>math</a:t>
+            </a:r>
+            <a:r>
+              <a:rPr lang="it-IT" sz="1600" dirty="0" err="1">
+                <a:solidFill>
+                  <a:srgbClr val="797979"/>
+                </a:solidFill>
+                <a:latin typeface="Courier" pitchFamily="2" charset="0"/>
+              </a:rPr>
+              <a:t>.</a:t>
+            </a:r>
+            <a:r>
+              <a:rPr lang="it-IT" sz="1600" dirty="0" err="1">
+                <a:latin typeface="Courier" pitchFamily="2" charset="0"/>
+              </a:rPr>
+              <a:t>pi</a:t>
+            </a:r>
+            <a:r>
+              <a:rPr lang="it-IT" sz="1600" dirty="0">
+                <a:latin typeface="Courier" pitchFamily="2" charset="0"/>
+              </a:rPr>
+              <a:t> </a:t>
+            </a:r>
+            <a:r>
+              <a:rPr lang="it-IT" sz="1600" dirty="0">
+                <a:solidFill>
+                  <a:srgbClr val="797979"/>
+                </a:solidFill>
+                <a:latin typeface="Courier" pitchFamily="2" charset="0"/>
+              </a:rPr>
+              <a:t>*</a:t>
+            </a:r>
+            <a:r>
+              <a:rPr lang="it-IT" sz="1600" dirty="0">
+                <a:latin typeface="Courier" pitchFamily="2" charset="0"/>
+              </a:rPr>
+              <a:t> (</a:t>
+            </a:r>
+            <a:r>
+              <a:rPr lang="it-IT" sz="1600" dirty="0">
+                <a:solidFill>
+                  <a:srgbClr val="797979"/>
+                </a:solidFill>
+                <a:latin typeface="Courier" pitchFamily="2" charset="0"/>
+              </a:rPr>
+              <a:t>2</a:t>
+            </a:r>
+            <a:r>
+              <a:rPr lang="it-IT" sz="1600" dirty="0">
+                <a:latin typeface="Courier" pitchFamily="2" charset="0"/>
+              </a:rPr>
+              <a:t> </a:t>
+            </a:r>
+            <a:r>
+              <a:rPr lang="it-IT" sz="1600" dirty="0">
+                <a:solidFill>
+                  <a:srgbClr val="797979"/>
+                </a:solidFill>
+                <a:latin typeface="Courier" pitchFamily="2" charset="0"/>
+              </a:rPr>
+              <a:t>*</a:t>
+            </a:r>
+            <a:r>
+              <a:rPr lang="it-IT" sz="1600" dirty="0">
+                <a:latin typeface="Courier" pitchFamily="2" charset="0"/>
+              </a:rPr>
+              <a:t> x </a:t>
+            </a:r>
+            <a:r>
+              <a:rPr lang="it-IT" sz="1600" dirty="0">
+                <a:solidFill>
+                  <a:srgbClr val="797979"/>
+                </a:solidFill>
+                <a:latin typeface="Courier" pitchFamily="2" charset="0"/>
+              </a:rPr>
+              <a:t>+</a:t>
+            </a:r>
+            <a:r>
+              <a:rPr lang="it-IT" sz="1600" dirty="0">
+                <a:latin typeface="Courier" pitchFamily="2" charset="0"/>
+              </a:rPr>
+              <a:t> </a:t>
+            </a:r>
+            <a:r>
+              <a:rPr lang="it-IT" sz="1600" dirty="0">
+                <a:solidFill>
+                  <a:srgbClr val="797979"/>
+                </a:solidFill>
+                <a:latin typeface="Courier" pitchFamily="2" charset="0"/>
+              </a:rPr>
+              <a:t>1</a:t>
+            </a:r>
+            <a:r>
+              <a:rPr lang="it-IT" sz="1600" dirty="0">
+                <a:latin typeface="Courier" pitchFamily="2" charset="0"/>
+              </a:rPr>
+              <a:t>)) </a:t>
+            </a:r>
+            <a:r>
+              <a:rPr lang="it-IT" sz="1600" dirty="0">
+                <a:solidFill>
+                  <a:srgbClr val="797979"/>
+                </a:solidFill>
+                <a:latin typeface="Courier" pitchFamily="2" charset="0"/>
+              </a:rPr>
+              <a:t>/</a:t>
+            </a:r>
+            <a:r>
+              <a:rPr lang="it-IT" sz="1600" dirty="0">
+                <a:latin typeface="Courier" pitchFamily="2" charset="0"/>
+              </a:rPr>
+              <a:t> (</a:t>
+            </a:r>
+            <a:r>
+              <a:rPr lang="it-IT" sz="1600" dirty="0">
+                <a:solidFill>
+                  <a:srgbClr val="797979"/>
+                </a:solidFill>
+                <a:latin typeface="Courier" pitchFamily="2" charset="0"/>
+              </a:rPr>
+              <a:t>2</a:t>
+            </a:r>
+            <a:r>
+              <a:rPr lang="it-IT" sz="1600" dirty="0">
+                <a:latin typeface="Courier" pitchFamily="2" charset="0"/>
+              </a:rPr>
+              <a:t> </a:t>
+            </a:r>
+            <a:r>
+              <a:rPr lang="it-IT" sz="1600" dirty="0">
+                <a:solidFill>
+                  <a:srgbClr val="797979"/>
+                </a:solidFill>
+                <a:latin typeface="Courier" pitchFamily="2" charset="0"/>
+              </a:rPr>
+              <a:t>*</a:t>
+            </a:r>
+            <a:r>
+              <a:rPr lang="it-IT" sz="1600" dirty="0">
+                <a:latin typeface="Courier" pitchFamily="2" charset="0"/>
+              </a:rPr>
+              <a:t> </a:t>
+            </a:r>
+            <a:r>
+              <a:rPr lang="it-IT" sz="1600" dirty="0" err="1">
+                <a:latin typeface="Courier" pitchFamily="2" charset="0"/>
+              </a:rPr>
+              <a:t>N</a:t>
+            </a:r>
+            <a:r>
+              <a:rPr lang="it-IT" sz="1600" dirty="0">
+                <a:latin typeface="Courier" pitchFamily="2" charset="0"/>
+              </a:rPr>
+              <a:t>))</a:t>
+            </a:r>
+            <a:br>
+              <a:rPr lang="it-IT" sz="1600" dirty="0">
+                <a:latin typeface="Courier" pitchFamily="2" charset="0"/>
+              </a:rPr>
+            </a:br>
+            <a:endParaRPr lang="it-IT" sz="1600" dirty="0">
+              <a:latin typeface="Courier" pitchFamily="2" charset="0"/>
+            </a:endParaRPr>
+          </a:p>
+          <a:p>
+            <a:r>
+              <a:rPr lang="it-IT" sz="1600" dirty="0">
+                <a:latin typeface="Courier" pitchFamily="2" charset="0"/>
+              </a:rPr>
+              <a:t>        </a:t>
+            </a:r>
+            <a:r>
+              <a:rPr lang="it-IT" sz="1600" dirty="0" err="1">
+                <a:latin typeface="Courier" pitchFamily="2" charset="0"/>
+              </a:rPr>
+              <a:t>r_array</a:t>
+            </a:r>
+            <a:r>
+              <a:rPr lang="it-IT" sz="1600" dirty="0">
+                <a:latin typeface="Courier" pitchFamily="2" charset="0"/>
+              </a:rPr>
+              <a:t>[u] </a:t>
+            </a:r>
+            <a:r>
+              <a:rPr lang="it-IT" sz="1600" dirty="0">
+                <a:solidFill>
+                  <a:srgbClr val="797979"/>
+                </a:solidFill>
+                <a:latin typeface="Courier" pitchFamily="2" charset="0"/>
+              </a:rPr>
+              <a:t>=</a:t>
+            </a:r>
+            <a:r>
+              <a:rPr lang="it-IT" sz="1600" dirty="0">
+                <a:latin typeface="Courier" pitchFamily="2" charset="0"/>
+              </a:rPr>
+              <a:t> a </a:t>
+            </a:r>
+            <a:r>
+              <a:rPr lang="it-IT" sz="1600" dirty="0">
+                <a:solidFill>
+                  <a:srgbClr val="797979"/>
+                </a:solidFill>
+                <a:latin typeface="Courier" pitchFamily="2" charset="0"/>
+              </a:rPr>
+              <a:t>*</a:t>
+            </a:r>
+            <a:r>
+              <a:rPr lang="it-IT" sz="1600" dirty="0">
+                <a:latin typeface="Courier" pitchFamily="2" charset="0"/>
+              </a:rPr>
+              <a:t> somma</a:t>
+            </a:r>
+          </a:p>
+          <a:p>
+            <a:endParaRPr lang="it-IT" sz="1600" dirty="0">
+              <a:latin typeface="Courier" pitchFamily="2" charset="0"/>
+            </a:endParaRPr>
+          </a:p>
+          <a:p>
+            <a:r>
+              <a:rPr lang="it-IT" sz="1600" dirty="0">
+                <a:latin typeface="Courier" pitchFamily="2" charset="0"/>
+              </a:rPr>
+              <a:t>    </a:t>
+            </a:r>
+            <a:r>
+              <a:rPr lang="it-IT" sz="1600" b="1" dirty="0" err="1">
+                <a:solidFill>
+                  <a:srgbClr val="008F00"/>
+                </a:solidFill>
+                <a:latin typeface="Courier" pitchFamily="2" charset="0"/>
+              </a:rPr>
+              <a:t>return</a:t>
+            </a:r>
+            <a:r>
+              <a:rPr lang="it-IT" sz="1600" dirty="0">
+                <a:latin typeface="Courier" pitchFamily="2" charset="0"/>
+              </a:rPr>
+              <a:t> </a:t>
+            </a:r>
+            <a:r>
+              <a:rPr lang="it-IT" sz="1600" dirty="0" err="1">
+                <a:latin typeface="Courier" pitchFamily="2" charset="0"/>
+              </a:rPr>
+              <a:t>r_array</a:t>
+            </a:r>
+            <a:endParaRPr lang="it-IT" sz="1600" dirty="0">
+              <a:effectLst/>
+              <a:latin typeface="Courier" pitchFamily="2" charset="0"/>
+            </a:endParaRPr>
+          </a:p>
+        </p:txBody>
+      </p:sp>
+      <p:sp>
+        <p:nvSpPr>
+          <p:cNvPr id="13" name="Rectangle 12">
+            <a:extLst>
+              <a:ext uri="{FF2B5EF4-FFF2-40B4-BE49-F238E27FC236}">
+                <a16:creationId xmlns:a16="http://schemas.microsoft.com/office/drawing/2014/main" id="{3808FDAD-0CD7-214B-BF38-509CF6079F8A}"/>
+              </a:ext>
+            </a:extLst>
+          </p:cNvPr>
+          <p:cNvSpPr/>
+          <p:nvPr/>
+        </p:nvSpPr>
+        <p:spPr>
+          <a:xfrm>
+            <a:off x="677330" y="4988106"/>
+            <a:ext cx="9538722" cy="1754326"/>
+          </a:xfrm>
+          <a:prstGeom prst="rect">
+            <a:avLst/>
+          </a:prstGeom>
+        </p:spPr>
+        <p:txBody>
+          <a:bodyPr wrap="square">
+            <a:spAutoFit/>
+          </a:bodyPr>
+          <a:lstStyle/>
+          <a:p>
+            <a:r>
+              <a:rPr lang="it-IT" b="1" dirty="0" err="1">
+                <a:solidFill>
+                  <a:srgbClr val="008F00"/>
+                </a:solidFill>
+                <a:latin typeface="Courier" pitchFamily="2" charset="0"/>
+              </a:rPr>
+              <a:t>def</a:t>
+            </a:r>
+            <a:r>
+              <a:rPr lang="it-IT" dirty="0">
+                <a:solidFill>
+                  <a:srgbClr val="000000"/>
+                </a:solidFill>
+                <a:latin typeface="Courier" pitchFamily="2" charset="0"/>
+              </a:rPr>
+              <a:t> </a:t>
+            </a:r>
+            <a:r>
+              <a:rPr lang="it-IT" dirty="0">
+                <a:solidFill>
+                  <a:srgbClr val="0433FF"/>
+                </a:solidFill>
+                <a:latin typeface="Courier" pitchFamily="2" charset="0"/>
+              </a:rPr>
+              <a:t>custom_dct2</a:t>
+            </a:r>
+            <a:r>
+              <a:rPr lang="it-IT" dirty="0">
+                <a:solidFill>
+                  <a:srgbClr val="000000"/>
+                </a:solidFill>
+                <a:latin typeface="Courier" pitchFamily="2" charset="0"/>
+              </a:rPr>
+              <a:t>(</a:t>
+            </a:r>
+            <a:r>
+              <a:rPr lang="it-IT" dirty="0" err="1">
+                <a:solidFill>
+                  <a:srgbClr val="000000"/>
+                </a:solidFill>
+                <a:latin typeface="Courier" pitchFamily="2" charset="0"/>
+              </a:rPr>
+              <a:t>mat</a:t>
+            </a:r>
+            <a:r>
+              <a:rPr lang="it-IT" dirty="0">
+                <a:solidFill>
+                  <a:srgbClr val="000000"/>
+                </a:solidFill>
+                <a:latin typeface="Courier" pitchFamily="2" charset="0"/>
+              </a:rPr>
+              <a:t>):</a:t>
+            </a:r>
+            <a:endParaRPr lang="it-IT" dirty="0">
+              <a:solidFill>
+                <a:srgbClr val="0433FF"/>
+              </a:solidFill>
+              <a:latin typeface="Courier" pitchFamily="2" charset="0"/>
+            </a:endParaRPr>
+          </a:p>
+          <a:p>
+            <a:r>
+              <a:rPr lang="it-IT" dirty="0">
+                <a:latin typeface="Courier" pitchFamily="2" charset="0"/>
+              </a:rPr>
+              <a:t>    </a:t>
+            </a:r>
+            <a:r>
+              <a:rPr lang="it-IT" dirty="0" err="1">
+                <a:latin typeface="Courier" pitchFamily="2" charset="0"/>
+              </a:rPr>
+              <a:t>r_mat</a:t>
+            </a:r>
+            <a:r>
+              <a:rPr lang="it-IT" dirty="0">
+                <a:latin typeface="Courier" pitchFamily="2" charset="0"/>
+              </a:rPr>
+              <a:t> </a:t>
+            </a:r>
+            <a:r>
+              <a:rPr lang="it-IT" dirty="0">
+                <a:solidFill>
+                  <a:srgbClr val="797979"/>
+                </a:solidFill>
+                <a:latin typeface="Courier" pitchFamily="2" charset="0"/>
+              </a:rPr>
+              <a:t>=</a:t>
+            </a:r>
+            <a:r>
+              <a:rPr lang="it-IT" dirty="0">
+                <a:latin typeface="Courier" pitchFamily="2" charset="0"/>
+              </a:rPr>
+              <a:t> </a:t>
+            </a:r>
+            <a:r>
+              <a:rPr lang="it-IT" dirty="0" err="1">
+                <a:latin typeface="Courier" pitchFamily="2" charset="0"/>
+              </a:rPr>
+              <a:t>np</a:t>
+            </a:r>
+            <a:r>
+              <a:rPr lang="it-IT" dirty="0" err="1">
+                <a:solidFill>
+                  <a:srgbClr val="797979"/>
+                </a:solidFill>
+                <a:latin typeface="Courier" pitchFamily="2" charset="0"/>
+              </a:rPr>
+              <a:t>.</a:t>
+            </a:r>
+            <a:r>
+              <a:rPr lang="it-IT" dirty="0" err="1">
+                <a:solidFill>
+                  <a:srgbClr val="00B0F0"/>
+                </a:solidFill>
+                <a:latin typeface="Courier" pitchFamily="2" charset="0"/>
+              </a:rPr>
+              <a:t>zeros</a:t>
+            </a:r>
+            <a:r>
+              <a:rPr lang="it-IT" dirty="0">
+                <a:latin typeface="Courier" pitchFamily="2" charset="0"/>
+              </a:rPr>
+              <a:t>(</a:t>
+            </a:r>
+            <a:r>
+              <a:rPr lang="it-IT" dirty="0" err="1">
+                <a:latin typeface="Courier" pitchFamily="2" charset="0"/>
+              </a:rPr>
+              <a:t>mat</a:t>
+            </a:r>
+            <a:r>
+              <a:rPr lang="it-IT" dirty="0" err="1">
+                <a:solidFill>
+                  <a:srgbClr val="797979"/>
+                </a:solidFill>
+                <a:latin typeface="Courier" pitchFamily="2" charset="0"/>
+              </a:rPr>
+              <a:t>.</a:t>
+            </a:r>
+            <a:r>
+              <a:rPr lang="it-IT" dirty="0" err="1">
+                <a:latin typeface="Courier" pitchFamily="2" charset="0"/>
+              </a:rPr>
+              <a:t>shape</a:t>
+            </a:r>
+            <a:r>
+              <a:rPr lang="it-IT" dirty="0">
+                <a:latin typeface="Courier" pitchFamily="2" charset="0"/>
+              </a:rPr>
+              <a:t>)</a:t>
+            </a:r>
+          </a:p>
+          <a:p>
+            <a:r>
+              <a:rPr lang="it-IT" dirty="0">
+                <a:latin typeface="Courier" pitchFamily="2" charset="0"/>
+              </a:rPr>
+              <a:t>    </a:t>
+            </a:r>
+            <a:r>
+              <a:rPr lang="it-IT" dirty="0" err="1">
+                <a:latin typeface="Courier" pitchFamily="2" charset="0"/>
+              </a:rPr>
+              <a:t>r_mat</a:t>
+            </a:r>
+            <a:r>
+              <a:rPr lang="it-IT" dirty="0">
+                <a:latin typeface="Courier" pitchFamily="2" charset="0"/>
+              </a:rPr>
+              <a:t> </a:t>
+            </a:r>
+            <a:r>
+              <a:rPr lang="it-IT" dirty="0">
+                <a:solidFill>
+                  <a:srgbClr val="797979"/>
+                </a:solidFill>
+                <a:latin typeface="Courier" pitchFamily="2" charset="0"/>
+              </a:rPr>
+              <a:t>=</a:t>
+            </a:r>
+            <a:r>
+              <a:rPr lang="it-IT" dirty="0">
+                <a:latin typeface="Courier" pitchFamily="2" charset="0"/>
+              </a:rPr>
+              <a:t> </a:t>
+            </a:r>
+            <a:r>
+              <a:rPr lang="it-IT" dirty="0" err="1">
+                <a:latin typeface="Courier" pitchFamily="2" charset="0"/>
+              </a:rPr>
+              <a:t>np</a:t>
+            </a:r>
+            <a:r>
+              <a:rPr lang="it-IT" dirty="0" err="1">
+                <a:solidFill>
+                  <a:srgbClr val="797979"/>
+                </a:solidFill>
+                <a:latin typeface="Courier" pitchFamily="2" charset="0"/>
+              </a:rPr>
+              <a:t>.</a:t>
+            </a:r>
+            <a:r>
+              <a:rPr lang="it-IT" dirty="0" err="1">
+                <a:solidFill>
+                  <a:srgbClr val="00B0F0"/>
+                </a:solidFill>
+                <a:latin typeface="Courier" pitchFamily="2" charset="0"/>
+              </a:rPr>
+              <a:t>apply_along_axis</a:t>
+            </a:r>
+            <a:r>
+              <a:rPr lang="it-IT" dirty="0">
+                <a:latin typeface="Courier" pitchFamily="2" charset="0"/>
+              </a:rPr>
+              <a:t>(</a:t>
+            </a:r>
+            <a:r>
+              <a:rPr lang="it-IT" dirty="0" err="1">
+                <a:latin typeface="Courier" pitchFamily="2" charset="0"/>
+              </a:rPr>
+              <a:t>custom_dct</a:t>
+            </a:r>
+            <a:r>
+              <a:rPr lang="it-IT" dirty="0">
+                <a:latin typeface="Courier" pitchFamily="2" charset="0"/>
+              </a:rPr>
+              <a:t>, </a:t>
+            </a:r>
+            <a:r>
+              <a:rPr lang="it-IT" dirty="0" err="1">
+                <a:solidFill>
+                  <a:schemeClr val="accent4"/>
+                </a:solidFill>
+                <a:latin typeface="Courier" pitchFamily="2" charset="0"/>
+              </a:rPr>
+              <a:t>axis</a:t>
+            </a:r>
+            <a:r>
+              <a:rPr lang="it-IT" dirty="0">
+                <a:solidFill>
+                  <a:srgbClr val="797979"/>
+                </a:solidFill>
+                <a:latin typeface="Courier" pitchFamily="2" charset="0"/>
+              </a:rPr>
+              <a:t>=1</a:t>
+            </a:r>
+            <a:r>
+              <a:rPr lang="it-IT" dirty="0">
+                <a:latin typeface="Courier" pitchFamily="2" charset="0"/>
+              </a:rPr>
+              <a:t>, </a:t>
+            </a:r>
+            <a:r>
+              <a:rPr lang="it-IT" dirty="0" err="1">
+                <a:solidFill>
+                  <a:schemeClr val="accent4"/>
+                </a:solidFill>
+                <a:latin typeface="Courier" pitchFamily="2" charset="0"/>
+              </a:rPr>
+              <a:t>arr</a:t>
+            </a:r>
+            <a:r>
+              <a:rPr lang="it-IT" dirty="0">
+                <a:solidFill>
+                  <a:srgbClr val="797979"/>
+                </a:solidFill>
+                <a:latin typeface="Courier" pitchFamily="2" charset="0"/>
+              </a:rPr>
+              <a:t>=</a:t>
+            </a:r>
+            <a:r>
+              <a:rPr lang="it-IT" dirty="0" err="1">
+                <a:latin typeface="Courier" pitchFamily="2" charset="0"/>
+              </a:rPr>
+              <a:t>mat</a:t>
+            </a:r>
+            <a:r>
+              <a:rPr lang="it-IT" dirty="0">
+                <a:latin typeface="Courier" pitchFamily="2" charset="0"/>
+              </a:rPr>
+              <a:t>)</a:t>
+            </a:r>
+          </a:p>
+          <a:p>
+            <a:r>
+              <a:rPr lang="it-IT" dirty="0">
+                <a:latin typeface="Courier" pitchFamily="2" charset="0"/>
+              </a:rPr>
+              <a:t>    </a:t>
+            </a:r>
+            <a:r>
+              <a:rPr lang="it-IT" dirty="0" err="1">
+                <a:latin typeface="Courier" pitchFamily="2" charset="0"/>
+              </a:rPr>
+              <a:t>r_mat</a:t>
+            </a:r>
+            <a:r>
+              <a:rPr lang="it-IT" dirty="0">
+                <a:latin typeface="Courier" pitchFamily="2" charset="0"/>
+              </a:rPr>
+              <a:t> </a:t>
+            </a:r>
+            <a:r>
+              <a:rPr lang="it-IT" dirty="0">
+                <a:solidFill>
+                  <a:srgbClr val="797979"/>
+                </a:solidFill>
+                <a:latin typeface="Courier" pitchFamily="2" charset="0"/>
+              </a:rPr>
+              <a:t>=</a:t>
+            </a:r>
+            <a:r>
+              <a:rPr lang="it-IT" dirty="0">
+                <a:latin typeface="Courier" pitchFamily="2" charset="0"/>
+              </a:rPr>
+              <a:t> </a:t>
+            </a:r>
+            <a:r>
+              <a:rPr lang="it-IT" dirty="0" err="1">
+                <a:latin typeface="Courier" pitchFamily="2" charset="0"/>
+              </a:rPr>
+              <a:t>np</a:t>
+            </a:r>
+            <a:r>
+              <a:rPr lang="it-IT" dirty="0" err="1">
+                <a:solidFill>
+                  <a:srgbClr val="797979"/>
+                </a:solidFill>
+                <a:latin typeface="Courier" pitchFamily="2" charset="0"/>
+              </a:rPr>
+              <a:t>.</a:t>
+            </a:r>
+            <a:r>
+              <a:rPr lang="it-IT" dirty="0" err="1">
+                <a:solidFill>
+                  <a:srgbClr val="00B0F0"/>
+                </a:solidFill>
+                <a:latin typeface="Courier" pitchFamily="2" charset="0"/>
+              </a:rPr>
+              <a:t>apply_along_axis</a:t>
+            </a:r>
+            <a:r>
+              <a:rPr lang="it-IT" dirty="0">
+                <a:latin typeface="Courier" pitchFamily="2" charset="0"/>
+              </a:rPr>
+              <a:t>(</a:t>
+            </a:r>
+            <a:r>
+              <a:rPr lang="it-IT" dirty="0" err="1">
+                <a:latin typeface="Courier" pitchFamily="2" charset="0"/>
+              </a:rPr>
+              <a:t>custom_dct</a:t>
+            </a:r>
+            <a:r>
+              <a:rPr lang="it-IT" dirty="0">
+                <a:latin typeface="Courier" pitchFamily="2" charset="0"/>
+              </a:rPr>
+              <a:t>, </a:t>
+            </a:r>
+            <a:r>
+              <a:rPr lang="it-IT" dirty="0" err="1">
+                <a:solidFill>
+                  <a:schemeClr val="accent4"/>
+                </a:solidFill>
+                <a:latin typeface="Courier" pitchFamily="2" charset="0"/>
+              </a:rPr>
+              <a:t>axis</a:t>
+            </a:r>
+            <a:r>
+              <a:rPr lang="it-IT" dirty="0">
+                <a:solidFill>
+                  <a:srgbClr val="797979"/>
+                </a:solidFill>
+                <a:latin typeface="Courier" pitchFamily="2" charset="0"/>
+              </a:rPr>
+              <a:t>=0</a:t>
+            </a:r>
+            <a:r>
+              <a:rPr lang="it-IT" dirty="0">
+                <a:latin typeface="Courier" pitchFamily="2" charset="0"/>
+              </a:rPr>
+              <a:t>, </a:t>
+            </a:r>
+            <a:r>
+              <a:rPr lang="it-IT" dirty="0" err="1">
+                <a:solidFill>
+                  <a:schemeClr val="accent4"/>
+                </a:solidFill>
+                <a:latin typeface="Courier" pitchFamily="2" charset="0"/>
+              </a:rPr>
+              <a:t>arr</a:t>
+            </a:r>
+            <a:r>
+              <a:rPr lang="it-IT" dirty="0">
+                <a:solidFill>
+                  <a:srgbClr val="797979"/>
+                </a:solidFill>
+                <a:latin typeface="Courier" pitchFamily="2" charset="0"/>
+              </a:rPr>
+              <a:t>=</a:t>
+            </a:r>
+            <a:r>
+              <a:rPr lang="it-IT" dirty="0" err="1">
+                <a:latin typeface="Courier" pitchFamily="2" charset="0"/>
+              </a:rPr>
+              <a:t>r_mat</a:t>
+            </a:r>
+            <a:r>
+              <a:rPr lang="it-IT" dirty="0">
+                <a:latin typeface="Courier" pitchFamily="2" charset="0"/>
+              </a:rPr>
+              <a:t>)</a:t>
+            </a:r>
+          </a:p>
+          <a:p>
+            <a:endParaRPr lang="it-IT" dirty="0">
+              <a:latin typeface="Courier" pitchFamily="2" charset="0"/>
+            </a:endParaRPr>
+          </a:p>
+          <a:p>
+            <a:r>
+              <a:rPr lang="it-IT" dirty="0">
+                <a:latin typeface="Courier" pitchFamily="2" charset="0"/>
+              </a:rPr>
+              <a:t>    </a:t>
+            </a:r>
+            <a:r>
+              <a:rPr lang="it-IT" b="1" dirty="0" err="1">
+                <a:solidFill>
+                  <a:srgbClr val="008F00"/>
+                </a:solidFill>
+                <a:latin typeface="Courier" pitchFamily="2" charset="0"/>
+              </a:rPr>
+              <a:t>return</a:t>
+            </a:r>
+            <a:r>
+              <a:rPr lang="it-IT" dirty="0">
+                <a:latin typeface="Courier" pitchFamily="2" charset="0"/>
+              </a:rPr>
+              <a:t> </a:t>
+            </a:r>
+            <a:r>
+              <a:rPr lang="it-IT" dirty="0" err="1">
+                <a:latin typeface="Courier" pitchFamily="2" charset="0"/>
+              </a:rPr>
+              <a:t>r_mat</a:t>
+            </a:r>
+            <a:endParaRPr lang="it-IT" dirty="0">
+              <a:effectLst/>
+              <a:latin typeface="Courier" pitchFamily="2" charset="0"/>
+            </a:endParaRPr>
+          </a:p>
+        </p:txBody>
+      </p:sp>
     </p:spTree>
     <p:extLst>
       <p:ext uri="{BB962C8B-B14F-4D97-AF65-F5344CB8AC3E}">

--- a/progetto2/presentazione.pptx
+++ b/progetto2/presentazione.pptx
@@ -10,13 +10,15 @@
     <p:sldId id="261" r:id="rId4"/>
     <p:sldId id="270" r:id="rId5"/>
     <p:sldId id="284" r:id="rId6"/>
-    <p:sldId id="282" r:id="rId7"/>
-    <p:sldId id="285" r:id="rId8"/>
-    <p:sldId id="286" r:id="rId9"/>
-    <p:sldId id="287" r:id="rId10"/>
-    <p:sldId id="288" r:id="rId11"/>
-    <p:sldId id="283" r:id="rId12"/>
-    <p:sldId id="289" r:id="rId13"/>
+    <p:sldId id="290" r:id="rId7"/>
+    <p:sldId id="291" r:id="rId8"/>
+    <p:sldId id="282" r:id="rId9"/>
+    <p:sldId id="285" r:id="rId10"/>
+    <p:sldId id="286" r:id="rId11"/>
+    <p:sldId id="287" r:id="rId12"/>
+    <p:sldId id="288" r:id="rId13"/>
+    <p:sldId id="283" r:id="rId14"/>
+    <p:sldId id="289" r:id="rId15"/>
   </p:sldIdLst>
   <p:sldSz cx="12192000" cy="6858000"/>
   <p:notesSz cx="6858000" cy="9144000"/>
@@ -846,7 +848,7 @@
             <a:fld id="{B61BEF0D-F0BB-DE4B-95CE-6DB70DBA9567}" type="datetimeFigureOut">
               <a:rPr lang="en-US" dirty="0"/>
               <a:pPr/>
-              <a:t>5/27/18</a:t>
+              <a:t>5/29/18</a:t>
             </a:fld>
             <a:endParaRPr lang="en-US" dirty="0"/>
           </a:p>
@@ -1094,7 +1096,7 @@
             <a:fld id="{B61BEF0D-F0BB-DE4B-95CE-6DB70DBA9567}" type="datetimeFigureOut">
               <a:rPr lang="en-US" dirty="0"/>
               <a:pPr/>
-              <a:t>5/27/18</a:t>
+              <a:t>5/29/18</a:t>
             </a:fld>
             <a:endParaRPr lang="en-US" dirty="0"/>
           </a:p>
@@ -1405,7 +1407,7 @@
             <a:fld id="{B61BEF0D-F0BB-DE4B-95CE-6DB70DBA9567}" type="datetimeFigureOut">
               <a:rPr lang="en-US" dirty="0"/>
               <a:pPr/>
-              <a:t>5/27/18</a:t>
+              <a:t>5/29/18</a:t>
             </a:fld>
             <a:endParaRPr lang="en-US" dirty="0"/>
           </a:p>
@@ -1743,7 +1745,7 @@
             <a:fld id="{B61BEF0D-F0BB-DE4B-95CE-6DB70DBA9567}" type="datetimeFigureOut">
               <a:rPr lang="en-US" dirty="0"/>
               <a:pPr/>
-              <a:t>5/27/18</a:t>
+              <a:t>5/29/18</a:t>
             </a:fld>
             <a:endParaRPr lang="en-US" dirty="0"/>
           </a:p>
@@ -2054,7 +2056,7 @@
             <a:fld id="{B61BEF0D-F0BB-DE4B-95CE-6DB70DBA9567}" type="datetimeFigureOut">
               <a:rPr lang="en-US" dirty="0"/>
               <a:pPr/>
-              <a:t>5/27/18</a:t>
+              <a:t>5/29/18</a:t>
             </a:fld>
             <a:endParaRPr lang="en-US" dirty="0"/>
           </a:p>
@@ -2444,7 +2446,7 @@
             <a:fld id="{B61BEF0D-F0BB-DE4B-95CE-6DB70DBA9567}" type="datetimeFigureOut">
               <a:rPr lang="en-US" dirty="0"/>
               <a:pPr/>
-              <a:t>5/27/18</a:t>
+              <a:t>5/29/18</a:t>
             </a:fld>
             <a:endParaRPr lang="en-US" dirty="0"/>
           </a:p>
@@ -2610,7 +2612,7 @@
           <a:p>
             <a:fld id="{55C6B4A9-1611-4792-9094-5F34BCA07E0B}" type="datetimeFigureOut">
               <a:rPr lang="en-US" dirty="0"/>
-              <a:t>5/27/18</a:t>
+              <a:t>5/29/18</a:t>
             </a:fld>
             <a:endParaRPr lang="en-US" dirty="0"/>
           </a:p>
@@ -2786,7 +2788,7 @@
             <a:fld id="{B61BEF0D-F0BB-DE4B-95CE-6DB70DBA9567}" type="datetimeFigureOut">
               <a:rPr lang="en-US" dirty="0"/>
               <a:pPr/>
-              <a:t>5/27/18</a:t>
+              <a:t>5/29/18</a:t>
             </a:fld>
             <a:endParaRPr lang="en-US" dirty="0"/>
           </a:p>
@@ -2959,7 +2961,7 @@
             <a:fld id="{B61BEF0D-F0BB-DE4B-95CE-6DB70DBA9567}" type="datetimeFigureOut">
               <a:rPr lang="en-US" dirty="0"/>
               <a:pPr/>
-              <a:t>5/27/18</a:t>
+              <a:t>5/29/18</a:t>
             </a:fld>
             <a:endParaRPr lang="en-US" dirty="0"/>
           </a:p>
@@ -3203,7 +3205,7 @@
             <a:fld id="{B61BEF0D-F0BB-DE4B-95CE-6DB70DBA9567}" type="datetimeFigureOut">
               <a:rPr lang="en-US" dirty="0"/>
               <a:pPr/>
-              <a:t>5/27/18</a:t>
+              <a:t>5/29/18</a:t>
             </a:fld>
             <a:endParaRPr lang="en-US" dirty="0"/>
           </a:p>
@@ -3431,7 +3433,7 @@
           <a:p>
             <a:fld id="{EB712588-04B1-427B-82EE-E8DB90309F08}" type="datetimeFigureOut">
               <a:rPr lang="en-US" dirty="0"/>
-              <a:t>5/27/18</a:t>
+              <a:t>5/29/18</a:t>
             </a:fld>
             <a:endParaRPr lang="en-US" dirty="0"/>
           </a:p>
@@ -3801,7 +3803,7 @@
             <a:fld id="{B61BEF0D-F0BB-DE4B-95CE-6DB70DBA9567}" type="datetimeFigureOut">
               <a:rPr lang="en-US" dirty="0"/>
               <a:pPr/>
-              <a:t>5/27/18</a:t>
+              <a:t>5/29/18</a:t>
             </a:fld>
             <a:endParaRPr lang="en-US" dirty="0"/>
           </a:p>
@@ -3921,7 +3923,7 @@
             <a:fld id="{B61BEF0D-F0BB-DE4B-95CE-6DB70DBA9567}" type="datetimeFigureOut">
               <a:rPr lang="en-US" dirty="0"/>
               <a:pPr/>
-              <a:t>5/27/18</a:t>
+              <a:t>5/29/18</a:t>
             </a:fld>
             <a:endParaRPr lang="en-US" dirty="0"/>
           </a:p>
@@ -4013,7 +4015,7 @@
             <a:fld id="{B61BEF0D-F0BB-DE4B-95CE-6DB70DBA9567}" type="datetimeFigureOut">
               <a:rPr lang="en-US" dirty="0"/>
               <a:pPr/>
-              <a:t>5/27/18</a:t>
+              <a:t>5/29/18</a:t>
             </a:fld>
             <a:endParaRPr lang="en-US" dirty="0"/>
           </a:p>
@@ -4264,7 +4266,7 @@
           <a:p>
             <a:fld id="{42A54C80-263E-416B-A8E0-580EDEADCBDC}" type="datetimeFigureOut">
               <a:rPr lang="en-US" dirty="0"/>
-              <a:t>5/27/18</a:t>
+              <a:t>5/29/18</a:t>
             </a:fld>
             <a:endParaRPr lang="en-US" dirty="0"/>
           </a:p>
@@ -4523,7 +4525,7 @@
             <a:fld id="{B61BEF0D-F0BB-DE4B-95CE-6DB70DBA9567}" type="datetimeFigureOut">
               <a:rPr lang="en-US" dirty="0"/>
               <a:pPr/>
-              <a:t>5/27/18</a:t>
+              <a:t>5/29/18</a:t>
             </a:fld>
             <a:endParaRPr lang="en-US" dirty="0"/>
           </a:p>
@@ -5263,7 +5265,7 @@
             <a:fld id="{B61BEF0D-F0BB-DE4B-95CE-6DB70DBA9567}" type="datetimeFigureOut">
               <a:rPr lang="en-US" dirty="0"/>
               <a:pPr/>
-              <a:t>5/27/18</a:t>
+              <a:t>5/29/18</a:t>
             </a:fld>
             <a:endParaRPr lang="en-US" dirty="0"/>
           </a:p>
@@ -5888,6 +5890,178 @@
           <p:cNvPr id="2" name="Titolo 1">
             <a:extLst>
               <a:ext uri="{FF2B5EF4-FFF2-40B4-BE49-F238E27FC236}">
+                <a16:creationId xmlns:a16="http://schemas.microsoft.com/office/drawing/2014/main" id="{88CBE362-CD10-4C92-B069-5B372076FCF1}"/>
+              </a:ext>
+            </a:extLst>
+          </p:cNvPr>
+          <p:cNvSpPr>
+            <a:spLocks noGrp="1"/>
+          </p:cNvSpPr>
+          <p:nvPr>
+            <p:ph type="title"/>
+          </p:nvPr>
+        </p:nvSpPr>
+        <p:spPr/>
+        <p:txBody>
+          <a:bodyPr/>
+          <a:lstStyle/>
+          <a:p>
+            <a:r>
+              <a:rPr lang="it-IT" dirty="0"/>
+              <a:t>Parte 2 – Plot Differenza</a:t>
+            </a:r>
+          </a:p>
+        </p:txBody>
+      </p:sp>
+      <p:pic>
+        <p:nvPicPr>
+          <p:cNvPr id="5" name="Segnaposto contenuto 4">
+            <a:extLst>
+              <a:ext uri="{FF2B5EF4-FFF2-40B4-BE49-F238E27FC236}">
+                <a16:creationId xmlns:a16="http://schemas.microsoft.com/office/drawing/2014/main" id="{ED3A02CC-94B9-4288-B15F-937A32EAEA5F}"/>
+              </a:ext>
+            </a:extLst>
+          </p:cNvPr>
+          <p:cNvPicPr>
+            <a:picLocks noGrp="1" noChangeAspect="1"/>
+          </p:cNvPicPr>
+          <p:nvPr>
+            <p:ph idx="1"/>
+          </p:nvPr>
+        </p:nvPicPr>
+        <p:blipFill rotWithShape="1">
+          <a:blip r:embed="rId2"/>
+          <a:srcRect l="16511" t="8244" r="14450" b="6796"/>
+          <a:stretch/>
+        </p:blipFill>
+        <p:spPr>
+          <a:xfrm>
+            <a:off x="1219498" y="1397047"/>
+            <a:ext cx="8054504" cy="5460953"/>
+          </a:xfrm>
+        </p:spPr>
+      </p:pic>
+    </p:spTree>
+    <p:extLst>
+      <p:ext uri="{BB962C8B-B14F-4D97-AF65-F5344CB8AC3E}">
+        <p14:creationId xmlns:p14="http://schemas.microsoft.com/office/powerpoint/2010/main" val="3868680790"/>
+      </p:ext>
+    </p:extLst>
+  </p:cSld>
+  <p:clrMapOvr>
+    <a:masterClrMapping/>
+  </p:clrMapOvr>
+</p:sld>
+</file>
+
+<file path=ppt/slides/slide11.xml><?xml version="1.0" encoding="utf-8"?>
+<p:sld xmlns:a="http://schemas.openxmlformats.org/drawingml/2006/main" xmlns:r="http://schemas.openxmlformats.org/officeDocument/2006/relationships" xmlns:p="http://schemas.openxmlformats.org/presentationml/2006/main">
+  <p:cSld>
+    <p:spTree>
+      <p:nvGrpSpPr>
+        <p:cNvPr id="1" name=""/>
+        <p:cNvGrpSpPr/>
+        <p:nvPr/>
+      </p:nvGrpSpPr>
+      <p:grpSpPr>
+        <a:xfrm>
+          <a:off x="0" y="0"/>
+          <a:ext cx="0" cy="0"/>
+          <a:chOff x="0" y="0"/>
+          <a:chExt cx="0" cy="0"/>
+        </a:xfrm>
+      </p:grpSpPr>
+      <p:sp>
+        <p:nvSpPr>
+          <p:cNvPr id="2" name="Titolo 1">
+            <a:extLst>
+              <a:ext uri="{FF2B5EF4-FFF2-40B4-BE49-F238E27FC236}">
+                <a16:creationId xmlns:a16="http://schemas.microsoft.com/office/drawing/2014/main" id="{237D168E-2848-4CC8-859E-C3AD8C6A5584}"/>
+              </a:ext>
+            </a:extLst>
+          </p:cNvPr>
+          <p:cNvSpPr>
+            <a:spLocks noGrp="1"/>
+          </p:cNvSpPr>
+          <p:nvPr>
+            <p:ph type="title"/>
+          </p:nvPr>
+        </p:nvSpPr>
+        <p:spPr/>
+        <p:txBody>
+          <a:bodyPr/>
+          <a:lstStyle/>
+          <a:p>
+            <a:r>
+              <a:rPr lang="it-IT" dirty="0"/>
+              <a:t>Parte 2 – Plot immagini zoom</a:t>
+            </a:r>
+          </a:p>
+        </p:txBody>
+      </p:sp>
+      <p:pic>
+        <p:nvPicPr>
+          <p:cNvPr id="5" name="Segnaposto contenuto 4">
+            <a:extLst>
+              <a:ext uri="{FF2B5EF4-FFF2-40B4-BE49-F238E27FC236}">
+                <a16:creationId xmlns:a16="http://schemas.microsoft.com/office/drawing/2014/main" id="{8AF48AB5-B328-47E8-9006-FE1C442BB816}"/>
+              </a:ext>
+            </a:extLst>
+          </p:cNvPr>
+          <p:cNvPicPr>
+            <a:picLocks noGrp="1" noChangeAspect="1"/>
+          </p:cNvPicPr>
+          <p:nvPr>
+            <p:ph idx="1"/>
+          </p:nvPr>
+        </p:nvPicPr>
+        <p:blipFill rotWithShape="1">
+          <a:blip r:embed="rId2"/>
+          <a:srcRect l="9840" t="22372" r="9816" b="20940"/>
+          <a:stretch/>
+        </p:blipFill>
+        <p:spPr>
+          <a:xfrm>
+            <a:off x="788890" y="1824495"/>
+            <a:ext cx="10762472" cy="4068954"/>
+          </a:xfrm>
+        </p:spPr>
+      </p:pic>
+    </p:spTree>
+    <p:extLst>
+      <p:ext uri="{BB962C8B-B14F-4D97-AF65-F5344CB8AC3E}">
+        <p14:creationId xmlns:p14="http://schemas.microsoft.com/office/powerpoint/2010/main" val="788438611"/>
+      </p:ext>
+    </p:extLst>
+  </p:cSld>
+  <p:clrMapOvr>
+    <a:masterClrMapping/>
+  </p:clrMapOvr>
+</p:sld>
+</file>
+
+<file path=ppt/slides/slide12.xml><?xml version="1.0" encoding="utf-8"?>
+<p:sld xmlns:a="http://schemas.openxmlformats.org/drawingml/2006/main" xmlns:r="http://schemas.openxmlformats.org/officeDocument/2006/relationships" xmlns:p="http://schemas.openxmlformats.org/presentationml/2006/main">
+  <p:cSld>
+    <p:spTree>
+      <p:nvGrpSpPr>
+        <p:cNvPr id="1" name=""/>
+        <p:cNvGrpSpPr/>
+        <p:nvPr/>
+      </p:nvGrpSpPr>
+      <p:grpSpPr>
+        <a:xfrm>
+          <a:off x="0" y="0"/>
+          <a:ext cx="0" cy="0"/>
+          <a:chOff x="0" y="0"/>
+          <a:chExt cx="0" cy="0"/>
+        </a:xfrm>
+      </p:grpSpPr>
+      <p:sp>
+        <p:nvSpPr>
+          <p:cNvPr id="2" name="Titolo 1">
+            <a:extLst>
+              <a:ext uri="{FF2B5EF4-FFF2-40B4-BE49-F238E27FC236}">
                 <a16:creationId xmlns:a16="http://schemas.microsoft.com/office/drawing/2014/main" id="{EA377BEB-88B9-4D34-8B3C-2C44FC021463}"/>
               </a:ext>
             </a:extLst>
@@ -5952,7 +6126,7 @@
 </p:sld>
 </file>
 
-<file path=ppt/slides/slide11.xml><?xml version="1.0" encoding="utf-8"?>
+<file path=ppt/slides/slide13.xml><?xml version="1.0" encoding="utf-8"?>
 <p:sld xmlns:a="http://schemas.openxmlformats.org/drawingml/2006/main" xmlns:r="http://schemas.openxmlformats.org/officeDocument/2006/relationships" xmlns:p="http://schemas.openxmlformats.org/presentationml/2006/main">
   <p:cSld>
     <p:spTree>
@@ -6434,37 +6608,22 @@
               <a:t> </a:t>
             </a:r>
             <a:r>
+              <a:rPr lang="it-IT" sz="1600" dirty="0">
+                <a:solidFill>
+                  <a:srgbClr val="008F00"/>
+                </a:solidFill>
+                <a:latin typeface="Courier" pitchFamily="2" charset="0"/>
+              </a:rPr>
+              <a:t>enumerate</a:t>
+            </a:r>
+            <a:r>
+              <a:rPr lang="it-IT" sz="1600" dirty="0">
+                <a:latin typeface="Courier" pitchFamily="2" charset="0"/>
+              </a:rPr>
+              <a:t>(</a:t>
+            </a:r>
+            <a:r>
               <a:rPr lang="it-IT" sz="1600" dirty="0" err="1">
-                <a:solidFill>
-                  <a:srgbClr val="00B0F0"/>
-                </a:solidFill>
-                <a:latin typeface="Courier" pitchFamily="2" charset="0"/>
-              </a:rPr>
-              <a:t>tqdm</a:t>
-            </a:r>
-            <a:r>
-              <a:rPr lang="it-IT" sz="1600" dirty="0">
-                <a:latin typeface="Courier" pitchFamily="2" charset="0"/>
-              </a:rPr>
-              <a:t>(</a:t>
-            </a:r>
-            <a:r>
-              <a:rPr lang="it-IT" sz="1600" dirty="0">
-                <a:solidFill>
-                  <a:srgbClr val="008F00"/>
-                </a:solidFill>
-                <a:latin typeface="Courier" pitchFamily="2" charset="0"/>
-              </a:rPr>
-              <a:t>enumerate</a:t>
-            </a:r>
-            <a:r>
-              <a:rPr lang="it-IT" sz="1600" dirty="0">
-                <a:latin typeface="Courier" pitchFamily="2" charset="0"/>
-              </a:rPr>
-              <a:t>(</a:t>
-            </a:r>
-            <a:r>
-              <a:rPr lang="it-IT" sz="1600" dirty="0" err="1">
                 <a:latin typeface="Courier" pitchFamily="2" charset="0"/>
               </a:rPr>
               <a:t>d_img</a:t>
@@ -6473,7 +6632,7 @@
               <a:rPr lang="it-IT" sz="1600" dirty="0">
                 <a:latin typeface="Courier" pitchFamily="2" charset="0"/>
               </a:rPr>
-              <a:t>)):</a:t>
+              <a:t>):</a:t>
             </a:r>
           </a:p>
           <a:p>
@@ -7458,7 +7617,7 @@
 </p:sld>
 </file>
 
-<file path=ppt/slides/slide12.xml><?xml version="1.0" encoding="utf-8"?>
+<file path=ppt/slides/slide14.xml><?xml version="1.0" encoding="utf-8"?>
 <p:sld xmlns:a="http://schemas.openxmlformats.org/drawingml/2006/main" xmlns:r="http://schemas.openxmlformats.org/officeDocument/2006/relationships" xmlns:p="http://schemas.openxmlformats.org/presentationml/2006/main">
   <p:cSld>
     <p:spTree>
@@ -8188,30 +8347,32 @@
       </p:sp>
       <p:pic>
         <p:nvPicPr>
-          <p:cNvPr id="5" name="Segnaposto contenuto 4">
+          <p:cNvPr id="8" name="Picture 7">
             <a:extLst>
               <a:ext uri="{FF2B5EF4-FFF2-40B4-BE49-F238E27FC236}">
-                <a16:creationId xmlns:a16="http://schemas.microsoft.com/office/drawing/2014/main" id="{8D4A6110-B94D-4D7A-8A84-57A906445C82}"/>
+                <a16:creationId xmlns:a16="http://schemas.microsoft.com/office/drawing/2014/main" id="{0F54FDDC-36EE-224C-B661-6E0A623D2720}"/>
               </a:ext>
             </a:extLst>
           </p:cNvPr>
           <p:cNvPicPr>
-            <a:picLocks noGrp="1" noChangeAspect="1"/>
+            <a:picLocks noChangeAspect="1"/>
           </p:cNvPicPr>
-          <p:nvPr>
-            <p:ph idx="1"/>
-          </p:nvPr>
+          <p:nvPr/>
         </p:nvPicPr>
-        <p:blipFill rotWithShape="1">
+        <p:blipFill>
           <a:blip r:embed="rId2"/>
-          <a:srcRect l="6095" t="8857" r="6302" b="1888"/>
-          <a:stretch/>
+          <a:stretch>
+            <a:fillRect/>
+          </a:stretch>
         </p:blipFill>
         <p:spPr>
           <a:xfrm>
-            <a:off x="497717" y="1527850"/>
-            <a:ext cx="8955902" cy="3992135"/>
+            <a:off x="286651" y="1409700"/>
+            <a:ext cx="9291810" cy="4025900"/>
           </a:xfrm>
+          <a:prstGeom prst="rect">
+            <a:avLst/>
+          </a:prstGeom>
         </p:spPr>
       </p:pic>
     </p:spTree>
@@ -8249,7 +8410,7 @@
           <p:cNvPr id="2" name="Titolo 1">
             <a:extLst>
               <a:ext uri="{FF2B5EF4-FFF2-40B4-BE49-F238E27FC236}">
-                <a16:creationId xmlns:a16="http://schemas.microsoft.com/office/drawing/2014/main" id="{D7CC44A2-7A6A-4EFE-AD48-24BB1D7F1BC9}"/>
+                <a16:creationId xmlns:a16="http://schemas.microsoft.com/office/drawing/2014/main" id="{B3FCA048-C490-49CC-80CE-99BA87D82291}"/>
               </a:ext>
             </a:extLst>
           </p:cNvPr>
@@ -8267,1475 +8428,45 @@
           <a:p>
             <a:r>
               <a:rPr lang="it-IT" dirty="0"/>
-              <a:t>Codice Parte 1</a:t>
-            </a:r>
-          </a:p>
-        </p:txBody>
-      </p:sp>
-      <p:sp>
-        <p:nvSpPr>
-          <p:cNvPr id="11" name="Rectangle 10">
+              <a:t>Parte 1 – Tempi di esecuzione custom</a:t>
+            </a:r>
+          </a:p>
+        </p:txBody>
+      </p:sp>
+      <p:pic>
+        <p:nvPicPr>
+          <p:cNvPr id="6" name="Picture 5">
             <a:extLst>
               <a:ext uri="{FF2B5EF4-FFF2-40B4-BE49-F238E27FC236}">
-                <a16:creationId xmlns:a16="http://schemas.microsoft.com/office/drawing/2014/main" id="{56E97534-75FA-1547-B980-75CD05AF3091}"/>
+                <a16:creationId xmlns:a16="http://schemas.microsoft.com/office/drawing/2014/main" id="{48D097B2-33E4-F54F-B090-FD8894639ABC}"/>
               </a:ext>
             </a:extLst>
           </p:cNvPr>
-          <p:cNvSpPr/>
+          <p:cNvPicPr>
+            <a:picLocks noChangeAspect="1"/>
+          </p:cNvPicPr>
           <p:nvPr/>
-        </p:nvSpPr>
+        </p:nvPicPr>
+        <p:blipFill>
+          <a:blip r:embed="rId2"/>
+          <a:stretch>
+            <a:fillRect/>
+          </a:stretch>
+        </p:blipFill>
         <p:spPr>
           <a:xfrm>
-            <a:off x="677330" y="1301531"/>
-            <a:ext cx="10274445" cy="3539430"/>
+            <a:off x="275013" y="1447799"/>
+            <a:ext cx="9302496" cy="3898901"/>
           </a:xfrm>
           <a:prstGeom prst="rect">
             <a:avLst/>
           </a:prstGeom>
         </p:spPr>
-        <p:txBody>
-          <a:bodyPr wrap="square">
-            <a:spAutoFit/>
-          </a:bodyPr>
-          <a:lstStyle/>
-          <a:p>
-            <a:r>
-              <a:rPr lang="it-IT" sz="1600" b="1" dirty="0" err="1">
-                <a:solidFill>
-                  <a:srgbClr val="008F00"/>
-                </a:solidFill>
-                <a:latin typeface="Courier" pitchFamily="2" charset="0"/>
-              </a:rPr>
-              <a:t>def</a:t>
-            </a:r>
-            <a:r>
-              <a:rPr lang="it-IT" sz="1600" dirty="0">
-                <a:solidFill>
-                  <a:srgbClr val="000000"/>
-                </a:solidFill>
-                <a:latin typeface="Courier" pitchFamily="2" charset="0"/>
-              </a:rPr>
-              <a:t> </a:t>
-            </a:r>
-            <a:r>
-              <a:rPr lang="it-IT" sz="1600" dirty="0" err="1">
-                <a:solidFill>
-                  <a:srgbClr val="0433FF"/>
-                </a:solidFill>
-                <a:latin typeface="Courier" pitchFamily="2" charset="0"/>
-              </a:rPr>
-              <a:t>custom_dct</a:t>
-            </a:r>
-            <a:r>
-              <a:rPr lang="it-IT" sz="1600" dirty="0">
-                <a:solidFill>
-                  <a:srgbClr val="000000"/>
-                </a:solidFill>
-                <a:latin typeface="Courier" pitchFamily="2" charset="0"/>
-              </a:rPr>
-              <a:t>(array):</a:t>
-            </a:r>
-            <a:endParaRPr lang="it-IT" sz="1600" dirty="0">
-              <a:solidFill>
-                <a:srgbClr val="0433FF"/>
-              </a:solidFill>
-              <a:latin typeface="Courier" pitchFamily="2" charset="0"/>
-            </a:endParaRPr>
-          </a:p>
-          <a:p>
-            <a:r>
-              <a:rPr lang="it-IT" sz="1600" dirty="0">
-                <a:latin typeface="Courier" pitchFamily="2" charset="0"/>
-              </a:rPr>
-              <a:t>    </a:t>
-            </a:r>
-            <a:r>
-              <a:rPr lang="it-IT" sz="1600" dirty="0" err="1">
-                <a:latin typeface="Courier" pitchFamily="2" charset="0"/>
-              </a:rPr>
-              <a:t>r_array</a:t>
-            </a:r>
-            <a:r>
-              <a:rPr lang="it-IT" sz="1600" dirty="0">
-                <a:latin typeface="Courier" pitchFamily="2" charset="0"/>
-              </a:rPr>
-              <a:t> </a:t>
-            </a:r>
-            <a:r>
-              <a:rPr lang="it-IT" sz="1600" dirty="0">
-                <a:solidFill>
-                  <a:srgbClr val="797979"/>
-                </a:solidFill>
-                <a:latin typeface="Courier" pitchFamily="2" charset="0"/>
-              </a:rPr>
-              <a:t>=</a:t>
-            </a:r>
-            <a:r>
-              <a:rPr lang="it-IT" sz="1600" dirty="0">
-                <a:latin typeface="Courier" pitchFamily="2" charset="0"/>
-              </a:rPr>
-              <a:t> </a:t>
-            </a:r>
-            <a:r>
-              <a:rPr lang="it-IT" sz="1600" dirty="0" err="1">
-                <a:latin typeface="Courier" pitchFamily="2" charset="0"/>
-              </a:rPr>
-              <a:t>np</a:t>
-            </a:r>
-            <a:r>
-              <a:rPr lang="it-IT" sz="1600" dirty="0" err="1">
-                <a:solidFill>
-                  <a:srgbClr val="797979"/>
-                </a:solidFill>
-                <a:latin typeface="Courier" pitchFamily="2" charset="0"/>
-              </a:rPr>
-              <a:t>.</a:t>
-            </a:r>
-            <a:r>
-              <a:rPr lang="it-IT" sz="1600" dirty="0" err="1">
-                <a:solidFill>
-                  <a:srgbClr val="00B0F0"/>
-                </a:solidFill>
-                <a:latin typeface="Courier" pitchFamily="2" charset="0"/>
-              </a:rPr>
-              <a:t>zeros</a:t>
-            </a:r>
-            <a:r>
-              <a:rPr lang="it-IT" sz="1600" dirty="0">
-                <a:latin typeface="Courier" pitchFamily="2" charset="0"/>
-              </a:rPr>
-              <a:t>(</a:t>
-            </a:r>
-            <a:r>
-              <a:rPr lang="it-IT" sz="1600" dirty="0" err="1">
-                <a:latin typeface="Courier" pitchFamily="2" charset="0"/>
-              </a:rPr>
-              <a:t>array</a:t>
-            </a:r>
-            <a:r>
-              <a:rPr lang="it-IT" sz="1600" dirty="0" err="1">
-                <a:solidFill>
-                  <a:srgbClr val="797979"/>
-                </a:solidFill>
-                <a:latin typeface="Courier" pitchFamily="2" charset="0"/>
-              </a:rPr>
-              <a:t>.</a:t>
-            </a:r>
-            <a:r>
-              <a:rPr lang="it-IT" sz="1600" dirty="0" err="1">
-                <a:latin typeface="Courier" pitchFamily="2" charset="0"/>
-              </a:rPr>
-              <a:t>size</a:t>
-            </a:r>
-            <a:r>
-              <a:rPr lang="it-IT" sz="1600" dirty="0">
-                <a:latin typeface="Courier" pitchFamily="2" charset="0"/>
-              </a:rPr>
-              <a:t>)</a:t>
-            </a:r>
-          </a:p>
-          <a:p>
-            <a:r>
-              <a:rPr lang="it-IT" sz="1600" dirty="0">
-                <a:latin typeface="Courier" pitchFamily="2" charset="0"/>
-              </a:rPr>
-              <a:t>    </a:t>
-            </a:r>
-            <a:r>
-              <a:rPr lang="it-IT" sz="1600" dirty="0" err="1">
-                <a:latin typeface="Courier" pitchFamily="2" charset="0"/>
-              </a:rPr>
-              <a:t>N</a:t>
-            </a:r>
-            <a:r>
-              <a:rPr lang="it-IT" sz="1600" dirty="0">
-                <a:latin typeface="Courier" pitchFamily="2" charset="0"/>
-              </a:rPr>
-              <a:t> </a:t>
-            </a:r>
-            <a:r>
-              <a:rPr lang="it-IT" sz="1600" dirty="0">
-                <a:solidFill>
-                  <a:srgbClr val="797979"/>
-                </a:solidFill>
-                <a:latin typeface="Courier" pitchFamily="2" charset="0"/>
-              </a:rPr>
-              <a:t>=</a:t>
-            </a:r>
-            <a:r>
-              <a:rPr lang="it-IT" sz="1600" dirty="0">
-                <a:latin typeface="Courier" pitchFamily="2" charset="0"/>
-              </a:rPr>
-              <a:t> </a:t>
-            </a:r>
-            <a:r>
-              <a:rPr lang="it-IT" sz="1600" dirty="0" err="1">
-                <a:latin typeface="Courier" pitchFamily="2" charset="0"/>
-              </a:rPr>
-              <a:t>array</a:t>
-            </a:r>
-            <a:r>
-              <a:rPr lang="it-IT" sz="1600" dirty="0" err="1">
-                <a:solidFill>
-                  <a:srgbClr val="797979"/>
-                </a:solidFill>
-                <a:latin typeface="Courier" pitchFamily="2" charset="0"/>
-              </a:rPr>
-              <a:t>.</a:t>
-            </a:r>
-            <a:r>
-              <a:rPr lang="it-IT" sz="1600" dirty="0" err="1">
-                <a:latin typeface="Courier" pitchFamily="2" charset="0"/>
-              </a:rPr>
-              <a:t>size</a:t>
-            </a:r>
-            <a:endParaRPr lang="it-IT" sz="1600" dirty="0">
-              <a:latin typeface="Courier" pitchFamily="2" charset="0"/>
-            </a:endParaRPr>
-          </a:p>
-          <a:p>
-            <a:endParaRPr lang="it-IT" sz="1600" dirty="0">
-              <a:latin typeface="Courier" pitchFamily="2" charset="0"/>
-            </a:endParaRPr>
-          </a:p>
-          <a:p>
-            <a:r>
-              <a:rPr lang="it-IT" sz="1600" dirty="0">
-                <a:latin typeface="Courier" pitchFamily="2" charset="0"/>
-              </a:rPr>
-              <a:t>    </a:t>
-            </a:r>
-            <a:r>
-              <a:rPr lang="it-IT" sz="1600" b="1" dirty="0">
-                <a:solidFill>
-                  <a:srgbClr val="008F00"/>
-                </a:solidFill>
-                <a:latin typeface="Courier" pitchFamily="2" charset="0"/>
-              </a:rPr>
-              <a:t>for</a:t>
-            </a:r>
-            <a:r>
-              <a:rPr lang="it-IT" sz="1600" dirty="0">
-                <a:latin typeface="Courier" pitchFamily="2" charset="0"/>
-              </a:rPr>
-              <a:t> u </a:t>
-            </a:r>
-            <a:r>
-              <a:rPr lang="it-IT" sz="1600" b="1" dirty="0">
-                <a:solidFill>
-                  <a:srgbClr val="BB49FF"/>
-                </a:solidFill>
-                <a:latin typeface="Courier" pitchFamily="2" charset="0"/>
-              </a:rPr>
-              <a:t>in</a:t>
-            </a:r>
-            <a:r>
-              <a:rPr lang="it-IT" sz="1600" dirty="0">
-                <a:latin typeface="Courier" pitchFamily="2" charset="0"/>
-              </a:rPr>
-              <a:t> </a:t>
-            </a:r>
-            <a:r>
-              <a:rPr lang="it-IT" sz="1600" dirty="0" err="1">
-                <a:solidFill>
-                  <a:srgbClr val="008F00"/>
-                </a:solidFill>
-                <a:latin typeface="Courier" pitchFamily="2" charset="0"/>
-              </a:rPr>
-              <a:t>range</a:t>
-            </a:r>
-            <a:r>
-              <a:rPr lang="it-IT" sz="1600" dirty="0">
-                <a:latin typeface="Courier" pitchFamily="2" charset="0"/>
-              </a:rPr>
-              <a:t>(</a:t>
-            </a:r>
-            <a:r>
-              <a:rPr lang="it-IT" sz="1600" dirty="0" err="1">
-                <a:latin typeface="Courier" pitchFamily="2" charset="0"/>
-              </a:rPr>
-              <a:t>N</a:t>
-            </a:r>
-            <a:r>
-              <a:rPr lang="it-IT" sz="1600" dirty="0">
-                <a:latin typeface="Courier" pitchFamily="2" charset="0"/>
-              </a:rPr>
-              <a:t>):</a:t>
-            </a:r>
-          </a:p>
-          <a:p>
-            <a:r>
-              <a:rPr lang="it-IT" sz="1600" dirty="0">
-                <a:latin typeface="Courier" pitchFamily="2" charset="0"/>
-              </a:rPr>
-              <a:t>        somma </a:t>
-            </a:r>
-            <a:r>
-              <a:rPr lang="it-IT" sz="1600" dirty="0">
-                <a:solidFill>
-                  <a:srgbClr val="797979"/>
-                </a:solidFill>
-                <a:latin typeface="Courier" pitchFamily="2" charset="0"/>
-              </a:rPr>
-              <a:t>=</a:t>
-            </a:r>
-            <a:r>
-              <a:rPr lang="it-IT" sz="1600" dirty="0">
-                <a:latin typeface="Courier" pitchFamily="2" charset="0"/>
-              </a:rPr>
-              <a:t> </a:t>
-            </a:r>
-            <a:r>
-              <a:rPr lang="it-IT" sz="1600" dirty="0">
-                <a:solidFill>
-                  <a:srgbClr val="797979"/>
-                </a:solidFill>
-                <a:latin typeface="Courier" pitchFamily="2" charset="0"/>
-              </a:rPr>
-              <a:t>0</a:t>
-            </a:r>
-            <a:endParaRPr lang="it-IT" sz="1600" dirty="0">
-              <a:latin typeface="Courier" pitchFamily="2" charset="0"/>
-            </a:endParaRPr>
-          </a:p>
-          <a:p>
-            <a:r>
-              <a:rPr lang="it-IT" sz="1600" dirty="0">
-                <a:latin typeface="Courier" pitchFamily="2" charset="0"/>
-              </a:rPr>
-              <a:t>        a </a:t>
-            </a:r>
-            <a:r>
-              <a:rPr lang="it-IT" sz="1600" dirty="0">
-                <a:solidFill>
-                  <a:srgbClr val="797979"/>
-                </a:solidFill>
-                <a:latin typeface="Courier" pitchFamily="2" charset="0"/>
-              </a:rPr>
-              <a:t>=</a:t>
-            </a:r>
-            <a:r>
-              <a:rPr lang="it-IT" sz="1600" dirty="0">
-                <a:latin typeface="Courier" pitchFamily="2" charset="0"/>
-              </a:rPr>
-              <a:t> </a:t>
-            </a:r>
-            <a:r>
-              <a:rPr lang="it-IT" sz="1600" dirty="0" err="1">
-                <a:latin typeface="Courier" pitchFamily="2" charset="0"/>
-              </a:rPr>
-              <a:t>math</a:t>
-            </a:r>
-            <a:r>
-              <a:rPr lang="it-IT" sz="1600" dirty="0" err="1">
-                <a:solidFill>
-                  <a:srgbClr val="797979"/>
-                </a:solidFill>
-                <a:latin typeface="Courier" pitchFamily="2" charset="0"/>
-              </a:rPr>
-              <a:t>.</a:t>
-            </a:r>
-            <a:r>
-              <a:rPr lang="it-IT" sz="1600" dirty="0" err="1">
-                <a:solidFill>
-                  <a:srgbClr val="00B0F0"/>
-                </a:solidFill>
-                <a:latin typeface="Courier" pitchFamily="2" charset="0"/>
-              </a:rPr>
-              <a:t>sqrt</a:t>
-            </a:r>
-            <a:r>
-              <a:rPr lang="it-IT" sz="1600" dirty="0">
-                <a:latin typeface="Courier" pitchFamily="2" charset="0"/>
-              </a:rPr>
-              <a:t>(</a:t>
-            </a:r>
-            <a:r>
-              <a:rPr lang="it-IT" sz="1600" dirty="0">
-                <a:solidFill>
-                  <a:srgbClr val="797979"/>
-                </a:solidFill>
-                <a:latin typeface="Courier" pitchFamily="2" charset="0"/>
-              </a:rPr>
-              <a:t>1.</a:t>
-            </a:r>
-            <a:r>
-              <a:rPr lang="it-IT" sz="1600" dirty="0">
-                <a:latin typeface="Courier" pitchFamily="2" charset="0"/>
-              </a:rPr>
-              <a:t> </a:t>
-            </a:r>
-            <a:r>
-              <a:rPr lang="it-IT" sz="1600" dirty="0">
-                <a:solidFill>
-                  <a:srgbClr val="797979"/>
-                </a:solidFill>
-                <a:latin typeface="Courier" pitchFamily="2" charset="0"/>
-              </a:rPr>
-              <a:t>/</a:t>
-            </a:r>
-            <a:r>
-              <a:rPr lang="it-IT" sz="1600" dirty="0">
-                <a:latin typeface="Courier" pitchFamily="2" charset="0"/>
-              </a:rPr>
-              <a:t> </a:t>
-            </a:r>
-            <a:r>
-              <a:rPr lang="it-IT" sz="1600" dirty="0" err="1">
-                <a:latin typeface="Courier" pitchFamily="2" charset="0"/>
-              </a:rPr>
-              <a:t>N</a:t>
-            </a:r>
-            <a:r>
-              <a:rPr lang="it-IT" sz="1600" dirty="0">
-                <a:latin typeface="Courier" pitchFamily="2" charset="0"/>
-              </a:rPr>
-              <a:t>) </a:t>
-            </a:r>
-            <a:r>
-              <a:rPr lang="it-IT" sz="1600" b="1" dirty="0" err="1">
-                <a:solidFill>
-                  <a:srgbClr val="008F00"/>
-                </a:solidFill>
-                <a:latin typeface="Courier" pitchFamily="2" charset="0"/>
-              </a:rPr>
-              <a:t>if</a:t>
-            </a:r>
-            <a:r>
-              <a:rPr lang="it-IT" sz="1600" dirty="0">
-                <a:latin typeface="Courier" pitchFamily="2" charset="0"/>
-              </a:rPr>
-              <a:t> u </a:t>
-            </a:r>
-            <a:r>
-              <a:rPr lang="it-IT" sz="1600" dirty="0">
-                <a:solidFill>
-                  <a:srgbClr val="797979"/>
-                </a:solidFill>
-                <a:latin typeface="Courier" pitchFamily="2" charset="0"/>
-              </a:rPr>
-              <a:t>==</a:t>
-            </a:r>
-            <a:r>
-              <a:rPr lang="it-IT" sz="1600" dirty="0">
-                <a:latin typeface="Courier" pitchFamily="2" charset="0"/>
-              </a:rPr>
-              <a:t> </a:t>
-            </a:r>
-            <a:r>
-              <a:rPr lang="it-IT" sz="1600" dirty="0">
-                <a:solidFill>
-                  <a:srgbClr val="797979"/>
-                </a:solidFill>
-                <a:latin typeface="Courier" pitchFamily="2" charset="0"/>
-              </a:rPr>
-              <a:t>0</a:t>
-            </a:r>
-            <a:r>
-              <a:rPr lang="it-IT" sz="1600" dirty="0">
-                <a:latin typeface="Courier" pitchFamily="2" charset="0"/>
-              </a:rPr>
-              <a:t> </a:t>
-            </a:r>
-            <a:r>
-              <a:rPr lang="it-IT" sz="1600" b="1" dirty="0">
-                <a:solidFill>
-                  <a:srgbClr val="008F00"/>
-                </a:solidFill>
-                <a:latin typeface="Courier" pitchFamily="2" charset="0"/>
-              </a:rPr>
-              <a:t>else</a:t>
-            </a:r>
-            <a:r>
-              <a:rPr lang="it-IT" sz="1600" dirty="0">
-                <a:latin typeface="Courier" pitchFamily="2" charset="0"/>
-              </a:rPr>
-              <a:t> </a:t>
-            </a:r>
-            <a:r>
-              <a:rPr lang="it-IT" sz="1600" dirty="0" err="1">
-                <a:latin typeface="Courier" pitchFamily="2" charset="0"/>
-              </a:rPr>
-              <a:t>math</a:t>
-            </a:r>
-            <a:r>
-              <a:rPr lang="it-IT" sz="1600" dirty="0" err="1">
-                <a:solidFill>
-                  <a:srgbClr val="797979"/>
-                </a:solidFill>
-                <a:latin typeface="Courier" pitchFamily="2" charset="0"/>
-              </a:rPr>
-              <a:t>.</a:t>
-            </a:r>
-            <a:r>
-              <a:rPr lang="it-IT" sz="1600" dirty="0" err="1">
-                <a:solidFill>
-                  <a:srgbClr val="00B0F0"/>
-                </a:solidFill>
-                <a:latin typeface="Courier" pitchFamily="2" charset="0"/>
-              </a:rPr>
-              <a:t>sqrt</a:t>
-            </a:r>
-            <a:r>
-              <a:rPr lang="it-IT" sz="1600" dirty="0">
-                <a:latin typeface="Courier" pitchFamily="2" charset="0"/>
-              </a:rPr>
-              <a:t>(</a:t>
-            </a:r>
-            <a:r>
-              <a:rPr lang="it-IT" sz="1600" dirty="0">
-                <a:solidFill>
-                  <a:srgbClr val="797979"/>
-                </a:solidFill>
-                <a:latin typeface="Courier" pitchFamily="2" charset="0"/>
-              </a:rPr>
-              <a:t>2.</a:t>
-            </a:r>
-            <a:r>
-              <a:rPr lang="it-IT" sz="1600" dirty="0">
-                <a:latin typeface="Courier" pitchFamily="2" charset="0"/>
-              </a:rPr>
-              <a:t> </a:t>
-            </a:r>
-            <a:r>
-              <a:rPr lang="it-IT" sz="1600" dirty="0">
-                <a:solidFill>
-                  <a:srgbClr val="797979"/>
-                </a:solidFill>
-                <a:latin typeface="Courier" pitchFamily="2" charset="0"/>
-              </a:rPr>
-              <a:t>/</a:t>
-            </a:r>
-            <a:r>
-              <a:rPr lang="it-IT" sz="1600" dirty="0">
-                <a:latin typeface="Courier" pitchFamily="2" charset="0"/>
-              </a:rPr>
-              <a:t> </a:t>
-            </a:r>
-            <a:r>
-              <a:rPr lang="it-IT" sz="1600" dirty="0" err="1">
-                <a:latin typeface="Courier" pitchFamily="2" charset="0"/>
-              </a:rPr>
-              <a:t>N</a:t>
-            </a:r>
-            <a:r>
-              <a:rPr lang="it-IT" sz="1600" dirty="0">
-                <a:latin typeface="Courier" pitchFamily="2" charset="0"/>
-              </a:rPr>
-              <a:t>)</a:t>
-            </a:r>
-            <a:br>
-              <a:rPr lang="it-IT" sz="1600" dirty="0">
-                <a:latin typeface="Courier" pitchFamily="2" charset="0"/>
-              </a:rPr>
-            </a:br>
-            <a:endParaRPr lang="it-IT" sz="1600" dirty="0">
-              <a:latin typeface="Courier" pitchFamily="2" charset="0"/>
-            </a:endParaRPr>
-          </a:p>
-          <a:p>
-            <a:r>
-              <a:rPr lang="it-IT" sz="1600" dirty="0">
-                <a:latin typeface="Courier" pitchFamily="2" charset="0"/>
-              </a:rPr>
-              <a:t>        </a:t>
-            </a:r>
-            <a:r>
-              <a:rPr lang="it-IT" sz="1600" b="1" dirty="0">
-                <a:solidFill>
-                  <a:srgbClr val="008F00"/>
-                </a:solidFill>
-                <a:latin typeface="Courier" pitchFamily="2" charset="0"/>
-              </a:rPr>
-              <a:t>for</a:t>
-            </a:r>
-            <a:r>
-              <a:rPr lang="it-IT" sz="1600" dirty="0">
-                <a:latin typeface="Courier" pitchFamily="2" charset="0"/>
-              </a:rPr>
-              <a:t> x, </a:t>
-            </a:r>
-            <a:r>
-              <a:rPr lang="it-IT" sz="1600" dirty="0" err="1">
-                <a:latin typeface="Courier" pitchFamily="2" charset="0"/>
-              </a:rPr>
-              <a:t>cell</a:t>
-            </a:r>
-            <a:r>
-              <a:rPr lang="it-IT" sz="1600" dirty="0">
-                <a:latin typeface="Courier" pitchFamily="2" charset="0"/>
-              </a:rPr>
-              <a:t> </a:t>
-            </a:r>
-            <a:r>
-              <a:rPr lang="it-IT" sz="1600" b="1" dirty="0">
-                <a:solidFill>
-                  <a:srgbClr val="BB49FF"/>
-                </a:solidFill>
-                <a:latin typeface="Courier" pitchFamily="2" charset="0"/>
-              </a:rPr>
-              <a:t>in</a:t>
-            </a:r>
-            <a:r>
-              <a:rPr lang="it-IT" sz="1600" dirty="0">
-                <a:latin typeface="Courier" pitchFamily="2" charset="0"/>
-              </a:rPr>
-              <a:t> </a:t>
-            </a:r>
-            <a:r>
-              <a:rPr lang="it-IT" sz="1600" dirty="0">
-                <a:solidFill>
-                  <a:srgbClr val="008F00"/>
-                </a:solidFill>
-                <a:latin typeface="Courier" pitchFamily="2" charset="0"/>
-              </a:rPr>
-              <a:t>enumerate</a:t>
-            </a:r>
-            <a:r>
-              <a:rPr lang="it-IT" sz="1600" dirty="0">
-                <a:latin typeface="Courier" pitchFamily="2" charset="0"/>
-              </a:rPr>
-              <a:t>(array):</a:t>
-            </a:r>
-          </a:p>
-          <a:p>
-            <a:r>
-              <a:rPr lang="it-IT" sz="1600" dirty="0">
-                <a:latin typeface="Courier" pitchFamily="2" charset="0"/>
-              </a:rPr>
-              <a:t>            somma </a:t>
-            </a:r>
-            <a:r>
-              <a:rPr lang="it-IT" sz="1600" dirty="0">
-                <a:solidFill>
-                  <a:srgbClr val="797979"/>
-                </a:solidFill>
-                <a:latin typeface="Courier" pitchFamily="2" charset="0"/>
-              </a:rPr>
-              <a:t>+=</a:t>
-            </a:r>
-            <a:r>
-              <a:rPr lang="it-IT" sz="1600" dirty="0">
-                <a:latin typeface="Courier" pitchFamily="2" charset="0"/>
-              </a:rPr>
-              <a:t> </a:t>
-            </a:r>
-            <a:r>
-              <a:rPr lang="it-IT" sz="1600" dirty="0" err="1">
-                <a:latin typeface="Courier" pitchFamily="2" charset="0"/>
-              </a:rPr>
-              <a:t>cell</a:t>
-            </a:r>
-            <a:r>
-              <a:rPr lang="it-IT" sz="1600" dirty="0">
-                <a:latin typeface="Courier" pitchFamily="2" charset="0"/>
-              </a:rPr>
-              <a:t> </a:t>
-            </a:r>
-            <a:r>
-              <a:rPr lang="it-IT" sz="1600" dirty="0">
-                <a:solidFill>
-                  <a:srgbClr val="797979"/>
-                </a:solidFill>
-                <a:latin typeface="Courier" pitchFamily="2" charset="0"/>
-              </a:rPr>
-              <a:t>*</a:t>
-            </a:r>
-            <a:r>
-              <a:rPr lang="it-IT" sz="1600" dirty="0">
-                <a:latin typeface="Courier" pitchFamily="2" charset="0"/>
-              </a:rPr>
-              <a:t> </a:t>
-            </a:r>
-            <a:r>
-              <a:rPr lang="it-IT" sz="1600" dirty="0" err="1">
-                <a:latin typeface="Courier" pitchFamily="2" charset="0"/>
-              </a:rPr>
-              <a:t>math</a:t>
-            </a:r>
-            <a:r>
-              <a:rPr lang="it-IT" sz="1600" dirty="0" err="1">
-                <a:solidFill>
-                  <a:srgbClr val="797979"/>
-                </a:solidFill>
-                <a:latin typeface="Courier" pitchFamily="2" charset="0"/>
-              </a:rPr>
-              <a:t>.</a:t>
-            </a:r>
-            <a:r>
-              <a:rPr lang="it-IT" sz="1600" dirty="0" err="1">
-                <a:solidFill>
-                  <a:srgbClr val="00B0F0"/>
-                </a:solidFill>
-                <a:latin typeface="Courier" pitchFamily="2" charset="0"/>
-              </a:rPr>
-              <a:t>cos</a:t>
-            </a:r>
-            <a:r>
-              <a:rPr lang="it-IT" sz="1600" dirty="0">
-                <a:latin typeface="Courier" pitchFamily="2" charset="0"/>
-              </a:rPr>
-              <a:t>((u </a:t>
-            </a:r>
-            <a:r>
-              <a:rPr lang="it-IT" sz="1600" dirty="0">
-                <a:solidFill>
-                  <a:srgbClr val="797979"/>
-                </a:solidFill>
-                <a:latin typeface="Courier" pitchFamily="2" charset="0"/>
-              </a:rPr>
-              <a:t>*</a:t>
-            </a:r>
-            <a:r>
-              <a:rPr lang="it-IT" sz="1600" dirty="0">
-                <a:latin typeface="Courier" pitchFamily="2" charset="0"/>
-              </a:rPr>
-              <a:t> </a:t>
-            </a:r>
-            <a:r>
-              <a:rPr lang="it-IT" sz="1600" dirty="0" err="1">
-                <a:latin typeface="Courier" pitchFamily="2" charset="0"/>
-              </a:rPr>
-              <a:t>math</a:t>
-            </a:r>
-            <a:r>
-              <a:rPr lang="it-IT" sz="1600" dirty="0" err="1">
-                <a:solidFill>
-                  <a:srgbClr val="797979"/>
-                </a:solidFill>
-                <a:latin typeface="Courier" pitchFamily="2" charset="0"/>
-              </a:rPr>
-              <a:t>.</a:t>
-            </a:r>
-            <a:r>
-              <a:rPr lang="it-IT" sz="1600" dirty="0" err="1">
-                <a:latin typeface="Courier" pitchFamily="2" charset="0"/>
-              </a:rPr>
-              <a:t>pi</a:t>
-            </a:r>
-            <a:r>
-              <a:rPr lang="it-IT" sz="1600" dirty="0">
-                <a:latin typeface="Courier" pitchFamily="2" charset="0"/>
-              </a:rPr>
-              <a:t> </a:t>
-            </a:r>
-            <a:r>
-              <a:rPr lang="it-IT" sz="1600" dirty="0">
-                <a:solidFill>
-                  <a:srgbClr val="797979"/>
-                </a:solidFill>
-                <a:latin typeface="Courier" pitchFamily="2" charset="0"/>
-              </a:rPr>
-              <a:t>*</a:t>
-            </a:r>
-            <a:r>
-              <a:rPr lang="it-IT" sz="1600" dirty="0">
-                <a:latin typeface="Courier" pitchFamily="2" charset="0"/>
-              </a:rPr>
-              <a:t> (</a:t>
-            </a:r>
-            <a:r>
-              <a:rPr lang="it-IT" sz="1600" dirty="0">
-                <a:solidFill>
-                  <a:srgbClr val="797979"/>
-                </a:solidFill>
-                <a:latin typeface="Courier" pitchFamily="2" charset="0"/>
-              </a:rPr>
-              <a:t>2</a:t>
-            </a:r>
-            <a:r>
-              <a:rPr lang="it-IT" sz="1600" dirty="0">
-                <a:latin typeface="Courier" pitchFamily="2" charset="0"/>
-              </a:rPr>
-              <a:t> </a:t>
-            </a:r>
-            <a:r>
-              <a:rPr lang="it-IT" sz="1600" dirty="0">
-                <a:solidFill>
-                  <a:srgbClr val="797979"/>
-                </a:solidFill>
-                <a:latin typeface="Courier" pitchFamily="2" charset="0"/>
-              </a:rPr>
-              <a:t>*</a:t>
-            </a:r>
-            <a:r>
-              <a:rPr lang="it-IT" sz="1600" dirty="0">
-                <a:latin typeface="Courier" pitchFamily="2" charset="0"/>
-              </a:rPr>
-              <a:t> x </a:t>
-            </a:r>
-            <a:r>
-              <a:rPr lang="it-IT" sz="1600" dirty="0">
-                <a:solidFill>
-                  <a:srgbClr val="797979"/>
-                </a:solidFill>
-                <a:latin typeface="Courier" pitchFamily="2" charset="0"/>
-              </a:rPr>
-              <a:t>+</a:t>
-            </a:r>
-            <a:r>
-              <a:rPr lang="it-IT" sz="1600" dirty="0">
-                <a:latin typeface="Courier" pitchFamily="2" charset="0"/>
-              </a:rPr>
-              <a:t> </a:t>
-            </a:r>
-            <a:r>
-              <a:rPr lang="it-IT" sz="1600" dirty="0">
-                <a:solidFill>
-                  <a:srgbClr val="797979"/>
-                </a:solidFill>
-                <a:latin typeface="Courier" pitchFamily="2" charset="0"/>
-              </a:rPr>
-              <a:t>1</a:t>
-            </a:r>
-            <a:r>
-              <a:rPr lang="it-IT" sz="1600" dirty="0">
-                <a:latin typeface="Courier" pitchFamily="2" charset="0"/>
-              </a:rPr>
-              <a:t>)) </a:t>
-            </a:r>
-            <a:r>
-              <a:rPr lang="it-IT" sz="1600" dirty="0">
-                <a:solidFill>
-                  <a:srgbClr val="797979"/>
-                </a:solidFill>
-                <a:latin typeface="Courier" pitchFamily="2" charset="0"/>
-              </a:rPr>
-              <a:t>/</a:t>
-            </a:r>
-            <a:r>
-              <a:rPr lang="it-IT" sz="1600" dirty="0">
-                <a:latin typeface="Courier" pitchFamily="2" charset="0"/>
-              </a:rPr>
-              <a:t> (</a:t>
-            </a:r>
-            <a:r>
-              <a:rPr lang="it-IT" sz="1600" dirty="0">
-                <a:solidFill>
-                  <a:srgbClr val="797979"/>
-                </a:solidFill>
-                <a:latin typeface="Courier" pitchFamily="2" charset="0"/>
-              </a:rPr>
-              <a:t>2</a:t>
-            </a:r>
-            <a:r>
-              <a:rPr lang="it-IT" sz="1600" dirty="0">
-                <a:latin typeface="Courier" pitchFamily="2" charset="0"/>
-              </a:rPr>
-              <a:t> </a:t>
-            </a:r>
-            <a:r>
-              <a:rPr lang="it-IT" sz="1600" dirty="0">
-                <a:solidFill>
-                  <a:srgbClr val="797979"/>
-                </a:solidFill>
-                <a:latin typeface="Courier" pitchFamily="2" charset="0"/>
-              </a:rPr>
-              <a:t>*</a:t>
-            </a:r>
-            <a:r>
-              <a:rPr lang="it-IT" sz="1600" dirty="0">
-                <a:latin typeface="Courier" pitchFamily="2" charset="0"/>
-              </a:rPr>
-              <a:t> </a:t>
-            </a:r>
-            <a:r>
-              <a:rPr lang="it-IT" sz="1600" dirty="0" err="1">
-                <a:latin typeface="Courier" pitchFamily="2" charset="0"/>
-              </a:rPr>
-              <a:t>N</a:t>
-            </a:r>
-            <a:r>
-              <a:rPr lang="it-IT" sz="1600" dirty="0">
-                <a:latin typeface="Courier" pitchFamily="2" charset="0"/>
-              </a:rPr>
-              <a:t>))</a:t>
-            </a:r>
-            <a:br>
-              <a:rPr lang="it-IT" sz="1600" dirty="0">
-                <a:latin typeface="Courier" pitchFamily="2" charset="0"/>
-              </a:rPr>
-            </a:br>
-            <a:endParaRPr lang="it-IT" sz="1600" dirty="0">
-              <a:latin typeface="Courier" pitchFamily="2" charset="0"/>
-            </a:endParaRPr>
-          </a:p>
-          <a:p>
-            <a:r>
-              <a:rPr lang="it-IT" sz="1600" dirty="0">
-                <a:latin typeface="Courier" pitchFamily="2" charset="0"/>
-              </a:rPr>
-              <a:t>        </a:t>
-            </a:r>
-            <a:r>
-              <a:rPr lang="it-IT" sz="1600" dirty="0" err="1">
-                <a:latin typeface="Courier" pitchFamily="2" charset="0"/>
-              </a:rPr>
-              <a:t>r_array</a:t>
-            </a:r>
-            <a:r>
-              <a:rPr lang="it-IT" sz="1600" dirty="0">
-                <a:latin typeface="Courier" pitchFamily="2" charset="0"/>
-              </a:rPr>
-              <a:t>[u] </a:t>
-            </a:r>
-            <a:r>
-              <a:rPr lang="it-IT" sz="1600" dirty="0">
-                <a:solidFill>
-                  <a:srgbClr val="797979"/>
-                </a:solidFill>
-                <a:latin typeface="Courier" pitchFamily="2" charset="0"/>
-              </a:rPr>
-              <a:t>=</a:t>
-            </a:r>
-            <a:r>
-              <a:rPr lang="it-IT" sz="1600" dirty="0">
-                <a:latin typeface="Courier" pitchFamily="2" charset="0"/>
-              </a:rPr>
-              <a:t> a </a:t>
-            </a:r>
-            <a:r>
-              <a:rPr lang="it-IT" sz="1600" dirty="0">
-                <a:solidFill>
-                  <a:srgbClr val="797979"/>
-                </a:solidFill>
-                <a:latin typeface="Courier" pitchFamily="2" charset="0"/>
-              </a:rPr>
-              <a:t>*</a:t>
-            </a:r>
-            <a:r>
-              <a:rPr lang="it-IT" sz="1600" dirty="0">
-                <a:latin typeface="Courier" pitchFamily="2" charset="0"/>
-              </a:rPr>
-              <a:t> somma</a:t>
-            </a:r>
-          </a:p>
-          <a:p>
-            <a:endParaRPr lang="it-IT" sz="1600" dirty="0">
-              <a:latin typeface="Courier" pitchFamily="2" charset="0"/>
-            </a:endParaRPr>
-          </a:p>
-          <a:p>
-            <a:r>
-              <a:rPr lang="it-IT" sz="1600" dirty="0">
-                <a:latin typeface="Courier" pitchFamily="2" charset="0"/>
-              </a:rPr>
-              <a:t>    </a:t>
-            </a:r>
-            <a:r>
-              <a:rPr lang="it-IT" sz="1600" b="1" dirty="0" err="1">
-                <a:solidFill>
-                  <a:srgbClr val="008F00"/>
-                </a:solidFill>
-                <a:latin typeface="Courier" pitchFamily="2" charset="0"/>
-              </a:rPr>
-              <a:t>return</a:t>
-            </a:r>
-            <a:r>
-              <a:rPr lang="it-IT" sz="1600" dirty="0">
-                <a:latin typeface="Courier" pitchFamily="2" charset="0"/>
-              </a:rPr>
-              <a:t> </a:t>
-            </a:r>
-            <a:r>
-              <a:rPr lang="it-IT" sz="1600" dirty="0" err="1">
-                <a:latin typeface="Courier" pitchFamily="2" charset="0"/>
-              </a:rPr>
-              <a:t>r_array</a:t>
-            </a:r>
-            <a:endParaRPr lang="it-IT" sz="1600" dirty="0">
-              <a:effectLst/>
-              <a:latin typeface="Courier" pitchFamily="2" charset="0"/>
-            </a:endParaRPr>
-          </a:p>
-        </p:txBody>
-      </p:sp>
-      <p:sp>
-        <p:nvSpPr>
-          <p:cNvPr id="13" name="Rectangle 12">
-            <a:extLst>
-              <a:ext uri="{FF2B5EF4-FFF2-40B4-BE49-F238E27FC236}">
-                <a16:creationId xmlns:a16="http://schemas.microsoft.com/office/drawing/2014/main" id="{3808FDAD-0CD7-214B-BF38-509CF6079F8A}"/>
-              </a:ext>
-            </a:extLst>
-          </p:cNvPr>
-          <p:cNvSpPr/>
-          <p:nvPr/>
-        </p:nvSpPr>
-        <p:spPr>
-          <a:xfrm>
-            <a:off x="677330" y="4988106"/>
-            <a:ext cx="9538722" cy="1754326"/>
-          </a:xfrm>
-          <a:prstGeom prst="rect">
-            <a:avLst/>
-          </a:prstGeom>
-        </p:spPr>
-        <p:txBody>
-          <a:bodyPr wrap="square">
-            <a:spAutoFit/>
-          </a:bodyPr>
-          <a:lstStyle/>
-          <a:p>
-            <a:r>
-              <a:rPr lang="it-IT" b="1" dirty="0" err="1">
-                <a:solidFill>
-                  <a:srgbClr val="008F00"/>
-                </a:solidFill>
-                <a:latin typeface="Courier" pitchFamily="2" charset="0"/>
-              </a:rPr>
-              <a:t>def</a:t>
-            </a:r>
-            <a:r>
-              <a:rPr lang="it-IT" dirty="0">
-                <a:solidFill>
-                  <a:srgbClr val="000000"/>
-                </a:solidFill>
-                <a:latin typeface="Courier" pitchFamily="2" charset="0"/>
-              </a:rPr>
-              <a:t> </a:t>
-            </a:r>
-            <a:r>
-              <a:rPr lang="it-IT" dirty="0">
-                <a:solidFill>
-                  <a:srgbClr val="0433FF"/>
-                </a:solidFill>
-                <a:latin typeface="Courier" pitchFamily="2" charset="0"/>
-              </a:rPr>
-              <a:t>custom_dct2</a:t>
-            </a:r>
-            <a:r>
-              <a:rPr lang="it-IT" dirty="0">
-                <a:solidFill>
-                  <a:srgbClr val="000000"/>
-                </a:solidFill>
-                <a:latin typeface="Courier" pitchFamily="2" charset="0"/>
-              </a:rPr>
-              <a:t>(</a:t>
-            </a:r>
-            <a:r>
-              <a:rPr lang="it-IT" dirty="0" err="1">
-                <a:solidFill>
-                  <a:srgbClr val="000000"/>
-                </a:solidFill>
-                <a:latin typeface="Courier" pitchFamily="2" charset="0"/>
-              </a:rPr>
-              <a:t>mat</a:t>
-            </a:r>
-            <a:r>
-              <a:rPr lang="it-IT" dirty="0">
-                <a:solidFill>
-                  <a:srgbClr val="000000"/>
-                </a:solidFill>
-                <a:latin typeface="Courier" pitchFamily="2" charset="0"/>
-              </a:rPr>
-              <a:t>):</a:t>
-            </a:r>
-            <a:endParaRPr lang="it-IT" dirty="0">
-              <a:solidFill>
-                <a:srgbClr val="0433FF"/>
-              </a:solidFill>
-              <a:latin typeface="Courier" pitchFamily="2" charset="0"/>
-            </a:endParaRPr>
-          </a:p>
-          <a:p>
-            <a:r>
-              <a:rPr lang="it-IT" dirty="0">
-                <a:latin typeface="Courier" pitchFamily="2" charset="0"/>
-              </a:rPr>
-              <a:t>    </a:t>
-            </a:r>
-            <a:r>
-              <a:rPr lang="it-IT" dirty="0" err="1">
-                <a:latin typeface="Courier" pitchFamily="2" charset="0"/>
-              </a:rPr>
-              <a:t>r_mat</a:t>
-            </a:r>
-            <a:r>
-              <a:rPr lang="it-IT" dirty="0">
-                <a:latin typeface="Courier" pitchFamily="2" charset="0"/>
-              </a:rPr>
-              <a:t> </a:t>
-            </a:r>
-            <a:r>
-              <a:rPr lang="it-IT" dirty="0">
-                <a:solidFill>
-                  <a:srgbClr val="797979"/>
-                </a:solidFill>
-                <a:latin typeface="Courier" pitchFamily="2" charset="0"/>
-              </a:rPr>
-              <a:t>=</a:t>
-            </a:r>
-            <a:r>
-              <a:rPr lang="it-IT" dirty="0">
-                <a:latin typeface="Courier" pitchFamily="2" charset="0"/>
-              </a:rPr>
-              <a:t> </a:t>
-            </a:r>
-            <a:r>
-              <a:rPr lang="it-IT" dirty="0" err="1">
-                <a:latin typeface="Courier" pitchFamily="2" charset="0"/>
-              </a:rPr>
-              <a:t>np</a:t>
-            </a:r>
-            <a:r>
-              <a:rPr lang="it-IT" dirty="0" err="1">
-                <a:solidFill>
-                  <a:srgbClr val="797979"/>
-                </a:solidFill>
-                <a:latin typeface="Courier" pitchFamily="2" charset="0"/>
-              </a:rPr>
-              <a:t>.</a:t>
-            </a:r>
-            <a:r>
-              <a:rPr lang="it-IT" dirty="0" err="1">
-                <a:solidFill>
-                  <a:srgbClr val="00B0F0"/>
-                </a:solidFill>
-                <a:latin typeface="Courier" pitchFamily="2" charset="0"/>
-              </a:rPr>
-              <a:t>zeros</a:t>
-            </a:r>
-            <a:r>
-              <a:rPr lang="it-IT" dirty="0">
-                <a:latin typeface="Courier" pitchFamily="2" charset="0"/>
-              </a:rPr>
-              <a:t>(</a:t>
-            </a:r>
-            <a:r>
-              <a:rPr lang="it-IT" dirty="0" err="1">
-                <a:latin typeface="Courier" pitchFamily="2" charset="0"/>
-              </a:rPr>
-              <a:t>mat</a:t>
-            </a:r>
-            <a:r>
-              <a:rPr lang="it-IT" dirty="0" err="1">
-                <a:solidFill>
-                  <a:srgbClr val="797979"/>
-                </a:solidFill>
-                <a:latin typeface="Courier" pitchFamily="2" charset="0"/>
-              </a:rPr>
-              <a:t>.</a:t>
-            </a:r>
-            <a:r>
-              <a:rPr lang="it-IT" dirty="0" err="1">
-                <a:latin typeface="Courier" pitchFamily="2" charset="0"/>
-              </a:rPr>
-              <a:t>shape</a:t>
-            </a:r>
-            <a:r>
-              <a:rPr lang="it-IT" dirty="0">
-                <a:latin typeface="Courier" pitchFamily="2" charset="0"/>
-              </a:rPr>
-              <a:t>)</a:t>
-            </a:r>
-          </a:p>
-          <a:p>
-            <a:r>
-              <a:rPr lang="it-IT" dirty="0">
-                <a:latin typeface="Courier" pitchFamily="2" charset="0"/>
-              </a:rPr>
-              <a:t>    </a:t>
-            </a:r>
-            <a:r>
-              <a:rPr lang="it-IT" dirty="0" err="1">
-                <a:latin typeface="Courier" pitchFamily="2" charset="0"/>
-              </a:rPr>
-              <a:t>r_mat</a:t>
-            </a:r>
-            <a:r>
-              <a:rPr lang="it-IT" dirty="0">
-                <a:latin typeface="Courier" pitchFamily="2" charset="0"/>
-              </a:rPr>
-              <a:t> </a:t>
-            </a:r>
-            <a:r>
-              <a:rPr lang="it-IT" dirty="0">
-                <a:solidFill>
-                  <a:srgbClr val="797979"/>
-                </a:solidFill>
-                <a:latin typeface="Courier" pitchFamily="2" charset="0"/>
-              </a:rPr>
-              <a:t>=</a:t>
-            </a:r>
-            <a:r>
-              <a:rPr lang="it-IT" dirty="0">
-                <a:latin typeface="Courier" pitchFamily="2" charset="0"/>
-              </a:rPr>
-              <a:t> </a:t>
-            </a:r>
-            <a:r>
-              <a:rPr lang="it-IT" dirty="0" err="1">
-                <a:latin typeface="Courier" pitchFamily="2" charset="0"/>
-              </a:rPr>
-              <a:t>np</a:t>
-            </a:r>
-            <a:r>
-              <a:rPr lang="it-IT" dirty="0" err="1">
-                <a:solidFill>
-                  <a:srgbClr val="797979"/>
-                </a:solidFill>
-                <a:latin typeface="Courier" pitchFamily="2" charset="0"/>
-              </a:rPr>
-              <a:t>.</a:t>
-            </a:r>
-            <a:r>
-              <a:rPr lang="it-IT" dirty="0" err="1">
-                <a:solidFill>
-                  <a:srgbClr val="00B0F0"/>
-                </a:solidFill>
-                <a:latin typeface="Courier" pitchFamily="2" charset="0"/>
-              </a:rPr>
-              <a:t>apply_along_axis</a:t>
-            </a:r>
-            <a:r>
-              <a:rPr lang="it-IT" dirty="0">
-                <a:latin typeface="Courier" pitchFamily="2" charset="0"/>
-              </a:rPr>
-              <a:t>(</a:t>
-            </a:r>
-            <a:r>
-              <a:rPr lang="it-IT" dirty="0" err="1">
-                <a:latin typeface="Courier" pitchFamily="2" charset="0"/>
-              </a:rPr>
-              <a:t>custom_dct</a:t>
-            </a:r>
-            <a:r>
-              <a:rPr lang="it-IT" dirty="0">
-                <a:latin typeface="Courier" pitchFamily="2" charset="0"/>
-              </a:rPr>
-              <a:t>, </a:t>
-            </a:r>
-            <a:r>
-              <a:rPr lang="it-IT" dirty="0" err="1">
-                <a:solidFill>
-                  <a:schemeClr val="accent4"/>
-                </a:solidFill>
-                <a:latin typeface="Courier" pitchFamily="2" charset="0"/>
-              </a:rPr>
-              <a:t>axis</a:t>
-            </a:r>
-            <a:r>
-              <a:rPr lang="it-IT" dirty="0">
-                <a:solidFill>
-                  <a:srgbClr val="797979"/>
-                </a:solidFill>
-                <a:latin typeface="Courier" pitchFamily="2" charset="0"/>
-              </a:rPr>
-              <a:t>=1</a:t>
-            </a:r>
-            <a:r>
-              <a:rPr lang="it-IT" dirty="0">
-                <a:latin typeface="Courier" pitchFamily="2" charset="0"/>
-              </a:rPr>
-              <a:t>, </a:t>
-            </a:r>
-            <a:r>
-              <a:rPr lang="it-IT" dirty="0" err="1">
-                <a:solidFill>
-                  <a:schemeClr val="accent4"/>
-                </a:solidFill>
-                <a:latin typeface="Courier" pitchFamily="2" charset="0"/>
-              </a:rPr>
-              <a:t>arr</a:t>
-            </a:r>
-            <a:r>
-              <a:rPr lang="it-IT" dirty="0">
-                <a:solidFill>
-                  <a:srgbClr val="797979"/>
-                </a:solidFill>
-                <a:latin typeface="Courier" pitchFamily="2" charset="0"/>
-              </a:rPr>
-              <a:t>=</a:t>
-            </a:r>
-            <a:r>
-              <a:rPr lang="it-IT" dirty="0" err="1">
-                <a:latin typeface="Courier" pitchFamily="2" charset="0"/>
-              </a:rPr>
-              <a:t>mat</a:t>
-            </a:r>
-            <a:r>
-              <a:rPr lang="it-IT" dirty="0">
-                <a:latin typeface="Courier" pitchFamily="2" charset="0"/>
-              </a:rPr>
-              <a:t>)</a:t>
-            </a:r>
-          </a:p>
-          <a:p>
-            <a:r>
-              <a:rPr lang="it-IT" dirty="0">
-                <a:latin typeface="Courier" pitchFamily="2" charset="0"/>
-              </a:rPr>
-              <a:t>    </a:t>
-            </a:r>
-            <a:r>
-              <a:rPr lang="it-IT" dirty="0" err="1">
-                <a:latin typeface="Courier" pitchFamily="2" charset="0"/>
-              </a:rPr>
-              <a:t>r_mat</a:t>
-            </a:r>
-            <a:r>
-              <a:rPr lang="it-IT" dirty="0">
-                <a:latin typeface="Courier" pitchFamily="2" charset="0"/>
-              </a:rPr>
-              <a:t> </a:t>
-            </a:r>
-            <a:r>
-              <a:rPr lang="it-IT" dirty="0">
-                <a:solidFill>
-                  <a:srgbClr val="797979"/>
-                </a:solidFill>
-                <a:latin typeface="Courier" pitchFamily="2" charset="0"/>
-              </a:rPr>
-              <a:t>=</a:t>
-            </a:r>
-            <a:r>
-              <a:rPr lang="it-IT" dirty="0">
-                <a:latin typeface="Courier" pitchFamily="2" charset="0"/>
-              </a:rPr>
-              <a:t> </a:t>
-            </a:r>
-            <a:r>
-              <a:rPr lang="it-IT" dirty="0" err="1">
-                <a:latin typeface="Courier" pitchFamily="2" charset="0"/>
-              </a:rPr>
-              <a:t>np</a:t>
-            </a:r>
-            <a:r>
-              <a:rPr lang="it-IT" dirty="0" err="1">
-                <a:solidFill>
-                  <a:srgbClr val="797979"/>
-                </a:solidFill>
-                <a:latin typeface="Courier" pitchFamily="2" charset="0"/>
-              </a:rPr>
-              <a:t>.</a:t>
-            </a:r>
-            <a:r>
-              <a:rPr lang="it-IT" dirty="0" err="1">
-                <a:solidFill>
-                  <a:srgbClr val="00B0F0"/>
-                </a:solidFill>
-                <a:latin typeface="Courier" pitchFamily="2" charset="0"/>
-              </a:rPr>
-              <a:t>apply_along_axis</a:t>
-            </a:r>
-            <a:r>
-              <a:rPr lang="it-IT" dirty="0">
-                <a:latin typeface="Courier" pitchFamily="2" charset="0"/>
-              </a:rPr>
-              <a:t>(</a:t>
-            </a:r>
-            <a:r>
-              <a:rPr lang="it-IT" dirty="0" err="1">
-                <a:latin typeface="Courier" pitchFamily="2" charset="0"/>
-              </a:rPr>
-              <a:t>custom_dct</a:t>
-            </a:r>
-            <a:r>
-              <a:rPr lang="it-IT" dirty="0">
-                <a:latin typeface="Courier" pitchFamily="2" charset="0"/>
-              </a:rPr>
-              <a:t>, </a:t>
-            </a:r>
-            <a:r>
-              <a:rPr lang="it-IT" dirty="0" err="1">
-                <a:solidFill>
-                  <a:schemeClr val="accent4"/>
-                </a:solidFill>
-                <a:latin typeface="Courier" pitchFamily="2" charset="0"/>
-              </a:rPr>
-              <a:t>axis</a:t>
-            </a:r>
-            <a:r>
-              <a:rPr lang="it-IT" dirty="0">
-                <a:solidFill>
-                  <a:srgbClr val="797979"/>
-                </a:solidFill>
-                <a:latin typeface="Courier" pitchFamily="2" charset="0"/>
-              </a:rPr>
-              <a:t>=0</a:t>
-            </a:r>
-            <a:r>
-              <a:rPr lang="it-IT" dirty="0">
-                <a:latin typeface="Courier" pitchFamily="2" charset="0"/>
-              </a:rPr>
-              <a:t>, </a:t>
-            </a:r>
-            <a:r>
-              <a:rPr lang="it-IT" dirty="0" err="1">
-                <a:solidFill>
-                  <a:schemeClr val="accent4"/>
-                </a:solidFill>
-                <a:latin typeface="Courier" pitchFamily="2" charset="0"/>
-              </a:rPr>
-              <a:t>arr</a:t>
-            </a:r>
-            <a:r>
-              <a:rPr lang="it-IT" dirty="0">
-                <a:solidFill>
-                  <a:srgbClr val="797979"/>
-                </a:solidFill>
-                <a:latin typeface="Courier" pitchFamily="2" charset="0"/>
-              </a:rPr>
-              <a:t>=</a:t>
-            </a:r>
-            <a:r>
-              <a:rPr lang="it-IT" dirty="0" err="1">
-                <a:latin typeface="Courier" pitchFamily="2" charset="0"/>
-              </a:rPr>
-              <a:t>r_mat</a:t>
-            </a:r>
-            <a:r>
-              <a:rPr lang="it-IT" dirty="0">
-                <a:latin typeface="Courier" pitchFamily="2" charset="0"/>
-              </a:rPr>
-              <a:t>)</a:t>
-            </a:r>
-          </a:p>
-          <a:p>
-            <a:endParaRPr lang="it-IT" dirty="0">
-              <a:latin typeface="Courier" pitchFamily="2" charset="0"/>
-            </a:endParaRPr>
-          </a:p>
-          <a:p>
-            <a:r>
-              <a:rPr lang="it-IT" dirty="0">
-                <a:latin typeface="Courier" pitchFamily="2" charset="0"/>
-              </a:rPr>
-              <a:t>    </a:t>
-            </a:r>
-            <a:r>
-              <a:rPr lang="it-IT" b="1" dirty="0" err="1">
-                <a:solidFill>
-                  <a:srgbClr val="008F00"/>
-                </a:solidFill>
-                <a:latin typeface="Courier" pitchFamily="2" charset="0"/>
-              </a:rPr>
-              <a:t>return</a:t>
-            </a:r>
-            <a:r>
-              <a:rPr lang="it-IT" dirty="0">
-                <a:latin typeface="Courier" pitchFamily="2" charset="0"/>
-              </a:rPr>
-              <a:t> </a:t>
-            </a:r>
-            <a:r>
-              <a:rPr lang="it-IT" dirty="0" err="1">
-                <a:latin typeface="Courier" pitchFamily="2" charset="0"/>
-              </a:rPr>
-              <a:t>r_mat</a:t>
-            </a:r>
-            <a:endParaRPr lang="it-IT" dirty="0">
-              <a:effectLst/>
-              <a:latin typeface="Courier" pitchFamily="2" charset="0"/>
-            </a:endParaRPr>
-          </a:p>
-        </p:txBody>
-      </p:sp>
+      </p:pic>
     </p:spTree>
     <p:extLst>
       <p:ext uri="{BB962C8B-B14F-4D97-AF65-F5344CB8AC3E}">
-        <p14:creationId xmlns:p14="http://schemas.microsoft.com/office/powerpoint/2010/main" val="2503317155"/>
+        <p14:creationId xmlns:p14="http://schemas.microsoft.com/office/powerpoint/2010/main" val="4216714226"/>
       </p:ext>
     </p:extLst>
   </p:cSld>
@@ -9767,7 +8498,7 @@
           <p:cNvPr id="2" name="Titolo 1">
             <a:extLst>
               <a:ext uri="{FF2B5EF4-FFF2-40B4-BE49-F238E27FC236}">
-                <a16:creationId xmlns:a16="http://schemas.microsoft.com/office/drawing/2014/main" id="{DC365D28-736F-4CF8-B2AD-DF8214696B79}"/>
+                <a16:creationId xmlns:a16="http://schemas.microsoft.com/office/drawing/2014/main" id="{B3FCA048-C490-49CC-80CE-99BA87D82291}"/>
               </a:ext>
             </a:extLst>
           </p:cNvPr>
@@ -9785,43 +8516,49 @@
           <a:p>
             <a:r>
               <a:rPr lang="it-IT" dirty="0"/>
-              <a:t>Parte 2 – Plot immagini</a:t>
-            </a:r>
+              <a:t>Parte 1 – Tempi di esecuzione </a:t>
+            </a:r>
+            <a:r>
+              <a:rPr lang="it-IT" dirty="0" err="1"/>
+              <a:t>scipy</a:t>
+            </a:r>
+            <a:endParaRPr lang="it-IT" dirty="0"/>
           </a:p>
         </p:txBody>
       </p:sp>
       <p:pic>
         <p:nvPicPr>
-          <p:cNvPr id="5" name="Segnaposto contenuto 4">
+          <p:cNvPr id="7" name="Picture 6">
             <a:extLst>
               <a:ext uri="{FF2B5EF4-FFF2-40B4-BE49-F238E27FC236}">
-                <a16:creationId xmlns:a16="http://schemas.microsoft.com/office/drawing/2014/main" id="{0523A00E-A1CD-4244-9698-55FEEF708259}"/>
+                <a16:creationId xmlns:a16="http://schemas.microsoft.com/office/drawing/2014/main" id="{0377AF79-7232-2F4A-8530-C261D7215C45}"/>
               </a:ext>
             </a:extLst>
           </p:cNvPr>
           <p:cNvPicPr>
-            <a:picLocks noGrp="1" noChangeAspect="1"/>
+            <a:picLocks noChangeAspect="1"/>
           </p:cNvPicPr>
-          <p:nvPr>
-            <p:ph idx="1"/>
-          </p:nvPr>
+          <p:nvPr/>
         </p:nvPicPr>
         <p:blipFill rotWithShape="1">
           <a:blip r:embed="rId2"/>
-          <a:srcRect l="9562" t="24238" r="8463" b="23708"/>
+          <a:srcRect l="8439" t="9762" r="8750" b="8333"/>
           <a:stretch/>
         </p:blipFill>
         <p:spPr>
           <a:xfrm>
-            <a:off x="261378" y="1443713"/>
-            <a:ext cx="11669244" cy="3970574"/>
+            <a:off x="292100" y="1397000"/>
+            <a:ext cx="9274692" cy="4013200"/>
           </a:xfrm>
+          <a:prstGeom prst="rect">
+            <a:avLst/>
+          </a:prstGeom>
         </p:spPr>
       </p:pic>
     </p:spTree>
     <p:extLst>
       <p:ext uri="{BB962C8B-B14F-4D97-AF65-F5344CB8AC3E}">
-        <p14:creationId xmlns:p14="http://schemas.microsoft.com/office/powerpoint/2010/main" val="1994904751"/>
+        <p14:creationId xmlns:p14="http://schemas.microsoft.com/office/powerpoint/2010/main" val="1994556481"/>
       </p:ext>
     </p:extLst>
   </p:cSld>
@@ -9853,7 +8590,7 @@
           <p:cNvPr id="2" name="Titolo 1">
             <a:extLst>
               <a:ext uri="{FF2B5EF4-FFF2-40B4-BE49-F238E27FC236}">
-                <a16:creationId xmlns:a16="http://schemas.microsoft.com/office/drawing/2014/main" id="{88CBE362-CD10-4C92-B069-5B372076FCF1}"/>
+                <a16:creationId xmlns:a16="http://schemas.microsoft.com/office/drawing/2014/main" id="{D7CC44A2-7A6A-4EFE-AD48-24BB1D7F1BC9}"/>
               </a:ext>
             </a:extLst>
           </p:cNvPr>
@@ -9871,43 +8608,1475 @@
           <a:p>
             <a:r>
               <a:rPr lang="it-IT" dirty="0"/>
-              <a:t>Parte 2 – Plot Differenza</a:t>
-            </a:r>
-          </a:p>
-        </p:txBody>
-      </p:sp>
-      <p:pic>
-        <p:nvPicPr>
-          <p:cNvPr id="5" name="Segnaposto contenuto 4">
+              <a:t>Codice Parte 1</a:t>
+            </a:r>
+          </a:p>
+        </p:txBody>
+      </p:sp>
+      <p:sp>
+        <p:nvSpPr>
+          <p:cNvPr id="11" name="Rectangle 10">
             <a:extLst>
               <a:ext uri="{FF2B5EF4-FFF2-40B4-BE49-F238E27FC236}">
-                <a16:creationId xmlns:a16="http://schemas.microsoft.com/office/drawing/2014/main" id="{ED3A02CC-94B9-4288-B15F-937A32EAEA5F}"/>
+                <a16:creationId xmlns:a16="http://schemas.microsoft.com/office/drawing/2014/main" id="{56E97534-75FA-1547-B980-75CD05AF3091}"/>
               </a:ext>
             </a:extLst>
           </p:cNvPr>
-          <p:cNvPicPr>
-            <a:picLocks noGrp="1" noChangeAspect="1"/>
-          </p:cNvPicPr>
-          <p:nvPr>
-            <p:ph idx="1"/>
-          </p:nvPr>
-        </p:nvPicPr>
-        <p:blipFill rotWithShape="1">
-          <a:blip r:embed="rId2"/>
-          <a:srcRect l="16511" t="8244" r="14450" b="6796"/>
-          <a:stretch/>
-        </p:blipFill>
+          <p:cNvSpPr/>
+          <p:nvPr/>
+        </p:nvSpPr>
         <p:spPr>
           <a:xfrm>
-            <a:off x="1219498" y="1397047"/>
-            <a:ext cx="8054504" cy="5460953"/>
+            <a:off x="677330" y="1301531"/>
+            <a:ext cx="10274445" cy="3539430"/>
           </a:xfrm>
+          <a:prstGeom prst="rect">
+            <a:avLst/>
+          </a:prstGeom>
         </p:spPr>
-      </p:pic>
+        <p:txBody>
+          <a:bodyPr wrap="square">
+            <a:spAutoFit/>
+          </a:bodyPr>
+          <a:lstStyle/>
+          <a:p>
+            <a:r>
+              <a:rPr lang="it-IT" sz="1600" b="1" dirty="0" err="1">
+                <a:solidFill>
+                  <a:srgbClr val="008F00"/>
+                </a:solidFill>
+                <a:latin typeface="Courier" pitchFamily="2" charset="0"/>
+              </a:rPr>
+              <a:t>def</a:t>
+            </a:r>
+            <a:r>
+              <a:rPr lang="it-IT" sz="1600" dirty="0">
+                <a:solidFill>
+                  <a:srgbClr val="000000"/>
+                </a:solidFill>
+                <a:latin typeface="Courier" pitchFamily="2" charset="0"/>
+              </a:rPr>
+              <a:t> </a:t>
+            </a:r>
+            <a:r>
+              <a:rPr lang="it-IT" sz="1600" dirty="0" err="1">
+                <a:solidFill>
+                  <a:srgbClr val="0433FF"/>
+                </a:solidFill>
+                <a:latin typeface="Courier" pitchFamily="2" charset="0"/>
+              </a:rPr>
+              <a:t>custom_dct</a:t>
+            </a:r>
+            <a:r>
+              <a:rPr lang="it-IT" sz="1600" dirty="0">
+                <a:solidFill>
+                  <a:srgbClr val="000000"/>
+                </a:solidFill>
+                <a:latin typeface="Courier" pitchFamily="2" charset="0"/>
+              </a:rPr>
+              <a:t>(array):</a:t>
+            </a:r>
+            <a:endParaRPr lang="it-IT" sz="1600" dirty="0">
+              <a:solidFill>
+                <a:srgbClr val="0433FF"/>
+              </a:solidFill>
+              <a:latin typeface="Courier" pitchFamily="2" charset="0"/>
+            </a:endParaRPr>
+          </a:p>
+          <a:p>
+            <a:r>
+              <a:rPr lang="it-IT" sz="1600" dirty="0">
+                <a:latin typeface="Courier" pitchFamily="2" charset="0"/>
+              </a:rPr>
+              <a:t>    </a:t>
+            </a:r>
+            <a:r>
+              <a:rPr lang="it-IT" sz="1600" dirty="0" err="1">
+                <a:latin typeface="Courier" pitchFamily="2" charset="0"/>
+              </a:rPr>
+              <a:t>r_array</a:t>
+            </a:r>
+            <a:r>
+              <a:rPr lang="it-IT" sz="1600" dirty="0">
+                <a:latin typeface="Courier" pitchFamily="2" charset="0"/>
+              </a:rPr>
+              <a:t> </a:t>
+            </a:r>
+            <a:r>
+              <a:rPr lang="it-IT" sz="1600" dirty="0">
+                <a:solidFill>
+                  <a:srgbClr val="797979"/>
+                </a:solidFill>
+                <a:latin typeface="Courier" pitchFamily="2" charset="0"/>
+              </a:rPr>
+              <a:t>=</a:t>
+            </a:r>
+            <a:r>
+              <a:rPr lang="it-IT" sz="1600" dirty="0">
+                <a:latin typeface="Courier" pitchFamily="2" charset="0"/>
+              </a:rPr>
+              <a:t> </a:t>
+            </a:r>
+            <a:r>
+              <a:rPr lang="it-IT" sz="1600" dirty="0" err="1">
+                <a:latin typeface="Courier" pitchFamily="2" charset="0"/>
+              </a:rPr>
+              <a:t>np</a:t>
+            </a:r>
+            <a:r>
+              <a:rPr lang="it-IT" sz="1600" dirty="0" err="1">
+                <a:solidFill>
+                  <a:srgbClr val="797979"/>
+                </a:solidFill>
+                <a:latin typeface="Courier" pitchFamily="2" charset="0"/>
+              </a:rPr>
+              <a:t>.</a:t>
+            </a:r>
+            <a:r>
+              <a:rPr lang="it-IT" sz="1600" dirty="0" err="1">
+                <a:solidFill>
+                  <a:srgbClr val="00B0F0"/>
+                </a:solidFill>
+                <a:latin typeface="Courier" pitchFamily="2" charset="0"/>
+              </a:rPr>
+              <a:t>zeros</a:t>
+            </a:r>
+            <a:r>
+              <a:rPr lang="it-IT" sz="1600" dirty="0">
+                <a:latin typeface="Courier" pitchFamily="2" charset="0"/>
+              </a:rPr>
+              <a:t>(</a:t>
+            </a:r>
+            <a:r>
+              <a:rPr lang="it-IT" sz="1600" dirty="0" err="1">
+                <a:latin typeface="Courier" pitchFamily="2" charset="0"/>
+              </a:rPr>
+              <a:t>array</a:t>
+            </a:r>
+            <a:r>
+              <a:rPr lang="it-IT" sz="1600" dirty="0" err="1">
+                <a:solidFill>
+                  <a:srgbClr val="797979"/>
+                </a:solidFill>
+                <a:latin typeface="Courier" pitchFamily="2" charset="0"/>
+              </a:rPr>
+              <a:t>.</a:t>
+            </a:r>
+            <a:r>
+              <a:rPr lang="it-IT" sz="1600" dirty="0" err="1">
+                <a:latin typeface="Courier" pitchFamily="2" charset="0"/>
+              </a:rPr>
+              <a:t>size</a:t>
+            </a:r>
+            <a:r>
+              <a:rPr lang="it-IT" sz="1600" dirty="0">
+                <a:latin typeface="Courier" pitchFamily="2" charset="0"/>
+              </a:rPr>
+              <a:t>)</a:t>
+            </a:r>
+          </a:p>
+          <a:p>
+            <a:r>
+              <a:rPr lang="it-IT" sz="1600" dirty="0">
+                <a:latin typeface="Courier" pitchFamily="2" charset="0"/>
+              </a:rPr>
+              <a:t>    </a:t>
+            </a:r>
+            <a:r>
+              <a:rPr lang="it-IT" sz="1600" dirty="0" err="1">
+                <a:latin typeface="Courier" pitchFamily="2" charset="0"/>
+              </a:rPr>
+              <a:t>N</a:t>
+            </a:r>
+            <a:r>
+              <a:rPr lang="it-IT" sz="1600" dirty="0">
+                <a:latin typeface="Courier" pitchFamily="2" charset="0"/>
+              </a:rPr>
+              <a:t> </a:t>
+            </a:r>
+            <a:r>
+              <a:rPr lang="it-IT" sz="1600" dirty="0">
+                <a:solidFill>
+                  <a:srgbClr val="797979"/>
+                </a:solidFill>
+                <a:latin typeface="Courier" pitchFamily="2" charset="0"/>
+              </a:rPr>
+              <a:t>=</a:t>
+            </a:r>
+            <a:r>
+              <a:rPr lang="it-IT" sz="1600" dirty="0">
+                <a:latin typeface="Courier" pitchFamily="2" charset="0"/>
+              </a:rPr>
+              <a:t> </a:t>
+            </a:r>
+            <a:r>
+              <a:rPr lang="it-IT" sz="1600" dirty="0" err="1">
+                <a:latin typeface="Courier" pitchFamily="2" charset="0"/>
+              </a:rPr>
+              <a:t>array</a:t>
+            </a:r>
+            <a:r>
+              <a:rPr lang="it-IT" sz="1600" dirty="0" err="1">
+                <a:solidFill>
+                  <a:srgbClr val="797979"/>
+                </a:solidFill>
+                <a:latin typeface="Courier" pitchFamily="2" charset="0"/>
+              </a:rPr>
+              <a:t>.</a:t>
+            </a:r>
+            <a:r>
+              <a:rPr lang="it-IT" sz="1600" dirty="0" err="1">
+                <a:latin typeface="Courier" pitchFamily="2" charset="0"/>
+              </a:rPr>
+              <a:t>size</a:t>
+            </a:r>
+            <a:endParaRPr lang="it-IT" sz="1600" dirty="0">
+              <a:latin typeface="Courier" pitchFamily="2" charset="0"/>
+            </a:endParaRPr>
+          </a:p>
+          <a:p>
+            <a:endParaRPr lang="it-IT" sz="1600" dirty="0">
+              <a:latin typeface="Courier" pitchFamily="2" charset="0"/>
+            </a:endParaRPr>
+          </a:p>
+          <a:p>
+            <a:r>
+              <a:rPr lang="it-IT" sz="1600" dirty="0">
+                <a:latin typeface="Courier" pitchFamily="2" charset="0"/>
+              </a:rPr>
+              <a:t>    </a:t>
+            </a:r>
+            <a:r>
+              <a:rPr lang="it-IT" sz="1600" b="1" dirty="0">
+                <a:solidFill>
+                  <a:srgbClr val="008F00"/>
+                </a:solidFill>
+                <a:latin typeface="Courier" pitchFamily="2" charset="0"/>
+              </a:rPr>
+              <a:t>for</a:t>
+            </a:r>
+            <a:r>
+              <a:rPr lang="it-IT" sz="1600" dirty="0">
+                <a:latin typeface="Courier" pitchFamily="2" charset="0"/>
+              </a:rPr>
+              <a:t> u </a:t>
+            </a:r>
+            <a:r>
+              <a:rPr lang="it-IT" sz="1600" b="1" dirty="0">
+                <a:solidFill>
+                  <a:srgbClr val="BB49FF"/>
+                </a:solidFill>
+                <a:latin typeface="Courier" pitchFamily="2" charset="0"/>
+              </a:rPr>
+              <a:t>in</a:t>
+            </a:r>
+            <a:r>
+              <a:rPr lang="it-IT" sz="1600" dirty="0">
+                <a:latin typeface="Courier" pitchFamily="2" charset="0"/>
+              </a:rPr>
+              <a:t> </a:t>
+            </a:r>
+            <a:r>
+              <a:rPr lang="it-IT" sz="1600" dirty="0" err="1">
+                <a:solidFill>
+                  <a:srgbClr val="008F00"/>
+                </a:solidFill>
+                <a:latin typeface="Courier" pitchFamily="2" charset="0"/>
+              </a:rPr>
+              <a:t>range</a:t>
+            </a:r>
+            <a:r>
+              <a:rPr lang="it-IT" sz="1600" dirty="0">
+                <a:latin typeface="Courier" pitchFamily="2" charset="0"/>
+              </a:rPr>
+              <a:t>(</a:t>
+            </a:r>
+            <a:r>
+              <a:rPr lang="it-IT" sz="1600" dirty="0" err="1">
+                <a:latin typeface="Courier" pitchFamily="2" charset="0"/>
+              </a:rPr>
+              <a:t>N</a:t>
+            </a:r>
+            <a:r>
+              <a:rPr lang="it-IT" sz="1600" dirty="0">
+                <a:latin typeface="Courier" pitchFamily="2" charset="0"/>
+              </a:rPr>
+              <a:t>):</a:t>
+            </a:r>
+          </a:p>
+          <a:p>
+            <a:r>
+              <a:rPr lang="it-IT" sz="1600" dirty="0">
+                <a:latin typeface="Courier" pitchFamily="2" charset="0"/>
+              </a:rPr>
+              <a:t>        somma </a:t>
+            </a:r>
+            <a:r>
+              <a:rPr lang="it-IT" sz="1600" dirty="0">
+                <a:solidFill>
+                  <a:srgbClr val="797979"/>
+                </a:solidFill>
+                <a:latin typeface="Courier" pitchFamily="2" charset="0"/>
+              </a:rPr>
+              <a:t>=</a:t>
+            </a:r>
+            <a:r>
+              <a:rPr lang="it-IT" sz="1600" dirty="0">
+                <a:latin typeface="Courier" pitchFamily="2" charset="0"/>
+              </a:rPr>
+              <a:t> </a:t>
+            </a:r>
+            <a:r>
+              <a:rPr lang="it-IT" sz="1600" dirty="0">
+                <a:solidFill>
+                  <a:srgbClr val="797979"/>
+                </a:solidFill>
+                <a:latin typeface="Courier" pitchFamily="2" charset="0"/>
+              </a:rPr>
+              <a:t>0</a:t>
+            </a:r>
+            <a:endParaRPr lang="it-IT" sz="1600" dirty="0">
+              <a:latin typeface="Courier" pitchFamily="2" charset="0"/>
+            </a:endParaRPr>
+          </a:p>
+          <a:p>
+            <a:r>
+              <a:rPr lang="it-IT" sz="1600" dirty="0">
+                <a:latin typeface="Courier" pitchFamily="2" charset="0"/>
+              </a:rPr>
+              <a:t>        a </a:t>
+            </a:r>
+            <a:r>
+              <a:rPr lang="it-IT" sz="1600" dirty="0">
+                <a:solidFill>
+                  <a:srgbClr val="797979"/>
+                </a:solidFill>
+                <a:latin typeface="Courier" pitchFamily="2" charset="0"/>
+              </a:rPr>
+              <a:t>=</a:t>
+            </a:r>
+            <a:r>
+              <a:rPr lang="it-IT" sz="1600" dirty="0">
+                <a:latin typeface="Courier" pitchFamily="2" charset="0"/>
+              </a:rPr>
+              <a:t> </a:t>
+            </a:r>
+            <a:r>
+              <a:rPr lang="it-IT" sz="1600" dirty="0" err="1">
+                <a:latin typeface="Courier" pitchFamily="2" charset="0"/>
+              </a:rPr>
+              <a:t>math</a:t>
+            </a:r>
+            <a:r>
+              <a:rPr lang="it-IT" sz="1600" dirty="0" err="1">
+                <a:solidFill>
+                  <a:srgbClr val="797979"/>
+                </a:solidFill>
+                <a:latin typeface="Courier" pitchFamily="2" charset="0"/>
+              </a:rPr>
+              <a:t>.</a:t>
+            </a:r>
+            <a:r>
+              <a:rPr lang="it-IT" sz="1600" dirty="0" err="1">
+                <a:solidFill>
+                  <a:srgbClr val="00B0F0"/>
+                </a:solidFill>
+                <a:latin typeface="Courier" pitchFamily="2" charset="0"/>
+              </a:rPr>
+              <a:t>sqrt</a:t>
+            </a:r>
+            <a:r>
+              <a:rPr lang="it-IT" sz="1600" dirty="0">
+                <a:latin typeface="Courier" pitchFamily="2" charset="0"/>
+              </a:rPr>
+              <a:t>(</a:t>
+            </a:r>
+            <a:r>
+              <a:rPr lang="it-IT" sz="1600" dirty="0">
+                <a:solidFill>
+                  <a:srgbClr val="797979"/>
+                </a:solidFill>
+                <a:latin typeface="Courier" pitchFamily="2" charset="0"/>
+              </a:rPr>
+              <a:t>1.</a:t>
+            </a:r>
+            <a:r>
+              <a:rPr lang="it-IT" sz="1600" dirty="0">
+                <a:latin typeface="Courier" pitchFamily="2" charset="0"/>
+              </a:rPr>
+              <a:t> </a:t>
+            </a:r>
+            <a:r>
+              <a:rPr lang="it-IT" sz="1600" dirty="0">
+                <a:solidFill>
+                  <a:srgbClr val="797979"/>
+                </a:solidFill>
+                <a:latin typeface="Courier" pitchFamily="2" charset="0"/>
+              </a:rPr>
+              <a:t>/</a:t>
+            </a:r>
+            <a:r>
+              <a:rPr lang="it-IT" sz="1600" dirty="0">
+                <a:latin typeface="Courier" pitchFamily="2" charset="0"/>
+              </a:rPr>
+              <a:t> </a:t>
+            </a:r>
+            <a:r>
+              <a:rPr lang="it-IT" sz="1600" dirty="0" err="1">
+                <a:latin typeface="Courier" pitchFamily="2" charset="0"/>
+              </a:rPr>
+              <a:t>N</a:t>
+            </a:r>
+            <a:r>
+              <a:rPr lang="it-IT" sz="1600" dirty="0">
+                <a:latin typeface="Courier" pitchFamily="2" charset="0"/>
+              </a:rPr>
+              <a:t>) </a:t>
+            </a:r>
+            <a:r>
+              <a:rPr lang="it-IT" sz="1600" b="1" dirty="0" err="1">
+                <a:solidFill>
+                  <a:srgbClr val="008F00"/>
+                </a:solidFill>
+                <a:latin typeface="Courier" pitchFamily="2" charset="0"/>
+              </a:rPr>
+              <a:t>if</a:t>
+            </a:r>
+            <a:r>
+              <a:rPr lang="it-IT" sz="1600" dirty="0">
+                <a:latin typeface="Courier" pitchFamily="2" charset="0"/>
+              </a:rPr>
+              <a:t> u </a:t>
+            </a:r>
+            <a:r>
+              <a:rPr lang="it-IT" sz="1600" dirty="0">
+                <a:solidFill>
+                  <a:srgbClr val="797979"/>
+                </a:solidFill>
+                <a:latin typeface="Courier" pitchFamily="2" charset="0"/>
+              </a:rPr>
+              <a:t>==</a:t>
+            </a:r>
+            <a:r>
+              <a:rPr lang="it-IT" sz="1600" dirty="0">
+                <a:latin typeface="Courier" pitchFamily="2" charset="0"/>
+              </a:rPr>
+              <a:t> </a:t>
+            </a:r>
+            <a:r>
+              <a:rPr lang="it-IT" sz="1600" dirty="0">
+                <a:solidFill>
+                  <a:srgbClr val="797979"/>
+                </a:solidFill>
+                <a:latin typeface="Courier" pitchFamily="2" charset="0"/>
+              </a:rPr>
+              <a:t>0</a:t>
+            </a:r>
+            <a:r>
+              <a:rPr lang="it-IT" sz="1600" dirty="0">
+                <a:latin typeface="Courier" pitchFamily="2" charset="0"/>
+              </a:rPr>
+              <a:t> </a:t>
+            </a:r>
+            <a:r>
+              <a:rPr lang="it-IT" sz="1600" b="1" dirty="0">
+                <a:solidFill>
+                  <a:srgbClr val="008F00"/>
+                </a:solidFill>
+                <a:latin typeface="Courier" pitchFamily="2" charset="0"/>
+              </a:rPr>
+              <a:t>else</a:t>
+            </a:r>
+            <a:r>
+              <a:rPr lang="it-IT" sz="1600" dirty="0">
+                <a:latin typeface="Courier" pitchFamily="2" charset="0"/>
+              </a:rPr>
+              <a:t> </a:t>
+            </a:r>
+            <a:r>
+              <a:rPr lang="it-IT" sz="1600" dirty="0" err="1">
+                <a:latin typeface="Courier" pitchFamily="2" charset="0"/>
+              </a:rPr>
+              <a:t>math</a:t>
+            </a:r>
+            <a:r>
+              <a:rPr lang="it-IT" sz="1600" dirty="0" err="1">
+                <a:solidFill>
+                  <a:srgbClr val="797979"/>
+                </a:solidFill>
+                <a:latin typeface="Courier" pitchFamily="2" charset="0"/>
+              </a:rPr>
+              <a:t>.</a:t>
+            </a:r>
+            <a:r>
+              <a:rPr lang="it-IT" sz="1600" dirty="0" err="1">
+                <a:solidFill>
+                  <a:srgbClr val="00B0F0"/>
+                </a:solidFill>
+                <a:latin typeface="Courier" pitchFamily="2" charset="0"/>
+              </a:rPr>
+              <a:t>sqrt</a:t>
+            </a:r>
+            <a:r>
+              <a:rPr lang="it-IT" sz="1600" dirty="0">
+                <a:latin typeface="Courier" pitchFamily="2" charset="0"/>
+              </a:rPr>
+              <a:t>(</a:t>
+            </a:r>
+            <a:r>
+              <a:rPr lang="it-IT" sz="1600" dirty="0">
+                <a:solidFill>
+                  <a:srgbClr val="797979"/>
+                </a:solidFill>
+                <a:latin typeface="Courier" pitchFamily="2" charset="0"/>
+              </a:rPr>
+              <a:t>2.</a:t>
+            </a:r>
+            <a:r>
+              <a:rPr lang="it-IT" sz="1600" dirty="0">
+                <a:latin typeface="Courier" pitchFamily="2" charset="0"/>
+              </a:rPr>
+              <a:t> </a:t>
+            </a:r>
+            <a:r>
+              <a:rPr lang="it-IT" sz="1600" dirty="0">
+                <a:solidFill>
+                  <a:srgbClr val="797979"/>
+                </a:solidFill>
+                <a:latin typeface="Courier" pitchFamily="2" charset="0"/>
+              </a:rPr>
+              <a:t>/</a:t>
+            </a:r>
+            <a:r>
+              <a:rPr lang="it-IT" sz="1600" dirty="0">
+                <a:latin typeface="Courier" pitchFamily="2" charset="0"/>
+              </a:rPr>
+              <a:t> </a:t>
+            </a:r>
+            <a:r>
+              <a:rPr lang="it-IT" sz="1600" dirty="0" err="1">
+                <a:latin typeface="Courier" pitchFamily="2" charset="0"/>
+              </a:rPr>
+              <a:t>N</a:t>
+            </a:r>
+            <a:r>
+              <a:rPr lang="it-IT" sz="1600" dirty="0">
+                <a:latin typeface="Courier" pitchFamily="2" charset="0"/>
+              </a:rPr>
+              <a:t>)</a:t>
+            </a:r>
+            <a:br>
+              <a:rPr lang="it-IT" sz="1600" dirty="0">
+                <a:latin typeface="Courier" pitchFamily="2" charset="0"/>
+              </a:rPr>
+            </a:br>
+            <a:endParaRPr lang="it-IT" sz="1600" dirty="0">
+              <a:latin typeface="Courier" pitchFamily="2" charset="0"/>
+            </a:endParaRPr>
+          </a:p>
+          <a:p>
+            <a:r>
+              <a:rPr lang="it-IT" sz="1600" dirty="0">
+                <a:latin typeface="Courier" pitchFamily="2" charset="0"/>
+              </a:rPr>
+              <a:t>        </a:t>
+            </a:r>
+            <a:r>
+              <a:rPr lang="it-IT" sz="1600" b="1" dirty="0">
+                <a:solidFill>
+                  <a:srgbClr val="008F00"/>
+                </a:solidFill>
+                <a:latin typeface="Courier" pitchFamily="2" charset="0"/>
+              </a:rPr>
+              <a:t>for</a:t>
+            </a:r>
+            <a:r>
+              <a:rPr lang="it-IT" sz="1600" dirty="0">
+                <a:latin typeface="Courier" pitchFamily="2" charset="0"/>
+              </a:rPr>
+              <a:t> x, </a:t>
+            </a:r>
+            <a:r>
+              <a:rPr lang="it-IT" sz="1600" dirty="0" err="1">
+                <a:latin typeface="Courier" pitchFamily="2" charset="0"/>
+              </a:rPr>
+              <a:t>cell</a:t>
+            </a:r>
+            <a:r>
+              <a:rPr lang="it-IT" sz="1600" dirty="0">
+                <a:latin typeface="Courier" pitchFamily="2" charset="0"/>
+              </a:rPr>
+              <a:t> </a:t>
+            </a:r>
+            <a:r>
+              <a:rPr lang="it-IT" sz="1600" b="1" dirty="0">
+                <a:solidFill>
+                  <a:srgbClr val="BB49FF"/>
+                </a:solidFill>
+                <a:latin typeface="Courier" pitchFamily="2" charset="0"/>
+              </a:rPr>
+              <a:t>in</a:t>
+            </a:r>
+            <a:r>
+              <a:rPr lang="it-IT" sz="1600" dirty="0">
+                <a:latin typeface="Courier" pitchFamily="2" charset="0"/>
+              </a:rPr>
+              <a:t> </a:t>
+            </a:r>
+            <a:r>
+              <a:rPr lang="it-IT" sz="1600" dirty="0">
+                <a:solidFill>
+                  <a:srgbClr val="008F00"/>
+                </a:solidFill>
+                <a:latin typeface="Courier" pitchFamily="2" charset="0"/>
+              </a:rPr>
+              <a:t>enumerate</a:t>
+            </a:r>
+            <a:r>
+              <a:rPr lang="it-IT" sz="1600" dirty="0">
+                <a:latin typeface="Courier" pitchFamily="2" charset="0"/>
+              </a:rPr>
+              <a:t>(array):</a:t>
+            </a:r>
+          </a:p>
+          <a:p>
+            <a:r>
+              <a:rPr lang="it-IT" sz="1600" dirty="0">
+                <a:latin typeface="Courier" pitchFamily="2" charset="0"/>
+              </a:rPr>
+              <a:t>            somma </a:t>
+            </a:r>
+            <a:r>
+              <a:rPr lang="it-IT" sz="1600" dirty="0">
+                <a:solidFill>
+                  <a:srgbClr val="797979"/>
+                </a:solidFill>
+                <a:latin typeface="Courier" pitchFamily="2" charset="0"/>
+              </a:rPr>
+              <a:t>+=</a:t>
+            </a:r>
+            <a:r>
+              <a:rPr lang="it-IT" sz="1600" dirty="0">
+                <a:latin typeface="Courier" pitchFamily="2" charset="0"/>
+              </a:rPr>
+              <a:t> </a:t>
+            </a:r>
+            <a:r>
+              <a:rPr lang="it-IT" sz="1600" dirty="0" err="1">
+                <a:latin typeface="Courier" pitchFamily="2" charset="0"/>
+              </a:rPr>
+              <a:t>cell</a:t>
+            </a:r>
+            <a:r>
+              <a:rPr lang="it-IT" sz="1600" dirty="0">
+                <a:latin typeface="Courier" pitchFamily="2" charset="0"/>
+              </a:rPr>
+              <a:t> </a:t>
+            </a:r>
+            <a:r>
+              <a:rPr lang="it-IT" sz="1600" dirty="0">
+                <a:solidFill>
+                  <a:srgbClr val="797979"/>
+                </a:solidFill>
+                <a:latin typeface="Courier" pitchFamily="2" charset="0"/>
+              </a:rPr>
+              <a:t>*</a:t>
+            </a:r>
+            <a:r>
+              <a:rPr lang="it-IT" sz="1600" dirty="0">
+                <a:latin typeface="Courier" pitchFamily="2" charset="0"/>
+              </a:rPr>
+              <a:t> </a:t>
+            </a:r>
+            <a:r>
+              <a:rPr lang="it-IT" sz="1600" dirty="0" err="1">
+                <a:latin typeface="Courier" pitchFamily="2" charset="0"/>
+              </a:rPr>
+              <a:t>math</a:t>
+            </a:r>
+            <a:r>
+              <a:rPr lang="it-IT" sz="1600" dirty="0" err="1">
+                <a:solidFill>
+                  <a:srgbClr val="797979"/>
+                </a:solidFill>
+                <a:latin typeface="Courier" pitchFamily="2" charset="0"/>
+              </a:rPr>
+              <a:t>.</a:t>
+            </a:r>
+            <a:r>
+              <a:rPr lang="it-IT" sz="1600" dirty="0" err="1">
+                <a:solidFill>
+                  <a:srgbClr val="00B0F0"/>
+                </a:solidFill>
+                <a:latin typeface="Courier" pitchFamily="2" charset="0"/>
+              </a:rPr>
+              <a:t>cos</a:t>
+            </a:r>
+            <a:r>
+              <a:rPr lang="it-IT" sz="1600" dirty="0">
+                <a:latin typeface="Courier" pitchFamily="2" charset="0"/>
+              </a:rPr>
+              <a:t>((u </a:t>
+            </a:r>
+            <a:r>
+              <a:rPr lang="it-IT" sz="1600" dirty="0">
+                <a:solidFill>
+                  <a:srgbClr val="797979"/>
+                </a:solidFill>
+                <a:latin typeface="Courier" pitchFamily="2" charset="0"/>
+              </a:rPr>
+              <a:t>*</a:t>
+            </a:r>
+            <a:r>
+              <a:rPr lang="it-IT" sz="1600" dirty="0">
+                <a:latin typeface="Courier" pitchFamily="2" charset="0"/>
+              </a:rPr>
+              <a:t> </a:t>
+            </a:r>
+            <a:r>
+              <a:rPr lang="it-IT" sz="1600" dirty="0" err="1">
+                <a:latin typeface="Courier" pitchFamily="2" charset="0"/>
+              </a:rPr>
+              <a:t>math</a:t>
+            </a:r>
+            <a:r>
+              <a:rPr lang="it-IT" sz="1600" dirty="0" err="1">
+                <a:solidFill>
+                  <a:srgbClr val="797979"/>
+                </a:solidFill>
+                <a:latin typeface="Courier" pitchFamily="2" charset="0"/>
+              </a:rPr>
+              <a:t>.</a:t>
+            </a:r>
+            <a:r>
+              <a:rPr lang="it-IT" sz="1600" dirty="0" err="1">
+                <a:latin typeface="Courier" pitchFamily="2" charset="0"/>
+              </a:rPr>
+              <a:t>pi</a:t>
+            </a:r>
+            <a:r>
+              <a:rPr lang="it-IT" sz="1600" dirty="0">
+                <a:latin typeface="Courier" pitchFamily="2" charset="0"/>
+              </a:rPr>
+              <a:t> </a:t>
+            </a:r>
+            <a:r>
+              <a:rPr lang="it-IT" sz="1600" dirty="0">
+                <a:solidFill>
+                  <a:srgbClr val="797979"/>
+                </a:solidFill>
+                <a:latin typeface="Courier" pitchFamily="2" charset="0"/>
+              </a:rPr>
+              <a:t>*</a:t>
+            </a:r>
+            <a:r>
+              <a:rPr lang="it-IT" sz="1600" dirty="0">
+                <a:latin typeface="Courier" pitchFamily="2" charset="0"/>
+              </a:rPr>
+              <a:t> (</a:t>
+            </a:r>
+            <a:r>
+              <a:rPr lang="it-IT" sz="1600" dirty="0">
+                <a:solidFill>
+                  <a:srgbClr val="797979"/>
+                </a:solidFill>
+                <a:latin typeface="Courier" pitchFamily="2" charset="0"/>
+              </a:rPr>
+              <a:t>2</a:t>
+            </a:r>
+            <a:r>
+              <a:rPr lang="it-IT" sz="1600" dirty="0">
+                <a:latin typeface="Courier" pitchFamily="2" charset="0"/>
+              </a:rPr>
+              <a:t> </a:t>
+            </a:r>
+            <a:r>
+              <a:rPr lang="it-IT" sz="1600" dirty="0">
+                <a:solidFill>
+                  <a:srgbClr val="797979"/>
+                </a:solidFill>
+                <a:latin typeface="Courier" pitchFamily="2" charset="0"/>
+              </a:rPr>
+              <a:t>*</a:t>
+            </a:r>
+            <a:r>
+              <a:rPr lang="it-IT" sz="1600" dirty="0">
+                <a:latin typeface="Courier" pitchFamily="2" charset="0"/>
+              </a:rPr>
+              <a:t> x </a:t>
+            </a:r>
+            <a:r>
+              <a:rPr lang="it-IT" sz="1600" dirty="0">
+                <a:solidFill>
+                  <a:srgbClr val="797979"/>
+                </a:solidFill>
+                <a:latin typeface="Courier" pitchFamily="2" charset="0"/>
+              </a:rPr>
+              <a:t>+</a:t>
+            </a:r>
+            <a:r>
+              <a:rPr lang="it-IT" sz="1600" dirty="0">
+                <a:latin typeface="Courier" pitchFamily="2" charset="0"/>
+              </a:rPr>
+              <a:t> </a:t>
+            </a:r>
+            <a:r>
+              <a:rPr lang="it-IT" sz="1600" dirty="0">
+                <a:solidFill>
+                  <a:srgbClr val="797979"/>
+                </a:solidFill>
+                <a:latin typeface="Courier" pitchFamily="2" charset="0"/>
+              </a:rPr>
+              <a:t>1</a:t>
+            </a:r>
+            <a:r>
+              <a:rPr lang="it-IT" sz="1600" dirty="0">
+                <a:latin typeface="Courier" pitchFamily="2" charset="0"/>
+              </a:rPr>
+              <a:t>)) </a:t>
+            </a:r>
+            <a:r>
+              <a:rPr lang="it-IT" sz="1600" dirty="0">
+                <a:solidFill>
+                  <a:srgbClr val="797979"/>
+                </a:solidFill>
+                <a:latin typeface="Courier" pitchFamily="2" charset="0"/>
+              </a:rPr>
+              <a:t>/</a:t>
+            </a:r>
+            <a:r>
+              <a:rPr lang="it-IT" sz="1600" dirty="0">
+                <a:latin typeface="Courier" pitchFamily="2" charset="0"/>
+              </a:rPr>
+              <a:t> (</a:t>
+            </a:r>
+            <a:r>
+              <a:rPr lang="it-IT" sz="1600" dirty="0">
+                <a:solidFill>
+                  <a:srgbClr val="797979"/>
+                </a:solidFill>
+                <a:latin typeface="Courier" pitchFamily="2" charset="0"/>
+              </a:rPr>
+              <a:t>2</a:t>
+            </a:r>
+            <a:r>
+              <a:rPr lang="it-IT" sz="1600" dirty="0">
+                <a:latin typeface="Courier" pitchFamily="2" charset="0"/>
+              </a:rPr>
+              <a:t> </a:t>
+            </a:r>
+            <a:r>
+              <a:rPr lang="it-IT" sz="1600" dirty="0">
+                <a:solidFill>
+                  <a:srgbClr val="797979"/>
+                </a:solidFill>
+                <a:latin typeface="Courier" pitchFamily="2" charset="0"/>
+              </a:rPr>
+              <a:t>*</a:t>
+            </a:r>
+            <a:r>
+              <a:rPr lang="it-IT" sz="1600" dirty="0">
+                <a:latin typeface="Courier" pitchFamily="2" charset="0"/>
+              </a:rPr>
+              <a:t> </a:t>
+            </a:r>
+            <a:r>
+              <a:rPr lang="it-IT" sz="1600" dirty="0" err="1">
+                <a:latin typeface="Courier" pitchFamily="2" charset="0"/>
+              </a:rPr>
+              <a:t>N</a:t>
+            </a:r>
+            <a:r>
+              <a:rPr lang="it-IT" sz="1600" dirty="0">
+                <a:latin typeface="Courier" pitchFamily="2" charset="0"/>
+              </a:rPr>
+              <a:t>))</a:t>
+            </a:r>
+            <a:br>
+              <a:rPr lang="it-IT" sz="1600" dirty="0">
+                <a:latin typeface="Courier" pitchFamily="2" charset="0"/>
+              </a:rPr>
+            </a:br>
+            <a:endParaRPr lang="it-IT" sz="1600" dirty="0">
+              <a:latin typeface="Courier" pitchFamily="2" charset="0"/>
+            </a:endParaRPr>
+          </a:p>
+          <a:p>
+            <a:r>
+              <a:rPr lang="it-IT" sz="1600" dirty="0">
+                <a:latin typeface="Courier" pitchFamily="2" charset="0"/>
+              </a:rPr>
+              <a:t>        </a:t>
+            </a:r>
+            <a:r>
+              <a:rPr lang="it-IT" sz="1600" dirty="0" err="1">
+                <a:latin typeface="Courier" pitchFamily="2" charset="0"/>
+              </a:rPr>
+              <a:t>r_array</a:t>
+            </a:r>
+            <a:r>
+              <a:rPr lang="it-IT" sz="1600" dirty="0">
+                <a:latin typeface="Courier" pitchFamily="2" charset="0"/>
+              </a:rPr>
+              <a:t>[u] </a:t>
+            </a:r>
+            <a:r>
+              <a:rPr lang="it-IT" sz="1600" dirty="0">
+                <a:solidFill>
+                  <a:srgbClr val="797979"/>
+                </a:solidFill>
+                <a:latin typeface="Courier" pitchFamily="2" charset="0"/>
+              </a:rPr>
+              <a:t>=</a:t>
+            </a:r>
+            <a:r>
+              <a:rPr lang="it-IT" sz="1600" dirty="0">
+                <a:latin typeface="Courier" pitchFamily="2" charset="0"/>
+              </a:rPr>
+              <a:t> a </a:t>
+            </a:r>
+            <a:r>
+              <a:rPr lang="it-IT" sz="1600" dirty="0">
+                <a:solidFill>
+                  <a:srgbClr val="797979"/>
+                </a:solidFill>
+                <a:latin typeface="Courier" pitchFamily="2" charset="0"/>
+              </a:rPr>
+              <a:t>*</a:t>
+            </a:r>
+            <a:r>
+              <a:rPr lang="it-IT" sz="1600" dirty="0">
+                <a:latin typeface="Courier" pitchFamily="2" charset="0"/>
+              </a:rPr>
+              <a:t> somma</a:t>
+            </a:r>
+          </a:p>
+          <a:p>
+            <a:endParaRPr lang="it-IT" sz="1600" dirty="0">
+              <a:latin typeface="Courier" pitchFamily="2" charset="0"/>
+            </a:endParaRPr>
+          </a:p>
+          <a:p>
+            <a:r>
+              <a:rPr lang="it-IT" sz="1600" dirty="0">
+                <a:latin typeface="Courier" pitchFamily="2" charset="0"/>
+              </a:rPr>
+              <a:t>    </a:t>
+            </a:r>
+            <a:r>
+              <a:rPr lang="it-IT" sz="1600" b="1" dirty="0" err="1">
+                <a:solidFill>
+                  <a:srgbClr val="008F00"/>
+                </a:solidFill>
+                <a:latin typeface="Courier" pitchFamily="2" charset="0"/>
+              </a:rPr>
+              <a:t>return</a:t>
+            </a:r>
+            <a:r>
+              <a:rPr lang="it-IT" sz="1600" dirty="0">
+                <a:latin typeface="Courier" pitchFamily="2" charset="0"/>
+              </a:rPr>
+              <a:t> </a:t>
+            </a:r>
+            <a:r>
+              <a:rPr lang="it-IT" sz="1600" dirty="0" err="1">
+                <a:latin typeface="Courier" pitchFamily="2" charset="0"/>
+              </a:rPr>
+              <a:t>r_array</a:t>
+            </a:r>
+            <a:endParaRPr lang="it-IT" sz="1600" dirty="0">
+              <a:effectLst/>
+              <a:latin typeface="Courier" pitchFamily="2" charset="0"/>
+            </a:endParaRPr>
+          </a:p>
+        </p:txBody>
+      </p:sp>
+      <p:sp>
+        <p:nvSpPr>
+          <p:cNvPr id="13" name="Rectangle 12">
+            <a:extLst>
+              <a:ext uri="{FF2B5EF4-FFF2-40B4-BE49-F238E27FC236}">
+                <a16:creationId xmlns:a16="http://schemas.microsoft.com/office/drawing/2014/main" id="{3808FDAD-0CD7-214B-BF38-509CF6079F8A}"/>
+              </a:ext>
+            </a:extLst>
+          </p:cNvPr>
+          <p:cNvSpPr/>
+          <p:nvPr/>
+        </p:nvSpPr>
+        <p:spPr>
+          <a:xfrm>
+            <a:off x="677330" y="4988106"/>
+            <a:ext cx="9538722" cy="1754326"/>
+          </a:xfrm>
+          <a:prstGeom prst="rect">
+            <a:avLst/>
+          </a:prstGeom>
+        </p:spPr>
+        <p:txBody>
+          <a:bodyPr wrap="square">
+            <a:spAutoFit/>
+          </a:bodyPr>
+          <a:lstStyle/>
+          <a:p>
+            <a:r>
+              <a:rPr lang="it-IT" b="1" dirty="0" err="1">
+                <a:solidFill>
+                  <a:srgbClr val="008F00"/>
+                </a:solidFill>
+                <a:latin typeface="Courier" pitchFamily="2" charset="0"/>
+              </a:rPr>
+              <a:t>def</a:t>
+            </a:r>
+            <a:r>
+              <a:rPr lang="it-IT" dirty="0">
+                <a:solidFill>
+                  <a:srgbClr val="000000"/>
+                </a:solidFill>
+                <a:latin typeface="Courier" pitchFamily="2" charset="0"/>
+              </a:rPr>
+              <a:t> </a:t>
+            </a:r>
+            <a:r>
+              <a:rPr lang="it-IT" dirty="0">
+                <a:solidFill>
+                  <a:srgbClr val="0433FF"/>
+                </a:solidFill>
+                <a:latin typeface="Courier" pitchFamily="2" charset="0"/>
+              </a:rPr>
+              <a:t>custom_dct2</a:t>
+            </a:r>
+            <a:r>
+              <a:rPr lang="it-IT" dirty="0">
+                <a:solidFill>
+                  <a:srgbClr val="000000"/>
+                </a:solidFill>
+                <a:latin typeface="Courier" pitchFamily="2" charset="0"/>
+              </a:rPr>
+              <a:t>(</a:t>
+            </a:r>
+            <a:r>
+              <a:rPr lang="it-IT" dirty="0" err="1">
+                <a:solidFill>
+                  <a:srgbClr val="000000"/>
+                </a:solidFill>
+                <a:latin typeface="Courier" pitchFamily="2" charset="0"/>
+              </a:rPr>
+              <a:t>mat</a:t>
+            </a:r>
+            <a:r>
+              <a:rPr lang="it-IT" dirty="0">
+                <a:solidFill>
+                  <a:srgbClr val="000000"/>
+                </a:solidFill>
+                <a:latin typeface="Courier" pitchFamily="2" charset="0"/>
+              </a:rPr>
+              <a:t>):</a:t>
+            </a:r>
+            <a:endParaRPr lang="it-IT" dirty="0">
+              <a:solidFill>
+                <a:srgbClr val="0433FF"/>
+              </a:solidFill>
+              <a:latin typeface="Courier" pitchFamily="2" charset="0"/>
+            </a:endParaRPr>
+          </a:p>
+          <a:p>
+            <a:r>
+              <a:rPr lang="it-IT" dirty="0">
+                <a:latin typeface="Courier" pitchFamily="2" charset="0"/>
+              </a:rPr>
+              <a:t>    </a:t>
+            </a:r>
+            <a:r>
+              <a:rPr lang="it-IT" dirty="0" err="1">
+                <a:latin typeface="Courier" pitchFamily="2" charset="0"/>
+              </a:rPr>
+              <a:t>r_mat</a:t>
+            </a:r>
+            <a:r>
+              <a:rPr lang="it-IT" dirty="0">
+                <a:latin typeface="Courier" pitchFamily="2" charset="0"/>
+              </a:rPr>
+              <a:t> </a:t>
+            </a:r>
+            <a:r>
+              <a:rPr lang="it-IT" dirty="0">
+                <a:solidFill>
+                  <a:srgbClr val="797979"/>
+                </a:solidFill>
+                <a:latin typeface="Courier" pitchFamily="2" charset="0"/>
+              </a:rPr>
+              <a:t>=</a:t>
+            </a:r>
+            <a:r>
+              <a:rPr lang="it-IT" dirty="0">
+                <a:latin typeface="Courier" pitchFamily="2" charset="0"/>
+              </a:rPr>
+              <a:t> </a:t>
+            </a:r>
+            <a:r>
+              <a:rPr lang="it-IT" dirty="0" err="1">
+                <a:latin typeface="Courier" pitchFamily="2" charset="0"/>
+              </a:rPr>
+              <a:t>np</a:t>
+            </a:r>
+            <a:r>
+              <a:rPr lang="it-IT" dirty="0" err="1">
+                <a:solidFill>
+                  <a:srgbClr val="797979"/>
+                </a:solidFill>
+                <a:latin typeface="Courier" pitchFamily="2" charset="0"/>
+              </a:rPr>
+              <a:t>.</a:t>
+            </a:r>
+            <a:r>
+              <a:rPr lang="it-IT" dirty="0" err="1">
+                <a:solidFill>
+                  <a:srgbClr val="00B0F0"/>
+                </a:solidFill>
+                <a:latin typeface="Courier" pitchFamily="2" charset="0"/>
+              </a:rPr>
+              <a:t>zeros</a:t>
+            </a:r>
+            <a:r>
+              <a:rPr lang="it-IT" dirty="0">
+                <a:latin typeface="Courier" pitchFamily="2" charset="0"/>
+              </a:rPr>
+              <a:t>(</a:t>
+            </a:r>
+            <a:r>
+              <a:rPr lang="it-IT" dirty="0" err="1">
+                <a:latin typeface="Courier" pitchFamily="2" charset="0"/>
+              </a:rPr>
+              <a:t>mat</a:t>
+            </a:r>
+            <a:r>
+              <a:rPr lang="it-IT" dirty="0" err="1">
+                <a:solidFill>
+                  <a:srgbClr val="797979"/>
+                </a:solidFill>
+                <a:latin typeface="Courier" pitchFamily="2" charset="0"/>
+              </a:rPr>
+              <a:t>.</a:t>
+            </a:r>
+            <a:r>
+              <a:rPr lang="it-IT" dirty="0" err="1">
+                <a:latin typeface="Courier" pitchFamily="2" charset="0"/>
+              </a:rPr>
+              <a:t>shape</a:t>
+            </a:r>
+            <a:r>
+              <a:rPr lang="it-IT" dirty="0">
+                <a:latin typeface="Courier" pitchFamily="2" charset="0"/>
+              </a:rPr>
+              <a:t>)</a:t>
+            </a:r>
+          </a:p>
+          <a:p>
+            <a:r>
+              <a:rPr lang="it-IT" dirty="0">
+                <a:latin typeface="Courier" pitchFamily="2" charset="0"/>
+              </a:rPr>
+              <a:t>    </a:t>
+            </a:r>
+            <a:r>
+              <a:rPr lang="it-IT" dirty="0" err="1">
+                <a:latin typeface="Courier" pitchFamily="2" charset="0"/>
+              </a:rPr>
+              <a:t>r_mat</a:t>
+            </a:r>
+            <a:r>
+              <a:rPr lang="it-IT" dirty="0">
+                <a:latin typeface="Courier" pitchFamily="2" charset="0"/>
+              </a:rPr>
+              <a:t> </a:t>
+            </a:r>
+            <a:r>
+              <a:rPr lang="it-IT" dirty="0">
+                <a:solidFill>
+                  <a:srgbClr val="797979"/>
+                </a:solidFill>
+                <a:latin typeface="Courier" pitchFamily="2" charset="0"/>
+              </a:rPr>
+              <a:t>=</a:t>
+            </a:r>
+            <a:r>
+              <a:rPr lang="it-IT" dirty="0">
+                <a:latin typeface="Courier" pitchFamily="2" charset="0"/>
+              </a:rPr>
+              <a:t> </a:t>
+            </a:r>
+            <a:r>
+              <a:rPr lang="it-IT" dirty="0" err="1">
+                <a:latin typeface="Courier" pitchFamily="2" charset="0"/>
+              </a:rPr>
+              <a:t>np</a:t>
+            </a:r>
+            <a:r>
+              <a:rPr lang="it-IT" dirty="0" err="1">
+                <a:solidFill>
+                  <a:srgbClr val="797979"/>
+                </a:solidFill>
+                <a:latin typeface="Courier" pitchFamily="2" charset="0"/>
+              </a:rPr>
+              <a:t>.</a:t>
+            </a:r>
+            <a:r>
+              <a:rPr lang="it-IT" dirty="0" err="1">
+                <a:solidFill>
+                  <a:srgbClr val="00B0F0"/>
+                </a:solidFill>
+                <a:latin typeface="Courier" pitchFamily="2" charset="0"/>
+              </a:rPr>
+              <a:t>apply_along_axis</a:t>
+            </a:r>
+            <a:r>
+              <a:rPr lang="it-IT" dirty="0">
+                <a:latin typeface="Courier" pitchFamily="2" charset="0"/>
+              </a:rPr>
+              <a:t>(</a:t>
+            </a:r>
+            <a:r>
+              <a:rPr lang="it-IT" dirty="0" err="1">
+                <a:latin typeface="Courier" pitchFamily="2" charset="0"/>
+              </a:rPr>
+              <a:t>custom_dct</a:t>
+            </a:r>
+            <a:r>
+              <a:rPr lang="it-IT" dirty="0">
+                <a:latin typeface="Courier" pitchFamily="2" charset="0"/>
+              </a:rPr>
+              <a:t>, </a:t>
+            </a:r>
+            <a:r>
+              <a:rPr lang="it-IT" dirty="0" err="1">
+                <a:solidFill>
+                  <a:schemeClr val="accent4"/>
+                </a:solidFill>
+                <a:latin typeface="Courier" pitchFamily="2" charset="0"/>
+              </a:rPr>
+              <a:t>axis</a:t>
+            </a:r>
+            <a:r>
+              <a:rPr lang="it-IT" dirty="0">
+                <a:solidFill>
+                  <a:srgbClr val="797979"/>
+                </a:solidFill>
+                <a:latin typeface="Courier" pitchFamily="2" charset="0"/>
+              </a:rPr>
+              <a:t>=1</a:t>
+            </a:r>
+            <a:r>
+              <a:rPr lang="it-IT" dirty="0">
+                <a:latin typeface="Courier" pitchFamily="2" charset="0"/>
+              </a:rPr>
+              <a:t>, </a:t>
+            </a:r>
+            <a:r>
+              <a:rPr lang="it-IT" dirty="0" err="1">
+                <a:solidFill>
+                  <a:schemeClr val="accent4"/>
+                </a:solidFill>
+                <a:latin typeface="Courier" pitchFamily="2" charset="0"/>
+              </a:rPr>
+              <a:t>arr</a:t>
+            </a:r>
+            <a:r>
+              <a:rPr lang="it-IT" dirty="0">
+                <a:solidFill>
+                  <a:srgbClr val="797979"/>
+                </a:solidFill>
+                <a:latin typeface="Courier" pitchFamily="2" charset="0"/>
+              </a:rPr>
+              <a:t>=</a:t>
+            </a:r>
+            <a:r>
+              <a:rPr lang="it-IT" dirty="0" err="1">
+                <a:latin typeface="Courier" pitchFamily="2" charset="0"/>
+              </a:rPr>
+              <a:t>mat</a:t>
+            </a:r>
+            <a:r>
+              <a:rPr lang="it-IT" dirty="0">
+                <a:latin typeface="Courier" pitchFamily="2" charset="0"/>
+              </a:rPr>
+              <a:t>)</a:t>
+            </a:r>
+          </a:p>
+          <a:p>
+            <a:r>
+              <a:rPr lang="it-IT" dirty="0">
+                <a:latin typeface="Courier" pitchFamily="2" charset="0"/>
+              </a:rPr>
+              <a:t>    </a:t>
+            </a:r>
+            <a:r>
+              <a:rPr lang="it-IT" dirty="0" err="1">
+                <a:latin typeface="Courier" pitchFamily="2" charset="0"/>
+              </a:rPr>
+              <a:t>r_mat</a:t>
+            </a:r>
+            <a:r>
+              <a:rPr lang="it-IT" dirty="0">
+                <a:latin typeface="Courier" pitchFamily="2" charset="0"/>
+              </a:rPr>
+              <a:t> </a:t>
+            </a:r>
+            <a:r>
+              <a:rPr lang="it-IT" dirty="0">
+                <a:solidFill>
+                  <a:srgbClr val="797979"/>
+                </a:solidFill>
+                <a:latin typeface="Courier" pitchFamily="2" charset="0"/>
+              </a:rPr>
+              <a:t>=</a:t>
+            </a:r>
+            <a:r>
+              <a:rPr lang="it-IT" dirty="0">
+                <a:latin typeface="Courier" pitchFamily="2" charset="0"/>
+              </a:rPr>
+              <a:t> </a:t>
+            </a:r>
+            <a:r>
+              <a:rPr lang="it-IT" dirty="0" err="1">
+                <a:latin typeface="Courier" pitchFamily="2" charset="0"/>
+              </a:rPr>
+              <a:t>np</a:t>
+            </a:r>
+            <a:r>
+              <a:rPr lang="it-IT" dirty="0" err="1">
+                <a:solidFill>
+                  <a:srgbClr val="797979"/>
+                </a:solidFill>
+                <a:latin typeface="Courier" pitchFamily="2" charset="0"/>
+              </a:rPr>
+              <a:t>.</a:t>
+            </a:r>
+            <a:r>
+              <a:rPr lang="it-IT" dirty="0" err="1">
+                <a:solidFill>
+                  <a:srgbClr val="00B0F0"/>
+                </a:solidFill>
+                <a:latin typeface="Courier" pitchFamily="2" charset="0"/>
+              </a:rPr>
+              <a:t>apply_along_axis</a:t>
+            </a:r>
+            <a:r>
+              <a:rPr lang="it-IT" dirty="0">
+                <a:latin typeface="Courier" pitchFamily="2" charset="0"/>
+              </a:rPr>
+              <a:t>(</a:t>
+            </a:r>
+            <a:r>
+              <a:rPr lang="it-IT" dirty="0" err="1">
+                <a:latin typeface="Courier" pitchFamily="2" charset="0"/>
+              </a:rPr>
+              <a:t>custom_dct</a:t>
+            </a:r>
+            <a:r>
+              <a:rPr lang="it-IT" dirty="0">
+                <a:latin typeface="Courier" pitchFamily="2" charset="0"/>
+              </a:rPr>
+              <a:t>, </a:t>
+            </a:r>
+            <a:r>
+              <a:rPr lang="it-IT" dirty="0" err="1">
+                <a:solidFill>
+                  <a:schemeClr val="accent4"/>
+                </a:solidFill>
+                <a:latin typeface="Courier" pitchFamily="2" charset="0"/>
+              </a:rPr>
+              <a:t>axis</a:t>
+            </a:r>
+            <a:r>
+              <a:rPr lang="it-IT" dirty="0">
+                <a:solidFill>
+                  <a:srgbClr val="797979"/>
+                </a:solidFill>
+                <a:latin typeface="Courier" pitchFamily="2" charset="0"/>
+              </a:rPr>
+              <a:t>=0</a:t>
+            </a:r>
+            <a:r>
+              <a:rPr lang="it-IT" dirty="0">
+                <a:latin typeface="Courier" pitchFamily="2" charset="0"/>
+              </a:rPr>
+              <a:t>, </a:t>
+            </a:r>
+            <a:r>
+              <a:rPr lang="it-IT" dirty="0" err="1">
+                <a:solidFill>
+                  <a:schemeClr val="accent4"/>
+                </a:solidFill>
+                <a:latin typeface="Courier" pitchFamily="2" charset="0"/>
+              </a:rPr>
+              <a:t>arr</a:t>
+            </a:r>
+            <a:r>
+              <a:rPr lang="it-IT" dirty="0">
+                <a:solidFill>
+                  <a:srgbClr val="797979"/>
+                </a:solidFill>
+                <a:latin typeface="Courier" pitchFamily="2" charset="0"/>
+              </a:rPr>
+              <a:t>=</a:t>
+            </a:r>
+            <a:r>
+              <a:rPr lang="it-IT" dirty="0" err="1">
+                <a:latin typeface="Courier" pitchFamily="2" charset="0"/>
+              </a:rPr>
+              <a:t>r_mat</a:t>
+            </a:r>
+            <a:r>
+              <a:rPr lang="it-IT" dirty="0">
+                <a:latin typeface="Courier" pitchFamily="2" charset="0"/>
+              </a:rPr>
+              <a:t>)</a:t>
+            </a:r>
+          </a:p>
+          <a:p>
+            <a:endParaRPr lang="it-IT" dirty="0">
+              <a:latin typeface="Courier" pitchFamily="2" charset="0"/>
+            </a:endParaRPr>
+          </a:p>
+          <a:p>
+            <a:r>
+              <a:rPr lang="it-IT" dirty="0">
+                <a:latin typeface="Courier" pitchFamily="2" charset="0"/>
+              </a:rPr>
+              <a:t>    </a:t>
+            </a:r>
+            <a:r>
+              <a:rPr lang="it-IT" b="1" dirty="0" err="1">
+                <a:solidFill>
+                  <a:srgbClr val="008F00"/>
+                </a:solidFill>
+                <a:latin typeface="Courier" pitchFamily="2" charset="0"/>
+              </a:rPr>
+              <a:t>return</a:t>
+            </a:r>
+            <a:r>
+              <a:rPr lang="it-IT" dirty="0">
+                <a:latin typeface="Courier" pitchFamily="2" charset="0"/>
+              </a:rPr>
+              <a:t> </a:t>
+            </a:r>
+            <a:r>
+              <a:rPr lang="it-IT" dirty="0" err="1">
+                <a:latin typeface="Courier" pitchFamily="2" charset="0"/>
+              </a:rPr>
+              <a:t>r_mat</a:t>
+            </a:r>
+            <a:endParaRPr lang="it-IT" dirty="0">
+              <a:effectLst/>
+              <a:latin typeface="Courier" pitchFamily="2" charset="0"/>
+            </a:endParaRPr>
+          </a:p>
+        </p:txBody>
+      </p:sp>
     </p:spTree>
     <p:extLst>
       <p:ext uri="{BB962C8B-B14F-4D97-AF65-F5344CB8AC3E}">
-        <p14:creationId xmlns:p14="http://schemas.microsoft.com/office/powerpoint/2010/main" val="3868680790"/>
+        <p14:creationId xmlns:p14="http://schemas.microsoft.com/office/powerpoint/2010/main" val="2503317155"/>
       </p:ext>
     </p:extLst>
   </p:cSld>
@@ -9939,7 +10108,7 @@
           <p:cNvPr id="2" name="Titolo 1">
             <a:extLst>
               <a:ext uri="{FF2B5EF4-FFF2-40B4-BE49-F238E27FC236}">
-                <a16:creationId xmlns:a16="http://schemas.microsoft.com/office/drawing/2014/main" id="{237D168E-2848-4CC8-859E-C3AD8C6A5584}"/>
+                <a16:creationId xmlns:a16="http://schemas.microsoft.com/office/drawing/2014/main" id="{DC365D28-736F-4CF8-B2AD-DF8214696B79}"/>
               </a:ext>
             </a:extLst>
           </p:cNvPr>
@@ -9957,7 +10126,7 @@
           <a:p>
             <a:r>
               <a:rPr lang="it-IT" dirty="0"/>
-              <a:t>Parte 2 – Plot immagini zoom</a:t>
+              <a:t>Parte 2 – Plot immagini</a:t>
             </a:r>
           </a:p>
         </p:txBody>
@@ -9967,7 +10136,7 @@
           <p:cNvPr id="5" name="Segnaposto contenuto 4">
             <a:extLst>
               <a:ext uri="{FF2B5EF4-FFF2-40B4-BE49-F238E27FC236}">
-                <a16:creationId xmlns:a16="http://schemas.microsoft.com/office/drawing/2014/main" id="{8AF48AB5-B328-47E8-9006-FE1C442BB816}"/>
+                <a16:creationId xmlns:a16="http://schemas.microsoft.com/office/drawing/2014/main" id="{0523A00E-A1CD-4244-9698-55FEEF708259}"/>
               </a:ext>
             </a:extLst>
           </p:cNvPr>
@@ -9980,20 +10149,20 @@
         </p:nvPicPr>
         <p:blipFill rotWithShape="1">
           <a:blip r:embed="rId2"/>
-          <a:srcRect l="9840" t="22372" r="9816" b="20940"/>
+          <a:srcRect l="9562" t="24238" r="8463" b="23708"/>
           <a:stretch/>
         </p:blipFill>
         <p:spPr>
           <a:xfrm>
-            <a:off x="788890" y="1824495"/>
-            <a:ext cx="10762472" cy="4068954"/>
+            <a:off x="261378" y="1443713"/>
+            <a:ext cx="11669244" cy="3970574"/>
           </a:xfrm>
         </p:spPr>
       </p:pic>
     </p:spTree>
     <p:extLst>
       <p:ext uri="{BB962C8B-B14F-4D97-AF65-F5344CB8AC3E}">
-        <p14:creationId xmlns:p14="http://schemas.microsoft.com/office/powerpoint/2010/main" val="788438611"/>
+        <p14:creationId xmlns:p14="http://schemas.microsoft.com/office/powerpoint/2010/main" val="1994904751"/>
       </p:ext>
     </p:extLst>
   </p:cSld>
